--- a/VALORANT útmutató.pptx
+++ b/VALORANT útmutató.pptx
@@ -6,6 +6,9 @@
   </p:sldMasterIdLst>
   <p:sldIdLst>
     <p:sldId id="256" r:id="rId2"/>
+    <p:sldId id="257" r:id="rId3"/>
+    <p:sldId id="258" r:id="rId4"/>
+    <p:sldId id="259" r:id="rId5"/>
   </p:sldIdLst>
   <p:sldSz cx="12192000" cy="6858000"/>
   <p:notesSz cx="6858000" cy="9144000"/>
@@ -104,6 +107,11 @@
       </a:defRPr>
     </a:lvl9pPr>
   </p:defaultTextStyle>
+  <p:extLst>
+    <p:ext uri="{EFAFB233-063F-42B5-8137-9DF3F51BA10A}">
+      <p15:sldGuideLst xmlns:p15="http://schemas.microsoft.com/office/powerpoint/2012/main"/>
+    </p:ext>
+  </p:extLst>
 </p:presentation>
 </file>
 
@@ -238,9 +246,9 @@
           <a:p>
             <a:fld id="{8A03A660-8C9C-4A1F-A743-276051C51089}" type="datetimeFigureOut">
               <a:rPr lang="hu-HU" smtClean="0"/>
-              <a:t>2023.02.01.</a:t>
+              <a:t>2023.02.03.</a:t>
             </a:fld>
-            <a:endParaRPr lang="hu-HU"/>
+            <a:endParaRPr lang="hu-HU" dirty="0"/>
           </a:p>
         </p:txBody>
       </p:sp>
@@ -259,7 +267,7 @@
           <a:bodyPr/>
           <a:lstStyle/>
           <a:p>
-            <a:endParaRPr lang="hu-HU"/>
+            <a:endParaRPr lang="hu-HU" dirty="0"/>
           </a:p>
         </p:txBody>
       </p:sp>
@@ -282,7 +290,7 @@
               <a:rPr lang="hu-HU" smtClean="0"/>
               <a:t>‹#›</a:t>
             </a:fld>
-            <a:endParaRPr lang="hu-HU"/>
+            <a:endParaRPr lang="hu-HU" dirty="0"/>
           </a:p>
         </p:txBody>
       </p:sp>
@@ -408,9 +416,9 @@
           <a:p>
             <a:fld id="{8A03A660-8C9C-4A1F-A743-276051C51089}" type="datetimeFigureOut">
               <a:rPr lang="hu-HU" smtClean="0"/>
-              <a:t>2023.02.01.</a:t>
+              <a:t>2023.02.03.</a:t>
             </a:fld>
-            <a:endParaRPr lang="hu-HU"/>
+            <a:endParaRPr lang="hu-HU" dirty="0"/>
           </a:p>
         </p:txBody>
       </p:sp>
@@ -429,7 +437,7 @@
           <a:bodyPr/>
           <a:lstStyle/>
           <a:p>
-            <a:endParaRPr lang="hu-HU"/>
+            <a:endParaRPr lang="hu-HU" dirty="0"/>
           </a:p>
         </p:txBody>
       </p:sp>
@@ -452,7 +460,7 @@
               <a:rPr lang="hu-HU" smtClean="0"/>
               <a:t>‹#›</a:t>
             </a:fld>
-            <a:endParaRPr lang="hu-HU"/>
+            <a:endParaRPr lang="hu-HU" dirty="0"/>
           </a:p>
         </p:txBody>
       </p:sp>
@@ -588,9 +596,9 @@
           <a:p>
             <a:fld id="{8A03A660-8C9C-4A1F-A743-276051C51089}" type="datetimeFigureOut">
               <a:rPr lang="hu-HU" smtClean="0"/>
-              <a:t>2023.02.01.</a:t>
+              <a:t>2023.02.03.</a:t>
             </a:fld>
-            <a:endParaRPr lang="hu-HU"/>
+            <a:endParaRPr lang="hu-HU" dirty="0"/>
           </a:p>
         </p:txBody>
       </p:sp>
@@ -609,7 +617,7 @@
           <a:bodyPr/>
           <a:lstStyle/>
           <a:p>
-            <a:endParaRPr lang="hu-HU"/>
+            <a:endParaRPr lang="hu-HU" dirty="0"/>
           </a:p>
         </p:txBody>
       </p:sp>
@@ -632,7 +640,7 @@
               <a:rPr lang="hu-HU" smtClean="0"/>
               <a:t>‹#›</a:t>
             </a:fld>
-            <a:endParaRPr lang="hu-HU"/>
+            <a:endParaRPr lang="hu-HU" dirty="0"/>
           </a:p>
         </p:txBody>
       </p:sp>
@@ -758,9 +766,9 @@
           <a:p>
             <a:fld id="{8A03A660-8C9C-4A1F-A743-276051C51089}" type="datetimeFigureOut">
               <a:rPr lang="hu-HU" smtClean="0"/>
-              <a:t>2023.02.01.</a:t>
+              <a:t>2023.02.03.</a:t>
             </a:fld>
-            <a:endParaRPr lang="hu-HU"/>
+            <a:endParaRPr lang="hu-HU" dirty="0"/>
           </a:p>
         </p:txBody>
       </p:sp>
@@ -779,7 +787,7 @@
           <a:bodyPr/>
           <a:lstStyle/>
           <a:p>
-            <a:endParaRPr lang="hu-HU"/>
+            <a:endParaRPr lang="hu-HU" dirty="0"/>
           </a:p>
         </p:txBody>
       </p:sp>
@@ -802,7 +810,7 @@
               <a:rPr lang="hu-HU" smtClean="0"/>
               <a:t>‹#›</a:t>
             </a:fld>
-            <a:endParaRPr lang="hu-HU"/>
+            <a:endParaRPr lang="hu-HU" dirty="0"/>
           </a:p>
         </p:txBody>
       </p:sp>
@@ -1004,9 +1012,9 @@
           <a:p>
             <a:fld id="{8A03A660-8C9C-4A1F-A743-276051C51089}" type="datetimeFigureOut">
               <a:rPr lang="hu-HU" smtClean="0"/>
-              <a:t>2023.02.01.</a:t>
+              <a:t>2023.02.03.</a:t>
             </a:fld>
-            <a:endParaRPr lang="hu-HU"/>
+            <a:endParaRPr lang="hu-HU" dirty="0"/>
           </a:p>
         </p:txBody>
       </p:sp>
@@ -1025,7 +1033,7 @@
           <a:bodyPr/>
           <a:lstStyle/>
           <a:p>
-            <a:endParaRPr lang="hu-HU"/>
+            <a:endParaRPr lang="hu-HU" dirty="0"/>
           </a:p>
         </p:txBody>
       </p:sp>
@@ -1048,7 +1056,7 @@
               <a:rPr lang="hu-HU" smtClean="0"/>
               <a:t>‹#›</a:t>
             </a:fld>
-            <a:endParaRPr lang="hu-HU"/>
+            <a:endParaRPr lang="hu-HU" dirty="0"/>
           </a:p>
         </p:txBody>
       </p:sp>
@@ -1236,9 +1244,9 @@
           <a:p>
             <a:fld id="{8A03A660-8C9C-4A1F-A743-276051C51089}" type="datetimeFigureOut">
               <a:rPr lang="hu-HU" smtClean="0"/>
-              <a:t>2023.02.01.</a:t>
+              <a:t>2023.02.03.</a:t>
             </a:fld>
-            <a:endParaRPr lang="hu-HU"/>
+            <a:endParaRPr lang="hu-HU" dirty="0"/>
           </a:p>
         </p:txBody>
       </p:sp>
@@ -1257,7 +1265,7 @@
           <a:bodyPr/>
           <a:lstStyle/>
           <a:p>
-            <a:endParaRPr lang="hu-HU"/>
+            <a:endParaRPr lang="hu-HU" dirty="0"/>
           </a:p>
         </p:txBody>
       </p:sp>
@@ -1280,7 +1288,7 @@
               <a:rPr lang="hu-HU" smtClean="0"/>
               <a:t>‹#›</a:t>
             </a:fld>
-            <a:endParaRPr lang="hu-HU"/>
+            <a:endParaRPr lang="hu-HU" dirty="0"/>
           </a:p>
         </p:txBody>
       </p:sp>
@@ -1603,9 +1611,9 @@
           <a:p>
             <a:fld id="{8A03A660-8C9C-4A1F-A743-276051C51089}" type="datetimeFigureOut">
               <a:rPr lang="hu-HU" smtClean="0"/>
-              <a:t>2023.02.01.</a:t>
+              <a:t>2023.02.03.</a:t>
             </a:fld>
-            <a:endParaRPr lang="hu-HU"/>
+            <a:endParaRPr lang="hu-HU" dirty="0"/>
           </a:p>
         </p:txBody>
       </p:sp>
@@ -1624,7 +1632,7 @@
           <a:bodyPr/>
           <a:lstStyle/>
           <a:p>
-            <a:endParaRPr lang="hu-HU"/>
+            <a:endParaRPr lang="hu-HU" dirty="0"/>
           </a:p>
         </p:txBody>
       </p:sp>
@@ -1647,7 +1655,7 @@
               <a:rPr lang="hu-HU" smtClean="0"/>
               <a:t>‹#›</a:t>
             </a:fld>
-            <a:endParaRPr lang="hu-HU"/>
+            <a:endParaRPr lang="hu-HU" dirty="0"/>
           </a:p>
         </p:txBody>
       </p:sp>
@@ -1721,9 +1729,9 @@
           <a:p>
             <a:fld id="{8A03A660-8C9C-4A1F-A743-276051C51089}" type="datetimeFigureOut">
               <a:rPr lang="hu-HU" smtClean="0"/>
-              <a:t>2023.02.01.</a:t>
+              <a:t>2023.02.03.</a:t>
             </a:fld>
-            <a:endParaRPr lang="hu-HU"/>
+            <a:endParaRPr lang="hu-HU" dirty="0"/>
           </a:p>
         </p:txBody>
       </p:sp>
@@ -1742,7 +1750,7 @@
           <a:bodyPr/>
           <a:lstStyle/>
           <a:p>
-            <a:endParaRPr lang="hu-HU"/>
+            <a:endParaRPr lang="hu-HU" dirty="0"/>
           </a:p>
         </p:txBody>
       </p:sp>
@@ -1765,7 +1773,7 @@
               <a:rPr lang="hu-HU" smtClean="0"/>
               <a:t>‹#›</a:t>
             </a:fld>
-            <a:endParaRPr lang="hu-HU"/>
+            <a:endParaRPr lang="hu-HU" dirty="0"/>
           </a:p>
         </p:txBody>
       </p:sp>
@@ -1816,9 +1824,9 @@
           <a:p>
             <a:fld id="{8A03A660-8C9C-4A1F-A743-276051C51089}" type="datetimeFigureOut">
               <a:rPr lang="hu-HU" smtClean="0"/>
-              <a:t>2023.02.01.</a:t>
+              <a:t>2023.02.03.</a:t>
             </a:fld>
-            <a:endParaRPr lang="hu-HU"/>
+            <a:endParaRPr lang="hu-HU" dirty="0"/>
           </a:p>
         </p:txBody>
       </p:sp>
@@ -1837,7 +1845,7 @@
           <a:bodyPr/>
           <a:lstStyle/>
           <a:p>
-            <a:endParaRPr lang="hu-HU"/>
+            <a:endParaRPr lang="hu-HU" dirty="0"/>
           </a:p>
         </p:txBody>
       </p:sp>
@@ -1860,7 +1868,7 @@
               <a:rPr lang="hu-HU" smtClean="0"/>
               <a:t>‹#›</a:t>
             </a:fld>
-            <a:endParaRPr lang="hu-HU"/>
+            <a:endParaRPr lang="hu-HU" dirty="0"/>
           </a:p>
         </p:txBody>
       </p:sp>
@@ -2093,9 +2101,9 @@
           <a:p>
             <a:fld id="{8A03A660-8C9C-4A1F-A743-276051C51089}" type="datetimeFigureOut">
               <a:rPr lang="hu-HU" smtClean="0"/>
-              <a:t>2023.02.01.</a:t>
+              <a:t>2023.02.03.</a:t>
             </a:fld>
-            <a:endParaRPr lang="hu-HU"/>
+            <a:endParaRPr lang="hu-HU" dirty="0"/>
           </a:p>
         </p:txBody>
       </p:sp>
@@ -2114,7 +2122,7 @@
           <a:bodyPr/>
           <a:lstStyle/>
           <a:p>
-            <a:endParaRPr lang="hu-HU"/>
+            <a:endParaRPr lang="hu-HU" dirty="0"/>
           </a:p>
         </p:txBody>
       </p:sp>
@@ -2137,7 +2145,7 @@
               <a:rPr lang="hu-HU" smtClean="0"/>
               <a:t>‹#›</a:t>
             </a:fld>
-            <a:endParaRPr lang="hu-HU"/>
+            <a:endParaRPr lang="hu-HU" dirty="0"/>
           </a:p>
         </p:txBody>
       </p:sp>
@@ -2260,7 +2268,7 @@
             </a:lvl9pPr>
           </a:lstStyle>
           <a:p>
-            <a:endParaRPr lang="hu-HU"/>
+            <a:endParaRPr lang="hu-HU" dirty="0"/>
           </a:p>
         </p:txBody>
       </p:sp>
@@ -2346,9 +2354,9 @@
           <a:p>
             <a:fld id="{8A03A660-8C9C-4A1F-A743-276051C51089}" type="datetimeFigureOut">
               <a:rPr lang="hu-HU" smtClean="0"/>
-              <a:t>2023.02.01.</a:t>
+              <a:t>2023.02.03.</a:t>
             </a:fld>
-            <a:endParaRPr lang="hu-HU"/>
+            <a:endParaRPr lang="hu-HU" dirty="0"/>
           </a:p>
         </p:txBody>
       </p:sp>
@@ -2367,7 +2375,7 @@
           <a:bodyPr/>
           <a:lstStyle/>
           <a:p>
-            <a:endParaRPr lang="hu-HU"/>
+            <a:endParaRPr lang="hu-HU" dirty="0"/>
           </a:p>
         </p:txBody>
       </p:sp>
@@ -2390,7 +2398,7 @@
               <a:rPr lang="hu-HU" smtClean="0"/>
               <a:t>‹#›</a:t>
             </a:fld>
-            <a:endParaRPr lang="hu-HU"/>
+            <a:endParaRPr lang="hu-HU" dirty="0"/>
           </a:p>
         </p:txBody>
       </p:sp>
@@ -2559,9 +2567,9 @@
           <a:p>
             <a:fld id="{8A03A660-8C9C-4A1F-A743-276051C51089}" type="datetimeFigureOut">
               <a:rPr lang="hu-HU" smtClean="0"/>
-              <a:t>2023.02.01.</a:t>
+              <a:t>2023.02.03.</a:t>
             </a:fld>
-            <a:endParaRPr lang="hu-HU"/>
+            <a:endParaRPr lang="hu-HU" dirty="0"/>
           </a:p>
         </p:txBody>
       </p:sp>
@@ -2598,7 +2606,7 @@
             </a:lvl1pPr>
           </a:lstStyle>
           <a:p>
-            <a:endParaRPr lang="hu-HU"/>
+            <a:endParaRPr lang="hu-HU" dirty="0"/>
           </a:p>
         </p:txBody>
       </p:sp>
@@ -2639,7 +2647,7 @@
               <a:rPr lang="hu-HU" smtClean="0"/>
               <a:t>‹#›</a:t>
             </a:fld>
-            <a:endParaRPr lang="hu-HU"/>
+            <a:endParaRPr lang="hu-HU" dirty="0"/>
           </a:p>
         </p:txBody>
       </p:sp>
@@ -3058,6 +3066,705 @@
   <p:clrMapOvr>
     <a:masterClrMapping/>
   </p:clrMapOvr>
+  <p:timing>
+    <p:tnLst>
+      <p:par>
+        <p:cTn id="1" dur="indefinite" restart="never" nodeType="tmRoot"/>
+      </p:par>
+    </p:tnLst>
+  </p:timing>
+</p:sld>
+</file>
+
+<file path=ppt/slides/slide2.xml><?xml version="1.0" encoding="utf-8"?>
+<p:sld xmlns:a="http://schemas.openxmlformats.org/drawingml/2006/main" xmlns:r="http://schemas.openxmlformats.org/officeDocument/2006/relationships" xmlns:p="http://schemas.openxmlformats.org/presentationml/2006/main">
+  <p:cSld>
+    <p:bg>
+      <p:bgPr>
+        <a:solidFill>
+          <a:srgbClr val="111721"/>
+        </a:solidFill>
+        <a:effectLst/>
+      </p:bgPr>
+    </p:bg>
+    <p:spTree>
+      <p:nvGrpSpPr>
+        <p:cNvPr id="1" name=""/>
+        <p:cNvGrpSpPr/>
+        <p:nvPr/>
+      </p:nvGrpSpPr>
+      <p:grpSpPr>
+        <a:xfrm>
+          <a:off x="0" y="0"/>
+          <a:ext cx="0" cy="0"/>
+          <a:chOff x="0" y="0"/>
+          <a:chExt cx="0" cy="0"/>
+        </a:xfrm>
+      </p:grpSpPr>
+      <p:sp>
+        <p:nvSpPr>
+          <p:cNvPr id="4" name="Cím 1"/>
+          <p:cNvSpPr txBox="1">
+            <a:spLocks/>
+          </p:cNvSpPr>
+          <p:nvPr/>
+        </p:nvSpPr>
+        <p:spPr>
+          <a:xfrm>
+            <a:off x="344904" y="16042"/>
+            <a:ext cx="7716253" cy="1876926"/>
+          </a:xfrm>
+          <a:prstGeom prst="rect">
+            <a:avLst/>
+          </a:prstGeom>
+        </p:spPr>
+        <p:txBody>
+          <a:bodyPr vert="horz" lIns="91440" tIns="45720" rIns="91440" bIns="45720" rtlCol="0" anchor="b">
+            <a:noAutofit/>
+          </a:bodyPr>
+          <a:lstStyle>
+            <a:lvl1pPr algn="ctr" defTabSz="914400" rtl="0" eaLnBrk="1" latinLnBrk="0" hangingPunct="1">
+              <a:lnSpc>
+                <a:spcPct val="90000"/>
+              </a:lnSpc>
+              <a:spcBef>
+                <a:spcPct val="0"/>
+              </a:spcBef>
+              <a:buNone/>
+              <a:defRPr sz="6000" kern="1200">
+                <a:solidFill>
+                  <a:schemeClr val="tx1"/>
+                </a:solidFill>
+                <a:latin typeface="+mj-lt"/>
+                <a:ea typeface="+mj-ea"/>
+                <a:cs typeface="+mj-cs"/>
+              </a:defRPr>
+            </a:lvl1pPr>
+          </a:lstStyle>
+          <a:p>
+            <a:pPr algn="l"/>
+            <a:r>
+              <a:rPr lang="hu-HU" sz="4500" dirty="0" smtClean="0">
+                <a:solidFill>
+                  <a:srgbClr val="FE4755"/>
+                </a:solidFill>
+              </a:rPr>
+              <a:t>Csanádi Kevin része a munkából</a:t>
+            </a:r>
+            <a:br>
+              <a:rPr lang="hu-HU" sz="4500" dirty="0" smtClean="0">
+                <a:solidFill>
+                  <a:srgbClr val="FE4755"/>
+                </a:solidFill>
+              </a:rPr>
+            </a:br>
+            <a:endParaRPr lang="hu-HU" sz="4500" dirty="0">
+              <a:solidFill>
+                <a:srgbClr val="FE4755"/>
+              </a:solidFill>
+            </a:endParaRPr>
+          </a:p>
+        </p:txBody>
+      </p:sp>
+      <p:sp>
+        <p:nvSpPr>
+          <p:cNvPr id="9" name="Szövegdoboz 8"/>
+          <p:cNvSpPr txBox="1"/>
+          <p:nvPr/>
+        </p:nvSpPr>
+        <p:spPr>
+          <a:xfrm>
+            <a:off x="344904" y="2277979"/>
+            <a:ext cx="5871411" cy="1892826"/>
+          </a:xfrm>
+          <a:prstGeom prst="rect">
+            <a:avLst/>
+          </a:prstGeom>
+          <a:noFill/>
+        </p:spPr>
+        <p:txBody>
+          <a:bodyPr wrap="square" rtlCol="0">
+            <a:spAutoFit/>
+          </a:bodyPr>
+          <a:lstStyle/>
+          <a:p>
+            <a:pPr>
+              <a:lnSpc>
+                <a:spcPct val="150000"/>
+              </a:lnSpc>
+            </a:pPr>
+            <a:r>
+              <a:rPr lang="hu-HU" sz="2600" dirty="0" smtClean="0">
+                <a:solidFill>
+                  <a:srgbClr val="FE4755"/>
+                </a:solidFill>
+              </a:rPr>
+              <a:t>Főoldal megtervezése</a:t>
+            </a:r>
+          </a:p>
+          <a:p>
+            <a:pPr>
+              <a:lnSpc>
+                <a:spcPct val="150000"/>
+              </a:lnSpc>
+            </a:pPr>
+            <a:r>
+              <a:rPr lang="hu-HU" sz="2600" dirty="0" smtClean="0">
+                <a:solidFill>
+                  <a:srgbClr val="FE4755"/>
+                </a:solidFill>
+              </a:rPr>
+              <a:t>Főoldal design ötlet megvalósítása</a:t>
+            </a:r>
+          </a:p>
+          <a:p>
+            <a:pPr>
+              <a:lnSpc>
+                <a:spcPct val="150000"/>
+              </a:lnSpc>
+            </a:pPr>
+            <a:r>
+              <a:rPr lang="hu-HU" sz="2600" dirty="0" smtClean="0">
+                <a:solidFill>
+                  <a:srgbClr val="FE4755"/>
+                </a:solidFill>
+              </a:rPr>
+              <a:t>Ascent, Bind, Breeze aloldalak elkészítése</a:t>
+            </a:r>
+          </a:p>
+        </p:txBody>
+      </p:sp>
+      <p:pic>
+        <p:nvPicPr>
+          <p:cNvPr id="11" name="Kép 10"/>
+          <p:cNvPicPr>
+            <a:picLocks noChangeAspect="1"/>
+          </p:cNvPicPr>
+          <p:nvPr/>
+        </p:nvPicPr>
+        <p:blipFill>
+          <a:blip r:embed="rId2"/>
+          <a:stretch>
+            <a:fillRect/>
+          </a:stretch>
+        </p:blipFill>
+        <p:spPr>
+          <a:xfrm>
+            <a:off x="7048428" y="2277979"/>
+            <a:ext cx="4951066" cy="3810000"/>
+          </a:xfrm>
+          <a:prstGeom prst="rect">
+            <a:avLst/>
+          </a:prstGeom>
+        </p:spPr>
+      </p:pic>
+      <p:sp>
+        <p:nvSpPr>
+          <p:cNvPr id="12" name="Szövegdoboz 11"/>
+          <p:cNvSpPr txBox="1"/>
+          <p:nvPr/>
+        </p:nvSpPr>
+        <p:spPr>
+          <a:xfrm>
+            <a:off x="8318279" y="6103658"/>
+            <a:ext cx="2411365" cy="369332"/>
+          </a:xfrm>
+          <a:prstGeom prst="rect">
+            <a:avLst/>
+          </a:prstGeom>
+          <a:noFill/>
+        </p:spPr>
+        <p:txBody>
+          <a:bodyPr wrap="square" rtlCol="0">
+            <a:spAutoFit/>
+          </a:bodyPr>
+          <a:lstStyle/>
+          <a:p>
+            <a:r>
+              <a:rPr lang="hu-HU" dirty="0" smtClean="0">
+                <a:solidFill>
+                  <a:srgbClr val="FE4755"/>
+                </a:solidFill>
+              </a:rPr>
+              <a:t>Kódrészlet a fő oldalból</a:t>
+            </a:r>
+          </a:p>
+        </p:txBody>
+      </p:sp>
+    </p:spTree>
+    <p:extLst>
+      <p:ext uri="{BB962C8B-B14F-4D97-AF65-F5344CB8AC3E}">
+        <p14:creationId xmlns:p14="http://schemas.microsoft.com/office/powerpoint/2010/main" val="3601529846"/>
+      </p:ext>
+    </p:extLst>
+  </p:cSld>
+  <p:clrMapOvr>
+    <a:masterClrMapping/>
+  </p:clrMapOvr>
+  <p:timing>
+    <p:tnLst>
+      <p:par>
+        <p:cTn id="1" dur="indefinite" restart="never" nodeType="tmRoot"/>
+      </p:par>
+    </p:tnLst>
+  </p:timing>
+</p:sld>
+</file>
+
+<file path=ppt/slides/slide3.xml><?xml version="1.0" encoding="utf-8"?>
+<p:sld xmlns:a="http://schemas.openxmlformats.org/drawingml/2006/main" xmlns:r="http://schemas.openxmlformats.org/officeDocument/2006/relationships" xmlns:p="http://schemas.openxmlformats.org/presentationml/2006/main">
+  <p:cSld>
+    <p:bg>
+      <p:bgPr>
+        <a:solidFill>
+          <a:srgbClr val="111721"/>
+        </a:solidFill>
+        <a:effectLst/>
+      </p:bgPr>
+    </p:bg>
+    <p:spTree>
+      <p:nvGrpSpPr>
+        <p:cNvPr id="1" name=""/>
+        <p:cNvGrpSpPr/>
+        <p:nvPr/>
+      </p:nvGrpSpPr>
+      <p:grpSpPr>
+        <a:xfrm>
+          <a:off x="0" y="0"/>
+          <a:ext cx="0" cy="0"/>
+          <a:chOff x="0" y="0"/>
+          <a:chExt cx="0" cy="0"/>
+        </a:xfrm>
+      </p:grpSpPr>
+      <p:sp>
+        <p:nvSpPr>
+          <p:cNvPr id="4" name="Cím 1"/>
+          <p:cNvSpPr txBox="1">
+            <a:spLocks/>
+          </p:cNvSpPr>
+          <p:nvPr/>
+        </p:nvSpPr>
+        <p:spPr>
+          <a:xfrm>
+            <a:off x="344904" y="16042"/>
+            <a:ext cx="7716253" cy="1876926"/>
+          </a:xfrm>
+          <a:prstGeom prst="rect">
+            <a:avLst/>
+          </a:prstGeom>
+        </p:spPr>
+        <p:txBody>
+          <a:bodyPr vert="horz" lIns="91440" tIns="45720" rIns="91440" bIns="45720" rtlCol="0" anchor="b">
+            <a:noAutofit/>
+          </a:bodyPr>
+          <a:lstStyle>
+            <a:lvl1pPr algn="ctr" defTabSz="914400" rtl="0" eaLnBrk="1" latinLnBrk="0" hangingPunct="1">
+              <a:lnSpc>
+                <a:spcPct val="90000"/>
+              </a:lnSpc>
+              <a:spcBef>
+                <a:spcPct val="0"/>
+              </a:spcBef>
+              <a:buNone/>
+              <a:defRPr sz="6000" kern="1200">
+                <a:solidFill>
+                  <a:schemeClr val="tx1"/>
+                </a:solidFill>
+                <a:latin typeface="+mj-lt"/>
+                <a:ea typeface="+mj-ea"/>
+                <a:cs typeface="+mj-cs"/>
+              </a:defRPr>
+            </a:lvl1pPr>
+          </a:lstStyle>
+          <a:p>
+            <a:pPr algn="l"/>
+            <a:r>
+              <a:rPr lang="hu-HU" sz="4500" dirty="0" smtClean="0">
+                <a:solidFill>
+                  <a:srgbClr val="FE4755"/>
+                </a:solidFill>
+              </a:rPr>
+              <a:t>Csanádi Kevin része a munkából</a:t>
+            </a:r>
+            <a:br>
+              <a:rPr lang="hu-HU" sz="4500" dirty="0" smtClean="0">
+                <a:solidFill>
+                  <a:srgbClr val="FE4755"/>
+                </a:solidFill>
+              </a:rPr>
+            </a:br>
+            <a:endParaRPr lang="hu-HU" sz="4500" dirty="0">
+              <a:solidFill>
+                <a:srgbClr val="FE4755"/>
+              </a:solidFill>
+            </a:endParaRPr>
+          </a:p>
+        </p:txBody>
+      </p:sp>
+      <p:sp>
+        <p:nvSpPr>
+          <p:cNvPr id="9" name="Szövegdoboz 8"/>
+          <p:cNvSpPr txBox="1"/>
+          <p:nvPr/>
+        </p:nvSpPr>
+        <p:spPr>
+          <a:xfrm>
+            <a:off x="344904" y="2277979"/>
+            <a:ext cx="3729791" cy="1892826"/>
+          </a:xfrm>
+          <a:prstGeom prst="rect">
+            <a:avLst/>
+          </a:prstGeom>
+          <a:noFill/>
+        </p:spPr>
+        <p:txBody>
+          <a:bodyPr wrap="square" rtlCol="0">
+            <a:spAutoFit/>
+          </a:bodyPr>
+          <a:lstStyle/>
+          <a:p>
+            <a:pPr>
+              <a:lnSpc>
+                <a:spcPct val="150000"/>
+              </a:lnSpc>
+            </a:pPr>
+            <a:r>
+              <a:rPr lang="hu-HU" sz="2600" dirty="0" smtClean="0">
+                <a:solidFill>
+                  <a:srgbClr val="FE4755"/>
+                </a:solidFill>
+              </a:rPr>
+              <a:t>Jira kezelése</a:t>
+            </a:r>
+          </a:p>
+          <a:p>
+            <a:pPr>
+              <a:lnSpc>
+                <a:spcPct val="150000"/>
+              </a:lnSpc>
+            </a:pPr>
+            <a:r>
+              <a:rPr lang="hu-HU" sz="2600" dirty="0" smtClean="0">
+                <a:solidFill>
+                  <a:srgbClr val="FE4755"/>
+                </a:solidFill>
+              </a:rPr>
+              <a:t>Sprintek indítása/lezárása</a:t>
+            </a:r>
+          </a:p>
+          <a:p>
+            <a:pPr>
+              <a:lnSpc>
+                <a:spcPct val="150000"/>
+              </a:lnSpc>
+            </a:pPr>
+            <a:r>
+              <a:rPr lang="hu-HU" sz="2600" dirty="0" smtClean="0">
+                <a:solidFill>
+                  <a:srgbClr val="FE4755"/>
+                </a:solidFill>
+              </a:rPr>
+              <a:t>Feladatok beosztása</a:t>
+            </a:r>
+          </a:p>
+        </p:txBody>
+      </p:sp>
+      <p:sp>
+        <p:nvSpPr>
+          <p:cNvPr id="12" name="Szövegdoboz 11"/>
+          <p:cNvSpPr txBox="1"/>
+          <p:nvPr/>
+        </p:nvSpPr>
+        <p:spPr>
+          <a:xfrm>
+            <a:off x="8220335" y="5701768"/>
+            <a:ext cx="2411365" cy="369332"/>
+          </a:xfrm>
+          <a:prstGeom prst="rect">
+            <a:avLst/>
+          </a:prstGeom>
+          <a:noFill/>
+        </p:spPr>
+        <p:txBody>
+          <a:bodyPr wrap="square" rtlCol="0">
+            <a:spAutoFit/>
+          </a:bodyPr>
+          <a:lstStyle/>
+          <a:p>
+            <a:pPr algn="ctr"/>
+            <a:r>
+              <a:rPr lang="hu-HU" dirty="0" smtClean="0">
+                <a:solidFill>
+                  <a:srgbClr val="FE4755"/>
+                </a:solidFill>
+              </a:rPr>
+              <a:t>A Jira felülete </a:t>
+            </a:r>
+          </a:p>
+        </p:txBody>
+      </p:sp>
+      <p:pic>
+        <p:nvPicPr>
+          <p:cNvPr id="2" name="Kép 1"/>
+          <p:cNvPicPr>
+            <a:picLocks noChangeAspect="1"/>
+          </p:cNvPicPr>
+          <p:nvPr/>
+        </p:nvPicPr>
+        <p:blipFill>
+          <a:blip r:embed="rId2"/>
+          <a:stretch>
+            <a:fillRect/>
+          </a:stretch>
+        </p:blipFill>
+        <p:spPr>
+          <a:xfrm>
+            <a:off x="6946230" y="1892968"/>
+            <a:ext cx="4959576" cy="3808800"/>
+          </a:xfrm>
+          <a:prstGeom prst="rect">
+            <a:avLst/>
+          </a:prstGeom>
+        </p:spPr>
+      </p:pic>
+    </p:spTree>
+    <p:extLst>
+      <p:ext uri="{BB962C8B-B14F-4D97-AF65-F5344CB8AC3E}">
+        <p14:creationId xmlns:p14="http://schemas.microsoft.com/office/powerpoint/2010/main" val="2791304380"/>
+      </p:ext>
+    </p:extLst>
+  </p:cSld>
+  <p:clrMapOvr>
+    <a:masterClrMapping/>
+  </p:clrMapOvr>
+  <p:timing>
+    <p:tnLst>
+      <p:par>
+        <p:cTn id="1" dur="indefinite" restart="never" nodeType="tmRoot"/>
+      </p:par>
+    </p:tnLst>
+  </p:timing>
+</p:sld>
+</file>
+
+<file path=ppt/slides/slide4.xml><?xml version="1.0" encoding="utf-8"?>
+<p:sld xmlns:a="http://schemas.openxmlformats.org/drawingml/2006/main" xmlns:r="http://schemas.openxmlformats.org/officeDocument/2006/relationships" xmlns:p="http://schemas.openxmlformats.org/presentationml/2006/main">
+  <p:cSld>
+    <p:bg>
+      <p:bgPr>
+        <a:solidFill>
+          <a:srgbClr val="111721"/>
+        </a:solidFill>
+        <a:effectLst/>
+      </p:bgPr>
+    </p:bg>
+    <p:spTree>
+      <p:nvGrpSpPr>
+        <p:cNvPr id="1" name=""/>
+        <p:cNvGrpSpPr/>
+        <p:nvPr/>
+      </p:nvGrpSpPr>
+      <p:grpSpPr>
+        <a:xfrm>
+          <a:off x="0" y="0"/>
+          <a:ext cx="0" cy="0"/>
+          <a:chOff x="0" y="0"/>
+          <a:chExt cx="0" cy="0"/>
+        </a:xfrm>
+      </p:grpSpPr>
+      <p:sp>
+        <p:nvSpPr>
+          <p:cNvPr id="4" name="Cím 1"/>
+          <p:cNvSpPr txBox="1">
+            <a:spLocks/>
+          </p:cNvSpPr>
+          <p:nvPr/>
+        </p:nvSpPr>
+        <p:spPr>
+          <a:xfrm>
+            <a:off x="344904" y="16042"/>
+            <a:ext cx="7716253" cy="1876926"/>
+          </a:xfrm>
+          <a:prstGeom prst="rect">
+            <a:avLst/>
+          </a:prstGeom>
+        </p:spPr>
+        <p:txBody>
+          <a:bodyPr vert="horz" lIns="91440" tIns="45720" rIns="91440" bIns="45720" rtlCol="0" anchor="b">
+            <a:noAutofit/>
+          </a:bodyPr>
+          <a:lstStyle>
+            <a:lvl1pPr algn="ctr" defTabSz="914400" rtl="0" eaLnBrk="1" latinLnBrk="0" hangingPunct="1">
+              <a:lnSpc>
+                <a:spcPct val="90000"/>
+              </a:lnSpc>
+              <a:spcBef>
+                <a:spcPct val="0"/>
+              </a:spcBef>
+              <a:buNone/>
+              <a:defRPr sz="6000" kern="1200">
+                <a:solidFill>
+                  <a:schemeClr val="tx1"/>
+                </a:solidFill>
+                <a:latin typeface="+mj-lt"/>
+                <a:ea typeface="+mj-ea"/>
+                <a:cs typeface="+mj-cs"/>
+              </a:defRPr>
+            </a:lvl1pPr>
+          </a:lstStyle>
+          <a:p>
+            <a:pPr algn="l"/>
+            <a:r>
+              <a:rPr lang="hu-HU" sz="4500" dirty="0" smtClean="0">
+                <a:solidFill>
+                  <a:srgbClr val="FE4755"/>
+                </a:solidFill>
+              </a:rPr>
+              <a:t>Csanádi Kevin része a munkából</a:t>
+            </a:r>
+            <a:br>
+              <a:rPr lang="hu-HU" sz="4500" dirty="0" smtClean="0">
+                <a:solidFill>
+                  <a:srgbClr val="FE4755"/>
+                </a:solidFill>
+              </a:rPr>
+            </a:br>
+            <a:endParaRPr lang="hu-HU" sz="4500" dirty="0">
+              <a:solidFill>
+                <a:srgbClr val="FE4755"/>
+              </a:solidFill>
+            </a:endParaRPr>
+          </a:p>
+        </p:txBody>
+      </p:sp>
+      <p:sp>
+        <p:nvSpPr>
+          <p:cNvPr id="9" name="Szövegdoboz 8"/>
+          <p:cNvSpPr txBox="1"/>
+          <p:nvPr/>
+        </p:nvSpPr>
+        <p:spPr>
+          <a:xfrm>
+            <a:off x="585534" y="2229853"/>
+            <a:ext cx="4676277" cy="1292662"/>
+          </a:xfrm>
+          <a:prstGeom prst="rect">
+            <a:avLst/>
+          </a:prstGeom>
+          <a:noFill/>
+        </p:spPr>
+        <p:txBody>
+          <a:bodyPr wrap="square" rtlCol="0">
+            <a:spAutoFit/>
+          </a:bodyPr>
+          <a:lstStyle/>
+          <a:p>
+            <a:pPr>
+              <a:lnSpc>
+                <a:spcPct val="150000"/>
+              </a:lnSpc>
+            </a:pPr>
+            <a:r>
+              <a:rPr lang="hu-HU" sz="2600" dirty="0" smtClean="0">
+                <a:solidFill>
+                  <a:srgbClr val="FE4755"/>
+                </a:solidFill>
+              </a:rPr>
+              <a:t>Github pages kezelése</a:t>
+            </a:r>
+          </a:p>
+          <a:p>
+            <a:pPr>
+              <a:lnSpc>
+                <a:spcPct val="150000"/>
+              </a:lnSpc>
+            </a:pPr>
+            <a:r>
+              <a:rPr lang="hu-HU" sz="2600" dirty="0" smtClean="0">
+                <a:solidFill>
+                  <a:srgbClr val="FE4755"/>
+                </a:solidFill>
+              </a:rPr>
+              <a:t>Mapparendszer megvalósítása</a:t>
+            </a:r>
+          </a:p>
+        </p:txBody>
+      </p:sp>
+      <p:sp>
+        <p:nvSpPr>
+          <p:cNvPr id="12" name="Szövegdoboz 11"/>
+          <p:cNvSpPr txBox="1"/>
+          <p:nvPr/>
+        </p:nvSpPr>
+        <p:spPr>
+          <a:xfrm>
+            <a:off x="8248856" y="5708589"/>
+            <a:ext cx="2411365" cy="369332"/>
+          </a:xfrm>
+          <a:prstGeom prst="rect">
+            <a:avLst/>
+          </a:prstGeom>
+          <a:noFill/>
+        </p:spPr>
+        <p:txBody>
+          <a:bodyPr wrap="square" rtlCol="0">
+            <a:spAutoFit/>
+          </a:bodyPr>
+          <a:lstStyle/>
+          <a:p>
+            <a:pPr algn="ctr"/>
+            <a:r>
+              <a:rPr lang="hu-HU" dirty="0" smtClean="0">
+                <a:solidFill>
+                  <a:srgbClr val="FE4755"/>
+                </a:solidFill>
+              </a:rPr>
+              <a:t>A Github felülete </a:t>
+            </a:r>
+          </a:p>
+        </p:txBody>
+      </p:sp>
+      <p:pic>
+        <p:nvPicPr>
+          <p:cNvPr id="3" name="Kép 2"/>
+          <p:cNvPicPr>
+            <a:picLocks noChangeAspect="1"/>
+          </p:cNvPicPr>
+          <p:nvPr/>
+        </p:nvPicPr>
+        <p:blipFill>
+          <a:blip r:embed="rId2"/>
+          <a:stretch>
+            <a:fillRect/>
+          </a:stretch>
+        </p:blipFill>
+        <p:spPr>
+          <a:xfrm>
+            <a:off x="6984801" y="1892968"/>
+            <a:ext cx="4939477" cy="3808800"/>
+          </a:xfrm>
+          <a:prstGeom prst="rect">
+            <a:avLst/>
+          </a:prstGeom>
+        </p:spPr>
+      </p:pic>
+    </p:spTree>
+    <p:extLst>
+      <p:ext uri="{BB962C8B-B14F-4D97-AF65-F5344CB8AC3E}">
+        <p14:creationId xmlns:p14="http://schemas.microsoft.com/office/powerpoint/2010/main" val="267408813"/>
+      </p:ext>
+    </p:extLst>
+  </p:cSld>
+  <p:clrMapOvr>
+    <a:masterClrMapping/>
+  </p:clrMapOvr>
+  <p:timing>
+    <p:tnLst>
+      <p:par>
+        <p:cTn id="1" dur="indefinite" restart="never" nodeType="tmRoot"/>
+      </p:par>
+    </p:tnLst>
+  </p:timing>
 </p:sld>
 </file>
 

--- a/VALORANT útmutató.pptx
+++ b/VALORANT útmutató.pptx
@@ -7,8 +7,10 @@
   <p:sldIdLst>
     <p:sldId id="256" r:id="rId2"/>
     <p:sldId id="257" r:id="rId3"/>
-    <p:sldId id="258" r:id="rId4"/>
-    <p:sldId id="259" r:id="rId5"/>
+    <p:sldId id="261" r:id="rId4"/>
+    <p:sldId id="260" r:id="rId5"/>
+    <p:sldId id="258" r:id="rId6"/>
+    <p:sldId id="259" r:id="rId7"/>
   </p:sldIdLst>
   <p:sldSz cx="12192000" cy="6858000"/>
   <p:notesSz cx="6858000" cy="9144000"/>
@@ -157,10 +159,9 @@
           </a:lstStyle>
           <a:p>
             <a:r>
-              <a:rPr lang="hu-HU" smtClean="0"/>
+              <a:rPr lang="hu-HU"/>
               <a:t>Mintacím szerkesztése</a:t>
             </a:r>
-            <a:endParaRPr lang="hu-HU"/>
           </a:p>
         </p:txBody>
       </p:sp>
@@ -222,10 +223,9 @@
           </a:lstStyle>
           <a:p>
             <a:r>
-              <a:rPr lang="hu-HU" smtClean="0"/>
+              <a:rPr lang="hu-HU"/>
               <a:t>Kattintson ide az alcím mintájának szerkesztéséhez</a:t>
             </a:r>
-            <a:endParaRPr lang="hu-HU"/>
           </a:p>
         </p:txBody>
       </p:sp>
@@ -246,7 +246,7 @@
           <a:p>
             <a:fld id="{8A03A660-8C9C-4A1F-A743-276051C51089}" type="datetimeFigureOut">
               <a:rPr lang="hu-HU" smtClean="0"/>
-              <a:t>2023.02.03.</a:t>
+              <a:t>2023. 02. 07.</a:t>
             </a:fld>
             <a:endParaRPr lang="hu-HU" dirty="0"/>
           </a:p>
@@ -340,10 +340,9 @@
           <a:lstStyle/>
           <a:p>
             <a:r>
-              <a:rPr lang="hu-HU" smtClean="0"/>
+              <a:rPr lang="hu-HU"/>
               <a:t>Mintacím szerkesztése</a:t>
             </a:r>
-            <a:endParaRPr lang="hu-HU"/>
           </a:p>
         </p:txBody>
       </p:sp>
@@ -364,38 +363,37 @@
           <a:p>
             <a:pPr lvl="0"/>
             <a:r>
-              <a:rPr lang="hu-HU" smtClean="0"/>
+              <a:rPr lang="hu-HU"/>
               <a:t>Mintaszöveg szerkesztése</a:t>
             </a:r>
           </a:p>
           <a:p>
             <a:pPr lvl="1"/>
             <a:r>
-              <a:rPr lang="hu-HU" smtClean="0"/>
+              <a:rPr lang="hu-HU"/>
               <a:t>Második szint</a:t>
             </a:r>
           </a:p>
           <a:p>
             <a:pPr lvl="2"/>
             <a:r>
-              <a:rPr lang="hu-HU" smtClean="0"/>
+              <a:rPr lang="hu-HU"/>
               <a:t>Harmadik szint</a:t>
             </a:r>
           </a:p>
           <a:p>
             <a:pPr lvl="3"/>
             <a:r>
-              <a:rPr lang="hu-HU" smtClean="0"/>
+              <a:rPr lang="hu-HU"/>
               <a:t>Negyedik szint</a:t>
             </a:r>
           </a:p>
           <a:p>
             <a:pPr lvl="4"/>
             <a:r>
-              <a:rPr lang="hu-HU" smtClean="0"/>
+              <a:rPr lang="hu-HU"/>
               <a:t>Ötödik szint</a:t>
             </a:r>
-            <a:endParaRPr lang="hu-HU"/>
           </a:p>
         </p:txBody>
       </p:sp>
@@ -416,7 +414,7 @@
           <a:p>
             <a:fld id="{8A03A660-8C9C-4A1F-A743-276051C51089}" type="datetimeFigureOut">
               <a:rPr lang="hu-HU" smtClean="0"/>
-              <a:t>2023.02.03.</a:t>
+              <a:t>2023. 02. 07.</a:t>
             </a:fld>
             <a:endParaRPr lang="hu-HU" dirty="0"/>
           </a:p>
@@ -515,10 +513,9 @@
           <a:lstStyle/>
           <a:p>
             <a:r>
-              <a:rPr lang="hu-HU" smtClean="0"/>
+              <a:rPr lang="hu-HU"/>
               <a:t>Mintacím szerkesztése</a:t>
             </a:r>
-            <a:endParaRPr lang="hu-HU"/>
           </a:p>
         </p:txBody>
       </p:sp>
@@ -544,38 +541,37 @@
           <a:p>
             <a:pPr lvl="0"/>
             <a:r>
-              <a:rPr lang="hu-HU" smtClean="0"/>
+              <a:rPr lang="hu-HU"/>
               <a:t>Mintaszöveg szerkesztése</a:t>
             </a:r>
           </a:p>
           <a:p>
             <a:pPr lvl="1"/>
             <a:r>
-              <a:rPr lang="hu-HU" smtClean="0"/>
+              <a:rPr lang="hu-HU"/>
               <a:t>Második szint</a:t>
             </a:r>
           </a:p>
           <a:p>
             <a:pPr lvl="2"/>
             <a:r>
-              <a:rPr lang="hu-HU" smtClean="0"/>
+              <a:rPr lang="hu-HU"/>
               <a:t>Harmadik szint</a:t>
             </a:r>
           </a:p>
           <a:p>
             <a:pPr lvl="3"/>
             <a:r>
-              <a:rPr lang="hu-HU" smtClean="0"/>
+              <a:rPr lang="hu-HU"/>
               <a:t>Negyedik szint</a:t>
             </a:r>
           </a:p>
           <a:p>
             <a:pPr lvl="4"/>
             <a:r>
-              <a:rPr lang="hu-HU" smtClean="0"/>
+              <a:rPr lang="hu-HU"/>
               <a:t>Ötödik szint</a:t>
             </a:r>
-            <a:endParaRPr lang="hu-HU"/>
           </a:p>
         </p:txBody>
       </p:sp>
@@ -596,7 +592,7 @@
           <a:p>
             <a:fld id="{8A03A660-8C9C-4A1F-A743-276051C51089}" type="datetimeFigureOut">
               <a:rPr lang="hu-HU" smtClean="0"/>
-              <a:t>2023.02.03.</a:t>
+              <a:t>2023. 02. 07.</a:t>
             </a:fld>
             <a:endParaRPr lang="hu-HU" dirty="0"/>
           </a:p>
@@ -690,10 +686,9 @@
           <a:lstStyle/>
           <a:p>
             <a:r>
-              <a:rPr lang="hu-HU" smtClean="0"/>
+              <a:rPr lang="hu-HU"/>
               <a:t>Mintacím szerkesztése</a:t>
             </a:r>
-            <a:endParaRPr lang="hu-HU"/>
           </a:p>
         </p:txBody>
       </p:sp>
@@ -714,38 +709,37 @@
           <a:p>
             <a:pPr lvl="0"/>
             <a:r>
-              <a:rPr lang="hu-HU" smtClean="0"/>
+              <a:rPr lang="hu-HU"/>
               <a:t>Mintaszöveg szerkesztése</a:t>
             </a:r>
           </a:p>
           <a:p>
             <a:pPr lvl="1"/>
             <a:r>
-              <a:rPr lang="hu-HU" smtClean="0"/>
+              <a:rPr lang="hu-HU"/>
               <a:t>Második szint</a:t>
             </a:r>
           </a:p>
           <a:p>
             <a:pPr lvl="2"/>
             <a:r>
-              <a:rPr lang="hu-HU" smtClean="0"/>
+              <a:rPr lang="hu-HU"/>
               <a:t>Harmadik szint</a:t>
             </a:r>
           </a:p>
           <a:p>
             <a:pPr lvl="3"/>
             <a:r>
-              <a:rPr lang="hu-HU" smtClean="0"/>
+              <a:rPr lang="hu-HU"/>
               <a:t>Negyedik szint</a:t>
             </a:r>
           </a:p>
           <a:p>
             <a:pPr lvl="4"/>
             <a:r>
-              <a:rPr lang="hu-HU" smtClean="0"/>
+              <a:rPr lang="hu-HU"/>
               <a:t>Ötödik szint</a:t>
             </a:r>
-            <a:endParaRPr lang="hu-HU"/>
           </a:p>
         </p:txBody>
       </p:sp>
@@ -766,7 +760,7 @@
           <a:p>
             <a:fld id="{8A03A660-8C9C-4A1F-A743-276051C51089}" type="datetimeFigureOut">
               <a:rPr lang="hu-HU" smtClean="0"/>
-              <a:t>2023.02.03.</a:t>
+              <a:t>2023. 02. 07.</a:t>
             </a:fld>
             <a:endParaRPr lang="hu-HU" dirty="0"/>
           </a:p>
@@ -869,10 +863,9 @@
           </a:lstStyle>
           <a:p>
             <a:r>
-              <a:rPr lang="hu-HU" smtClean="0"/>
+              <a:rPr lang="hu-HU"/>
               <a:t>Mintacím szerkesztése</a:t>
             </a:r>
-            <a:endParaRPr lang="hu-HU"/>
           </a:p>
         </p:txBody>
       </p:sp>
@@ -989,7 +982,7 @@
           <a:p>
             <a:pPr lvl="0"/>
             <a:r>
-              <a:rPr lang="hu-HU" smtClean="0"/>
+              <a:rPr lang="hu-HU"/>
               <a:t>Mintaszöveg szerkesztése</a:t>
             </a:r>
           </a:p>
@@ -1012,7 +1005,7 @@
           <a:p>
             <a:fld id="{8A03A660-8C9C-4A1F-A743-276051C51089}" type="datetimeFigureOut">
               <a:rPr lang="hu-HU" smtClean="0"/>
-              <a:t>2023.02.03.</a:t>
+              <a:t>2023. 02. 07.</a:t>
             </a:fld>
             <a:endParaRPr lang="hu-HU" dirty="0"/>
           </a:p>
@@ -1106,10 +1099,9 @@
           <a:lstStyle/>
           <a:p>
             <a:r>
-              <a:rPr lang="hu-HU" smtClean="0"/>
+              <a:rPr lang="hu-HU"/>
               <a:t>Mintacím szerkesztése</a:t>
             </a:r>
-            <a:endParaRPr lang="hu-HU"/>
           </a:p>
         </p:txBody>
       </p:sp>
@@ -1135,38 +1127,37 @@
           <a:p>
             <a:pPr lvl="0"/>
             <a:r>
-              <a:rPr lang="hu-HU" smtClean="0"/>
+              <a:rPr lang="hu-HU"/>
               <a:t>Mintaszöveg szerkesztése</a:t>
             </a:r>
           </a:p>
           <a:p>
             <a:pPr lvl="1"/>
             <a:r>
-              <a:rPr lang="hu-HU" smtClean="0"/>
+              <a:rPr lang="hu-HU"/>
               <a:t>Második szint</a:t>
             </a:r>
           </a:p>
           <a:p>
             <a:pPr lvl="2"/>
             <a:r>
-              <a:rPr lang="hu-HU" smtClean="0"/>
+              <a:rPr lang="hu-HU"/>
               <a:t>Harmadik szint</a:t>
             </a:r>
           </a:p>
           <a:p>
             <a:pPr lvl="3"/>
             <a:r>
-              <a:rPr lang="hu-HU" smtClean="0"/>
+              <a:rPr lang="hu-HU"/>
               <a:t>Negyedik szint</a:t>
             </a:r>
           </a:p>
           <a:p>
             <a:pPr lvl="4"/>
             <a:r>
-              <a:rPr lang="hu-HU" smtClean="0"/>
+              <a:rPr lang="hu-HU"/>
               <a:t>Ötödik szint</a:t>
             </a:r>
-            <a:endParaRPr lang="hu-HU"/>
           </a:p>
         </p:txBody>
       </p:sp>
@@ -1192,38 +1183,37 @@
           <a:p>
             <a:pPr lvl="0"/>
             <a:r>
-              <a:rPr lang="hu-HU" smtClean="0"/>
+              <a:rPr lang="hu-HU"/>
               <a:t>Mintaszöveg szerkesztése</a:t>
             </a:r>
           </a:p>
           <a:p>
             <a:pPr lvl="1"/>
             <a:r>
-              <a:rPr lang="hu-HU" smtClean="0"/>
+              <a:rPr lang="hu-HU"/>
               <a:t>Második szint</a:t>
             </a:r>
           </a:p>
           <a:p>
             <a:pPr lvl="2"/>
             <a:r>
-              <a:rPr lang="hu-HU" smtClean="0"/>
+              <a:rPr lang="hu-HU"/>
               <a:t>Harmadik szint</a:t>
             </a:r>
           </a:p>
           <a:p>
             <a:pPr lvl="3"/>
             <a:r>
-              <a:rPr lang="hu-HU" smtClean="0"/>
+              <a:rPr lang="hu-HU"/>
               <a:t>Negyedik szint</a:t>
             </a:r>
           </a:p>
           <a:p>
             <a:pPr lvl="4"/>
             <a:r>
-              <a:rPr lang="hu-HU" smtClean="0"/>
+              <a:rPr lang="hu-HU"/>
               <a:t>Ötödik szint</a:t>
             </a:r>
-            <a:endParaRPr lang="hu-HU"/>
           </a:p>
         </p:txBody>
       </p:sp>
@@ -1244,7 +1234,7 @@
           <a:p>
             <a:fld id="{8A03A660-8C9C-4A1F-A743-276051C51089}" type="datetimeFigureOut">
               <a:rPr lang="hu-HU" smtClean="0"/>
-              <a:t>2023.02.03.</a:t>
+              <a:t>2023. 02. 07.</a:t>
             </a:fld>
             <a:endParaRPr lang="hu-HU" dirty="0"/>
           </a:p>
@@ -1343,10 +1333,9 @@
           <a:lstStyle/>
           <a:p>
             <a:r>
-              <a:rPr lang="hu-HU" smtClean="0"/>
+              <a:rPr lang="hu-HU"/>
               <a:t>Mintacím szerkesztése</a:t>
             </a:r>
-            <a:endParaRPr lang="hu-HU"/>
           </a:p>
         </p:txBody>
       </p:sp>
@@ -1409,7 +1398,7 @@
           <a:p>
             <a:pPr lvl="0"/>
             <a:r>
-              <a:rPr lang="hu-HU" smtClean="0"/>
+              <a:rPr lang="hu-HU"/>
               <a:t>Mintaszöveg szerkesztése</a:t>
             </a:r>
           </a:p>
@@ -1437,38 +1426,37 @@
           <a:p>
             <a:pPr lvl="0"/>
             <a:r>
-              <a:rPr lang="hu-HU" smtClean="0"/>
+              <a:rPr lang="hu-HU"/>
               <a:t>Mintaszöveg szerkesztése</a:t>
             </a:r>
           </a:p>
           <a:p>
             <a:pPr lvl="1"/>
             <a:r>
-              <a:rPr lang="hu-HU" smtClean="0"/>
+              <a:rPr lang="hu-HU"/>
               <a:t>Második szint</a:t>
             </a:r>
           </a:p>
           <a:p>
             <a:pPr lvl="2"/>
             <a:r>
-              <a:rPr lang="hu-HU" smtClean="0"/>
+              <a:rPr lang="hu-HU"/>
               <a:t>Harmadik szint</a:t>
             </a:r>
           </a:p>
           <a:p>
             <a:pPr lvl="3"/>
             <a:r>
-              <a:rPr lang="hu-HU" smtClean="0"/>
+              <a:rPr lang="hu-HU"/>
               <a:t>Negyedik szint</a:t>
             </a:r>
           </a:p>
           <a:p>
             <a:pPr lvl="4"/>
             <a:r>
-              <a:rPr lang="hu-HU" smtClean="0"/>
+              <a:rPr lang="hu-HU"/>
               <a:t>Ötödik szint</a:t>
             </a:r>
-            <a:endParaRPr lang="hu-HU"/>
           </a:p>
         </p:txBody>
       </p:sp>
@@ -1531,7 +1519,7 @@
           <a:p>
             <a:pPr lvl="0"/>
             <a:r>
-              <a:rPr lang="hu-HU" smtClean="0"/>
+              <a:rPr lang="hu-HU"/>
               <a:t>Mintaszöveg szerkesztése</a:t>
             </a:r>
           </a:p>
@@ -1559,38 +1547,37 @@
           <a:p>
             <a:pPr lvl="0"/>
             <a:r>
-              <a:rPr lang="hu-HU" smtClean="0"/>
+              <a:rPr lang="hu-HU"/>
               <a:t>Mintaszöveg szerkesztése</a:t>
             </a:r>
           </a:p>
           <a:p>
             <a:pPr lvl="1"/>
             <a:r>
-              <a:rPr lang="hu-HU" smtClean="0"/>
+              <a:rPr lang="hu-HU"/>
               <a:t>Második szint</a:t>
             </a:r>
           </a:p>
           <a:p>
             <a:pPr lvl="2"/>
             <a:r>
-              <a:rPr lang="hu-HU" smtClean="0"/>
+              <a:rPr lang="hu-HU"/>
               <a:t>Harmadik szint</a:t>
             </a:r>
           </a:p>
           <a:p>
             <a:pPr lvl="3"/>
             <a:r>
-              <a:rPr lang="hu-HU" smtClean="0"/>
+              <a:rPr lang="hu-HU"/>
               <a:t>Negyedik szint</a:t>
             </a:r>
           </a:p>
           <a:p>
             <a:pPr lvl="4"/>
             <a:r>
-              <a:rPr lang="hu-HU" smtClean="0"/>
+              <a:rPr lang="hu-HU"/>
               <a:t>Ötödik szint</a:t>
             </a:r>
-            <a:endParaRPr lang="hu-HU"/>
           </a:p>
         </p:txBody>
       </p:sp>
@@ -1611,7 +1598,7 @@
           <a:p>
             <a:fld id="{8A03A660-8C9C-4A1F-A743-276051C51089}" type="datetimeFigureOut">
               <a:rPr lang="hu-HU" smtClean="0"/>
-              <a:t>2023.02.03.</a:t>
+              <a:t>2023. 02. 07.</a:t>
             </a:fld>
             <a:endParaRPr lang="hu-HU" dirty="0"/>
           </a:p>
@@ -1705,10 +1692,9 @@
           <a:lstStyle/>
           <a:p>
             <a:r>
-              <a:rPr lang="hu-HU" smtClean="0"/>
+              <a:rPr lang="hu-HU"/>
               <a:t>Mintacím szerkesztése</a:t>
             </a:r>
-            <a:endParaRPr lang="hu-HU"/>
           </a:p>
         </p:txBody>
       </p:sp>
@@ -1729,7 +1715,7 @@
           <a:p>
             <a:fld id="{8A03A660-8C9C-4A1F-A743-276051C51089}" type="datetimeFigureOut">
               <a:rPr lang="hu-HU" smtClean="0"/>
-              <a:t>2023.02.03.</a:t>
+              <a:t>2023. 02. 07.</a:t>
             </a:fld>
             <a:endParaRPr lang="hu-HU" dirty="0"/>
           </a:p>
@@ -1824,7 +1810,7 @@
           <a:p>
             <a:fld id="{8A03A660-8C9C-4A1F-A743-276051C51089}" type="datetimeFigureOut">
               <a:rPr lang="hu-HU" smtClean="0"/>
-              <a:t>2023.02.03.</a:t>
+              <a:t>2023. 02. 07.</a:t>
             </a:fld>
             <a:endParaRPr lang="hu-HU" dirty="0"/>
           </a:p>
@@ -1927,10 +1913,9 @@
           </a:lstStyle>
           <a:p>
             <a:r>
-              <a:rPr lang="hu-HU" smtClean="0"/>
+              <a:rPr lang="hu-HU"/>
               <a:t>Mintacím szerkesztése</a:t>
             </a:r>
-            <a:endParaRPr lang="hu-HU"/>
           </a:p>
         </p:txBody>
       </p:sp>
@@ -1984,38 +1969,37 @@
           <a:p>
             <a:pPr lvl="0"/>
             <a:r>
-              <a:rPr lang="hu-HU" smtClean="0"/>
+              <a:rPr lang="hu-HU"/>
               <a:t>Mintaszöveg szerkesztése</a:t>
             </a:r>
           </a:p>
           <a:p>
             <a:pPr lvl="1"/>
             <a:r>
-              <a:rPr lang="hu-HU" smtClean="0"/>
+              <a:rPr lang="hu-HU"/>
               <a:t>Második szint</a:t>
             </a:r>
           </a:p>
           <a:p>
             <a:pPr lvl="2"/>
             <a:r>
-              <a:rPr lang="hu-HU" smtClean="0"/>
+              <a:rPr lang="hu-HU"/>
               <a:t>Harmadik szint</a:t>
             </a:r>
           </a:p>
           <a:p>
             <a:pPr lvl="3"/>
             <a:r>
-              <a:rPr lang="hu-HU" smtClean="0"/>
+              <a:rPr lang="hu-HU"/>
               <a:t>Negyedik szint</a:t>
             </a:r>
           </a:p>
           <a:p>
             <a:pPr lvl="4"/>
             <a:r>
-              <a:rPr lang="hu-HU" smtClean="0"/>
+              <a:rPr lang="hu-HU"/>
               <a:t>Ötödik szint</a:t>
             </a:r>
-            <a:endParaRPr lang="hu-HU"/>
           </a:p>
         </p:txBody>
       </p:sp>
@@ -2078,7 +2062,7 @@
           <a:p>
             <a:pPr lvl="0"/>
             <a:r>
-              <a:rPr lang="hu-HU" smtClean="0"/>
+              <a:rPr lang="hu-HU"/>
               <a:t>Mintaszöveg szerkesztése</a:t>
             </a:r>
           </a:p>
@@ -2101,7 +2085,7 @@
           <a:p>
             <a:fld id="{8A03A660-8C9C-4A1F-A743-276051C51089}" type="datetimeFigureOut">
               <a:rPr lang="hu-HU" smtClean="0"/>
-              <a:t>2023.02.03.</a:t>
+              <a:t>2023. 02. 07.</a:t>
             </a:fld>
             <a:endParaRPr lang="hu-HU" dirty="0"/>
           </a:p>
@@ -2204,10 +2188,9 @@
           </a:lstStyle>
           <a:p>
             <a:r>
-              <a:rPr lang="hu-HU" smtClean="0"/>
+              <a:rPr lang="hu-HU"/>
               <a:t>Mintacím szerkesztése</a:t>
             </a:r>
-            <a:endParaRPr lang="hu-HU"/>
           </a:p>
         </p:txBody>
       </p:sp>
@@ -2331,7 +2314,7 @@
           <a:p>
             <a:pPr lvl="0"/>
             <a:r>
-              <a:rPr lang="hu-HU" smtClean="0"/>
+              <a:rPr lang="hu-HU"/>
               <a:t>Mintaszöveg szerkesztése</a:t>
             </a:r>
           </a:p>
@@ -2354,7 +2337,7 @@
           <a:p>
             <a:fld id="{8A03A660-8C9C-4A1F-A743-276051C51089}" type="datetimeFigureOut">
               <a:rPr lang="hu-HU" smtClean="0"/>
-              <a:t>2023.02.03.</a:t>
+              <a:t>2023. 02. 07.</a:t>
             </a:fld>
             <a:endParaRPr lang="hu-HU" dirty="0"/>
           </a:p>
@@ -2463,10 +2446,9 @@
           <a:lstStyle/>
           <a:p>
             <a:r>
-              <a:rPr lang="hu-HU" smtClean="0"/>
+              <a:rPr lang="hu-HU"/>
               <a:t>Mintacím szerkesztése</a:t>
             </a:r>
-            <a:endParaRPr lang="hu-HU"/>
           </a:p>
         </p:txBody>
       </p:sp>
@@ -2497,38 +2479,37 @@
           <a:p>
             <a:pPr lvl="0"/>
             <a:r>
-              <a:rPr lang="hu-HU" smtClean="0"/>
+              <a:rPr lang="hu-HU"/>
               <a:t>Mintaszöveg szerkesztése</a:t>
             </a:r>
           </a:p>
           <a:p>
             <a:pPr lvl="1"/>
             <a:r>
-              <a:rPr lang="hu-HU" smtClean="0"/>
+              <a:rPr lang="hu-HU"/>
               <a:t>Második szint</a:t>
             </a:r>
           </a:p>
           <a:p>
             <a:pPr lvl="2"/>
             <a:r>
-              <a:rPr lang="hu-HU" smtClean="0"/>
+              <a:rPr lang="hu-HU"/>
               <a:t>Harmadik szint</a:t>
             </a:r>
           </a:p>
           <a:p>
             <a:pPr lvl="3"/>
             <a:r>
-              <a:rPr lang="hu-HU" smtClean="0"/>
+              <a:rPr lang="hu-HU"/>
               <a:t>Negyedik szint</a:t>
             </a:r>
           </a:p>
           <a:p>
             <a:pPr lvl="4"/>
             <a:r>
-              <a:rPr lang="hu-HU" smtClean="0"/>
+              <a:rPr lang="hu-HU"/>
               <a:t>Ötödik szint</a:t>
             </a:r>
-            <a:endParaRPr lang="hu-HU"/>
           </a:p>
         </p:txBody>
       </p:sp>
@@ -2567,7 +2548,7 @@
           <a:p>
             <a:fld id="{8A03A660-8C9C-4A1F-A743-276051C51089}" type="datetimeFigureOut">
               <a:rPr lang="hu-HU" smtClean="0"/>
-              <a:t>2023.02.03.</a:t>
+              <a:t>2023. 02. 07.</a:t>
             </a:fld>
             <a:endParaRPr lang="hu-HU" dirty="0"/>
           </a:p>
@@ -2992,8 +2973,8 @@
         </p:nvSpPr>
         <p:spPr>
           <a:xfrm>
-            <a:off x="0" y="4402666"/>
-            <a:ext cx="8077200" cy="982133"/>
+            <a:off x="-1" y="4402666"/>
+            <a:ext cx="9019309" cy="982133"/>
           </a:xfrm>
         </p:spPr>
         <p:txBody>
@@ -3003,18 +2984,31 @@
           <a:lstStyle/>
           <a:p>
             <a:r>
-              <a:rPr lang="hu-HU" sz="7000" dirty="0" smtClean="0">
+              <a:rPr lang="hu-HU" sz="7000" dirty="0">
                 <a:solidFill>
                   <a:srgbClr val="FE4755"/>
                 </a:solidFill>
+                <a:latin typeface="VALORANT" pitchFamily="2" charset="0"/>
               </a:rPr>
-              <a:t>VALORANT útmutató</a:t>
-            </a:r>
-            <a:endParaRPr lang="hu-HU" sz="7000" dirty="0">
-              <a:solidFill>
-                <a:srgbClr val="FE4755"/>
-              </a:solidFill>
-            </a:endParaRPr>
+              <a:t>VALORANT</a:t>
+            </a:r>
+            <a:r>
+              <a:rPr lang="hu-HU" sz="7000" dirty="0">
+                <a:solidFill>
+                  <a:srgbClr val="FE4755"/>
+                </a:solidFill>
+              </a:rPr>
+              <a:t> </a:t>
+            </a:r>
+            <a:r>
+              <a:rPr lang="hu-HU" sz="7000" dirty="0">
+                <a:solidFill>
+                  <a:srgbClr val="FE4755"/>
+                </a:solidFill>
+                <a:latin typeface="Arial Nova" panose="020B0604020202020204" pitchFamily="34" charset="0"/>
+              </a:rPr>
+              <a:t>útmutató</a:t>
+            </a:r>
           </a:p>
         </p:txBody>
       </p:sp>
@@ -3041,18 +3035,13 @@
           <a:lstStyle/>
           <a:p>
             <a:r>
-              <a:rPr lang="hu-HU" sz="2500" dirty="0" smtClean="0">
+              <a:rPr lang="hu-HU" sz="2500" dirty="0">
                 <a:solidFill>
                   <a:srgbClr val="FE4755"/>
                 </a:solidFill>
               </a:rPr>
               <a:t>Készítette: Csanádi Kevin, Tarr Gábor, Dudás Levente</a:t>
             </a:r>
-            <a:endParaRPr lang="hu-HU" sz="2500" dirty="0">
-              <a:solidFill>
-                <a:srgbClr val="FE4755"/>
-              </a:solidFill>
-            </a:endParaRPr>
           </a:p>
         </p:txBody>
       </p:sp>
@@ -3066,13 +3055,6 @@
   <p:clrMapOvr>
     <a:masterClrMapping/>
   </p:clrMapOvr>
-  <p:timing>
-    <p:tnLst>
-      <p:par>
-        <p:cTn id="1" dur="indefinite" restart="never" nodeType="tmRoot"/>
-      </p:par>
-    </p:tnLst>
-  </p:timing>
 </p:sld>
 </file>
 
@@ -3111,8 +3093,8 @@
         </p:nvSpPr>
         <p:spPr>
           <a:xfrm>
-            <a:off x="344904" y="16042"/>
-            <a:ext cx="7716253" cy="1876926"/>
+            <a:off x="344904" y="224443"/>
+            <a:ext cx="3583629" cy="1020715"/>
           </a:xfrm>
           <a:prstGeom prst="rect">
             <a:avLst/>
@@ -3144,99 +3126,44 @@
           <a:p>
             <a:pPr algn="l"/>
             <a:r>
-              <a:rPr lang="hu-HU" sz="4500" dirty="0" smtClean="0">
+              <a:rPr lang="hu-HU" sz="4500" dirty="0">
                 <a:solidFill>
                   <a:srgbClr val="FE4755"/>
                 </a:solidFill>
+                <a:latin typeface="Arial Nova" panose="020B0504020202020204" pitchFamily="34" charset="0"/>
               </a:rPr>
-              <a:t>Csanádi Kevin része a munkából</a:t>
-            </a:r>
-            <a:br>
-              <a:rPr lang="hu-HU" sz="4500" dirty="0" smtClean="0">
+              <a:t>Az </a:t>
+            </a:r>
+            <a:r>
+              <a:rPr lang="en-US" sz="4500" dirty="0">
                 <a:solidFill>
                   <a:srgbClr val="FE4755"/>
                 </a:solidFill>
+                <a:latin typeface="Arial Nova" panose="020B0504020202020204" pitchFamily="34" charset="0"/>
               </a:rPr>
-            </a:br>
-            <a:endParaRPr lang="hu-HU" sz="4500" dirty="0">
-              <a:solidFill>
-                <a:srgbClr val="FE4755"/>
-              </a:solidFill>
-            </a:endParaRPr>
-          </a:p>
-        </p:txBody>
-      </p:sp>
-      <p:sp>
-        <p:nvSpPr>
-          <p:cNvPr id="9" name="Szövegdoboz 8"/>
-          <p:cNvSpPr txBox="1"/>
-          <p:nvPr/>
-        </p:nvSpPr>
-        <p:spPr>
-          <a:xfrm>
-            <a:off x="344904" y="2277979"/>
-            <a:ext cx="5871411" cy="1892826"/>
-          </a:xfrm>
-          <a:prstGeom prst="rect">
-            <a:avLst/>
-          </a:prstGeom>
-          <a:noFill/>
-        </p:spPr>
-        <p:txBody>
-          <a:bodyPr wrap="square" rtlCol="0">
-            <a:spAutoFit/>
-          </a:bodyPr>
-          <a:lstStyle/>
-          <a:p>
-            <a:pPr>
-              <a:lnSpc>
-                <a:spcPct val="150000"/>
-              </a:lnSpc>
-            </a:pPr>
-            <a:r>
-              <a:rPr lang="hu-HU" sz="2600" dirty="0" smtClean="0">
+              <a:t>f</a:t>
+            </a:r>
+            <a:r>
+              <a:rPr lang="hu-HU" sz="4500" dirty="0">
                 <a:solidFill>
                   <a:srgbClr val="FE4755"/>
                 </a:solidFill>
+                <a:latin typeface="Arial Nova" panose="020B0504020202020204" pitchFamily="34" charset="0"/>
               </a:rPr>
-              <a:t>Főoldal megtervezése</a:t>
-            </a:r>
-          </a:p>
-          <a:p>
-            <a:pPr>
-              <a:lnSpc>
-                <a:spcPct val="150000"/>
-              </a:lnSpc>
-            </a:pPr>
-            <a:r>
-              <a:rPr lang="hu-HU" sz="2600" dirty="0" smtClean="0">
-                <a:solidFill>
-                  <a:srgbClr val="FE4755"/>
-                </a:solidFill>
-              </a:rPr>
-              <a:t>Főoldal design ötlet megvalósítása</a:t>
-            </a:r>
-          </a:p>
-          <a:p>
-            <a:pPr>
-              <a:lnSpc>
-                <a:spcPct val="150000"/>
-              </a:lnSpc>
-            </a:pPr>
-            <a:r>
-              <a:rPr lang="hu-HU" sz="2600" dirty="0" smtClean="0">
-                <a:solidFill>
-                  <a:srgbClr val="FE4755"/>
-                </a:solidFill>
-              </a:rPr>
-              <a:t>Ascent, Bind, Breeze aloldalak elkészítése</a:t>
+              <a:t>őoldalról</a:t>
             </a:r>
           </a:p>
         </p:txBody>
       </p:sp>
       <p:pic>
         <p:nvPicPr>
-          <p:cNvPr id="11" name="Kép 10"/>
+          <p:cNvPr id="3" name="Kép 2">
+            <a:extLst>
+              <a:ext uri="{FF2B5EF4-FFF2-40B4-BE49-F238E27FC236}">
+                <a16:creationId xmlns:a16="http://schemas.microsoft.com/office/drawing/2014/main" id="{66A8F39C-C7E6-B32F-11C3-EF0B84BE03B2}"/>
+              </a:ext>
+            </a:extLst>
+          </p:cNvPr>
           <p:cNvPicPr>
             <a:picLocks noChangeAspect="1"/>
           </p:cNvPicPr>
@@ -3250,8 +3177,8 @@
         </p:blipFill>
         <p:spPr>
           <a:xfrm>
-            <a:off x="7048428" y="2277979"/>
-            <a:ext cx="4951066" cy="3810000"/>
+            <a:off x="8702997" y="1245158"/>
+            <a:ext cx="2757188" cy="4989444"/>
           </a:xfrm>
           <a:prstGeom prst="rect">
             <a:avLst/>
@@ -3260,14 +3187,20 @@
       </p:pic>
       <p:sp>
         <p:nvSpPr>
-          <p:cNvPr id="12" name="Szövegdoboz 11"/>
+          <p:cNvPr id="13" name="Szövegdoboz 12">
+            <a:extLst>
+              <a:ext uri="{FF2B5EF4-FFF2-40B4-BE49-F238E27FC236}">
+                <a16:creationId xmlns:a16="http://schemas.microsoft.com/office/drawing/2014/main" id="{D7861877-B098-ED1E-1DEE-EF077BBA9F30}"/>
+              </a:ext>
+            </a:extLst>
+          </p:cNvPr>
           <p:cNvSpPr txBox="1"/>
           <p:nvPr/>
         </p:nvSpPr>
         <p:spPr>
           <a:xfrm>
-            <a:off x="8318279" y="6103658"/>
-            <a:ext cx="2411365" cy="369332"/>
+            <a:off x="8948530" y="6234602"/>
+            <a:ext cx="2266122" cy="369332"/>
           </a:xfrm>
           <a:prstGeom prst="rect">
             <a:avLst/>
@@ -3280,13 +3213,92 @@
           </a:bodyPr>
           <a:lstStyle/>
           <a:p>
-            <a:r>
-              <a:rPr lang="hu-HU" dirty="0" smtClean="0">
+            <a:pPr algn="ctr"/>
+            <a:r>
+              <a:rPr lang="hu-HU" dirty="0">
                 <a:solidFill>
                   <a:srgbClr val="FE4755"/>
                 </a:solidFill>
+                <a:latin typeface="Arial Nova" panose="020B0504020202020204" pitchFamily="34" charset="0"/>
               </a:rPr>
-              <a:t>Kódrészlet a fő oldalból</a:t>
+              <a:t>Részlet a főoldalból</a:t>
+            </a:r>
+          </a:p>
+        </p:txBody>
+      </p:sp>
+      <p:sp>
+        <p:nvSpPr>
+          <p:cNvPr id="15" name="Szövegdoboz 14">
+            <a:extLst>
+              <a:ext uri="{FF2B5EF4-FFF2-40B4-BE49-F238E27FC236}">
+                <a16:creationId xmlns:a16="http://schemas.microsoft.com/office/drawing/2014/main" id="{DC903C29-0836-ADC2-EDF9-D21C7664D7AC}"/>
+              </a:ext>
+            </a:extLst>
+          </p:cNvPr>
+          <p:cNvSpPr txBox="1"/>
+          <p:nvPr/>
+        </p:nvSpPr>
+        <p:spPr>
+          <a:xfrm>
+            <a:off x="344904" y="2282532"/>
+            <a:ext cx="3212943" cy="1830758"/>
+          </a:xfrm>
+          <a:prstGeom prst="rect">
+            <a:avLst/>
+          </a:prstGeom>
+          <a:noFill/>
+        </p:spPr>
+        <p:txBody>
+          <a:bodyPr wrap="square" rtlCol="0">
+            <a:spAutoFit/>
+          </a:bodyPr>
+          <a:lstStyle/>
+          <a:p>
+            <a:pPr>
+              <a:lnSpc>
+                <a:spcPct val="150000"/>
+              </a:lnSpc>
+            </a:pPr>
+            <a:r>
+              <a:rPr lang="hu-HU" sz="2600" dirty="0">
+                <a:solidFill>
+                  <a:srgbClr val="FE4755"/>
+                </a:solidFill>
+                <a:latin typeface="Arial Nova" panose="020B0504020202020204" pitchFamily="34" charset="0"/>
+              </a:rPr>
+              <a:t>Vizuális effektek</a:t>
+            </a:r>
+          </a:p>
+          <a:p>
+            <a:pPr>
+              <a:lnSpc>
+                <a:spcPct val="150000"/>
+              </a:lnSpc>
+            </a:pPr>
+            <a:r>
+              <a:rPr lang="hu-HU" sz="2600" dirty="0">
+                <a:solidFill>
+                  <a:srgbClr val="FE4755"/>
+                </a:solidFill>
+                <a:latin typeface="Arial Nova" panose="020B0504020202020204" pitchFamily="34" charset="0"/>
+              </a:rPr>
+              <a:t>Könnyű navigáció</a:t>
+            </a:r>
+          </a:p>
+          <a:p>
+            <a:pPr>
+              <a:lnSpc>
+                <a:spcPct val="150000"/>
+              </a:lnSpc>
+            </a:pPr>
+            <a:r>
+              <a:rPr lang="hu-HU" sz="2600" dirty="0">
+                <a:solidFill>
+                  <a:srgbClr val="FE4755"/>
+                </a:solidFill>
+                <a:latin typeface="Arial Nova" panose="020B0504020202020204" pitchFamily="34" charset="0"/>
+              </a:rPr>
+              <a:t>Jó olvashatóság</a:t>
             </a:r>
           </a:p>
         </p:txBody>
@@ -3301,13 +3313,6 @@
   <p:clrMapOvr>
     <a:masterClrMapping/>
   </p:clrMapOvr>
-  <p:timing>
-    <p:tnLst>
-      <p:par>
-        <p:cTn id="1" dur="indefinite" restart="never" nodeType="tmRoot"/>
-      </p:par>
-    </p:tnLst>
-  </p:timing>
 </p:sld>
 </file>
 
@@ -3346,8 +3351,8 @@
         </p:nvSpPr>
         <p:spPr>
           <a:xfrm>
-            <a:off x="344904" y="16042"/>
-            <a:ext cx="7716253" cy="1876926"/>
+            <a:off x="344904" y="224443"/>
+            <a:ext cx="4002652" cy="1020715"/>
           </a:xfrm>
           <a:prstGeom prst="rect">
             <a:avLst/>
@@ -3379,38 +3384,33 @@
           <a:p>
             <a:pPr algn="l"/>
             <a:r>
-              <a:rPr lang="hu-HU" sz="4500" dirty="0" smtClean="0">
+              <a:rPr lang="hu-HU" sz="4500" dirty="0">
                 <a:solidFill>
                   <a:srgbClr val="FE4755"/>
                 </a:solidFill>
+                <a:latin typeface="Arial Nova" panose="020B0504020202020204" pitchFamily="34" charset="0"/>
               </a:rPr>
-              <a:t>Csanádi Kevin része a munkából</a:t>
-            </a:r>
-            <a:br>
-              <a:rPr lang="hu-HU" sz="4500" dirty="0" smtClean="0">
-                <a:solidFill>
-                  <a:srgbClr val="FE4755"/>
-                </a:solidFill>
-              </a:rPr>
-            </a:br>
-            <a:endParaRPr lang="hu-HU" sz="4500" dirty="0">
-              <a:solidFill>
-                <a:srgbClr val="FE4755"/>
-              </a:solidFill>
-            </a:endParaRPr>
-          </a:p>
-        </p:txBody>
-      </p:sp>
-      <p:sp>
-        <p:nvSpPr>
-          <p:cNvPr id="9" name="Szövegdoboz 8"/>
+              <a:t>Az aloldalakról</a:t>
+            </a:r>
+          </a:p>
+        </p:txBody>
+      </p:sp>
+      <p:sp>
+        <p:nvSpPr>
+          <p:cNvPr id="13" name="Szövegdoboz 12">
+            <a:extLst>
+              <a:ext uri="{FF2B5EF4-FFF2-40B4-BE49-F238E27FC236}">
+                <a16:creationId xmlns:a16="http://schemas.microsoft.com/office/drawing/2014/main" id="{D7861877-B098-ED1E-1DEE-EF077BBA9F30}"/>
+              </a:ext>
+            </a:extLst>
+          </p:cNvPr>
           <p:cNvSpPr txBox="1"/>
           <p:nvPr/>
         </p:nvSpPr>
         <p:spPr>
           <a:xfrm>
-            <a:off x="344904" y="2277979"/>
-            <a:ext cx="3729791" cy="1892826"/>
+            <a:off x="9208713" y="5877155"/>
+            <a:ext cx="2266122" cy="369332"/>
           </a:xfrm>
           <a:prstGeom prst="rect">
             <a:avLst/>
@@ -3423,62 +3423,35 @@
           </a:bodyPr>
           <a:lstStyle/>
           <a:p>
-            <a:pPr>
-              <a:lnSpc>
-                <a:spcPct val="150000"/>
-              </a:lnSpc>
-            </a:pPr>
-            <a:r>
-              <a:rPr lang="hu-HU" sz="2600" dirty="0" smtClean="0">
+            <a:pPr algn="ctr"/>
+            <a:r>
+              <a:rPr lang="hu-HU" dirty="0">
                 <a:solidFill>
                   <a:srgbClr val="FE4755"/>
                 </a:solidFill>
+                <a:latin typeface="Arial Nova" panose="020B0504020202020204" pitchFamily="34" charset="0"/>
               </a:rPr>
-              <a:t>Jira kezelése</a:t>
-            </a:r>
-          </a:p>
-          <a:p>
-            <a:pPr>
-              <a:lnSpc>
-                <a:spcPct val="150000"/>
-              </a:lnSpc>
-            </a:pPr>
-            <a:r>
-              <a:rPr lang="hu-HU" sz="2600" dirty="0" smtClean="0">
-                <a:solidFill>
-                  <a:srgbClr val="FE4755"/>
-                </a:solidFill>
-              </a:rPr>
-              <a:t>Sprintek indítása/lezárása</a:t>
-            </a:r>
-          </a:p>
-          <a:p>
-            <a:pPr>
-              <a:lnSpc>
-                <a:spcPct val="150000"/>
-              </a:lnSpc>
-            </a:pPr>
-            <a:r>
-              <a:rPr lang="hu-HU" sz="2600" dirty="0" smtClean="0">
-                <a:solidFill>
-                  <a:srgbClr val="FE4755"/>
-                </a:solidFill>
-              </a:rPr>
-              <a:t>Feladatok beosztása</a:t>
-            </a:r>
-          </a:p>
-        </p:txBody>
-      </p:sp>
-      <p:sp>
-        <p:nvSpPr>
-          <p:cNvPr id="12" name="Szövegdoboz 11"/>
+              <a:t>Részlet az aloldalból</a:t>
+            </a:r>
+          </a:p>
+        </p:txBody>
+      </p:sp>
+      <p:sp>
+        <p:nvSpPr>
+          <p:cNvPr id="15" name="Szövegdoboz 14">
+            <a:extLst>
+              <a:ext uri="{FF2B5EF4-FFF2-40B4-BE49-F238E27FC236}">
+                <a16:creationId xmlns:a16="http://schemas.microsoft.com/office/drawing/2014/main" id="{DC903C29-0836-ADC2-EDF9-D21C7664D7AC}"/>
+              </a:ext>
+            </a:extLst>
+          </p:cNvPr>
           <p:cNvSpPr txBox="1"/>
           <p:nvPr/>
         </p:nvSpPr>
         <p:spPr>
           <a:xfrm>
-            <a:off x="8220335" y="5701768"/>
-            <a:ext cx="2411365" cy="369332"/>
+            <a:off x="344904" y="2282532"/>
+            <a:ext cx="6122398" cy="2292935"/>
           </a:xfrm>
           <a:prstGeom prst="rect">
             <a:avLst/>
@@ -3491,21 +3464,71 @@
           </a:bodyPr>
           <a:lstStyle/>
           <a:p>
-            <a:pPr algn="ctr"/>
-            <a:r>
-              <a:rPr lang="hu-HU" dirty="0" smtClean="0">
+            <a:pPr>
+              <a:lnSpc>
+                <a:spcPct val="150000"/>
+              </a:lnSpc>
+            </a:pPr>
+            <a:r>
+              <a:rPr lang="hu-HU" sz="2600" dirty="0">
                 <a:solidFill>
                   <a:srgbClr val="FE4755"/>
                 </a:solidFill>
+                <a:latin typeface="Arial Nova" panose="020B0504020202020204" pitchFamily="34" charset="0"/>
               </a:rPr>
-              <a:t>A Jira felülete </a:t>
-            </a:r>
+              <a:t>A játékban található pályák bemutatása</a:t>
+            </a:r>
+          </a:p>
+          <a:p>
+            <a:pPr>
+              <a:lnSpc>
+                <a:spcPct val="150000"/>
+              </a:lnSpc>
+            </a:pPr>
+            <a:r>
+              <a:rPr lang="hu-HU" sz="2600" dirty="0">
+                <a:solidFill>
+                  <a:srgbClr val="FE4755"/>
+                </a:solidFill>
+                <a:latin typeface="Arial Nova" panose="020B0504020202020204" pitchFamily="34" charset="0"/>
+              </a:rPr>
+              <a:t>Tippek az élvezhetőbb játékhoz</a:t>
+            </a:r>
+          </a:p>
+          <a:p>
+            <a:pPr>
+              <a:lnSpc>
+                <a:spcPct val="150000"/>
+              </a:lnSpc>
+            </a:pPr>
+            <a:r>
+              <a:rPr lang="hu-HU" sz="2600" dirty="0">
+                <a:solidFill>
+                  <a:srgbClr val="FE4755"/>
+                </a:solidFill>
+                <a:latin typeface="Arial Nova" panose="020B0504020202020204" pitchFamily="34" charset="0"/>
+              </a:rPr>
+              <a:t>Az aloldalakon rövid történet a pályákról</a:t>
+            </a:r>
+          </a:p>
+          <a:p>
+            <a:endParaRPr lang="hu-HU" sz="2600" dirty="0">
+              <a:solidFill>
+                <a:srgbClr val="FE4755"/>
+              </a:solidFill>
+            </a:endParaRPr>
           </a:p>
         </p:txBody>
       </p:sp>
       <p:pic>
         <p:nvPicPr>
-          <p:cNvPr id="2" name="Kép 1"/>
+          <p:cNvPr id="5" name="Kép 4">
+            <a:extLst>
+              <a:ext uri="{FF2B5EF4-FFF2-40B4-BE49-F238E27FC236}">
+                <a16:creationId xmlns:a16="http://schemas.microsoft.com/office/drawing/2014/main" id="{21DC31AA-2254-ADC7-A497-1BF1B9C2C805}"/>
+              </a:ext>
+            </a:extLst>
+          </p:cNvPr>
           <p:cNvPicPr>
             <a:picLocks noChangeAspect="1"/>
           </p:cNvPicPr>
@@ -3519,8 +3542,8 @@
         </p:blipFill>
         <p:spPr>
           <a:xfrm>
-            <a:off x="6946230" y="1892968"/>
-            <a:ext cx="4959576" cy="3808800"/>
+            <a:off x="8836452" y="1072341"/>
+            <a:ext cx="3010644" cy="4713316"/>
           </a:xfrm>
           <a:prstGeom prst="rect">
             <a:avLst/>
@@ -3530,20 +3553,13 @@
     </p:spTree>
     <p:extLst>
       <p:ext uri="{BB962C8B-B14F-4D97-AF65-F5344CB8AC3E}">
-        <p14:creationId xmlns:p14="http://schemas.microsoft.com/office/powerpoint/2010/main" val="2791304380"/>
+        <p14:creationId xmlns:p14="http://schemas.microsoft.com/office/powerpoint/2010/main" val="2006050113"/>
       </p:ext>
     </p:extLst>
   </p:cSld>
   <p:clrMapOvr>
     <a:masterClrMapping/>
   </p:clrMapOvr>
-  <p:timing>
-    <p:tnLst>
-      <p:par>
-        <p:cTn id="1" dur="indefinite" restart="never" nodeType="tmRoot"/>
-      </p:par>
-    </p:tnLst>
-  </p:timing>
 </p:sld>
 </file>
 
@@ -3582,8 +3598,8 @@
         </p:nvSpPr>
         <p:spPr>
           <a:xfrm>
-            <a:off x="344904" y="16042"/>
-            <a:ext cx="7716253" cy="1876926"/>
+            <a:off x="344904" y="0"/>
+            <a:ext cx="8524776" cy="1892826"/>
           </a:xfrm>
           <a:prstGeom prst="rect">
             <a:avLst/>
@@ -3615,15 +3631,16 @@
           <a:p>
             <a:pPr algn="l"/>
             <a:r>
-              <a:rPr lang="hu-HU" sz="4500" dirty="0" smtClean="0">
+              <a:rPr lang="hu-HU" sz="4500" dirty="0">
                 <a:solidFill>
                   <a:srgbClr val="FE4755"/>
                 </a:solidFill>
+                <a:latin typeface="Arial Nova" panose="020B0504020202020204" pitchFamily="34" charset="0"/>
               </a:rPr>
               <a:t>Csanádi Kevin része a munkából</a:t>
             </a:r>
             <a:br>
-              <a:rPr lang="hu-HU" sz="4500" dirty="0" smtClean="0">
+              <a:rPr lang="hu-HU" sz="4500" dirty="0">
                 <a:solidFill>
                   <a:srgbClr val="FE4755"/>
                 </a:solidFill>
@@ -3645,8 +3662,8 @@
         </p:nvSpPr>
         <p:spPr>
           <a:xfrm>
-            <a:off x="585534" y="2229853"/>
-            <a:ext cx="4676277" cy="1292662"/>
+            <a:off x="344904" y="2290445"/>
+            <a:ext cx="6346841" cy="1818062"/>
           </a:xfrm>
           <a:prstGeom prst="rect">
             <a:avLst/>
@@ -3665,12 +3682,13 @@
               </a:lnSpc>
             </a:pPr>
             <a:r>
-              <a:rPr lang="hu-HU" sz="2600" dirty="0" smtClean="0">
+              <a:rPr lang="hu-HU" sz="2600" dirty="0">
                 <a:solidFill>
                   <a:srgbClr val="FE4755"/>
                 </a:solidFill>
+                <a:latin typeface="Arial Nova" panose="020B0504020202020204" pitchFamily="34" charset="0"/>
               </a:rPr>
-              <a:t>Github pages kezelése</a:t>
+              <a:t>Főoldal megtervezése</a:t>
             </a:r>
           </a:p>
           <a:p>
@@ -3680,10 +3698,478 @@
               </a:lnSpc>
             </a:pPr>
             <a:r>
-              <a:rPr lang="hu-HU" sz="2600" dirty="0" smtClean="0">
+              <a:rPr lang="hu-HU" sz="2600" dirty="0">
                 <a:solidFill>
                   <a:srgbClr val="FE4755"/>
                 </a:solidFill>
+                <a:latin typeface="Arial Nova" panose="020B0504020202020204" pitchFamily="34" charset="0"/>
+              </a:rPr>
+              <a:t>Főoldal design ötlet megvalósítása</a:t>
+            </a:r>
+          </a:p>
+          <a:p>
+            <a:pPr>
+              <a:lnSpc>
+                <a:spcPct val="150000"/>
+              </a:lnSpc>
+            </a:pPr>
+            <a:r>
+              <a:rPr lang="hu-HU" sz="2600" dirty="0">
+                <a:solidFill>
+                  <a:srgbClr val="FE4755"/>
+                </a:solidFill>
+                <a:latin typeface="Arial Nova" panose="020B0504020202020204" pitchFamily="34" charset="0"/>
+              </a:rPr>
+              <a:t>Ascent, Bind, Breeze aloldalak elkészítése</a:t>
+            </a:r>
+          </a:p>
+        </p:txBody>
+      </p:sp>
+      <p:pic>
+        <p:nvPicPr>
+          <p:cNvPr id="11" name="Kép 10"/>
+          <p:cNvPicPr>
+            <a:picLocks noChangeAspect="1"/>
+          </p:cNvPicPr>
+          <p:nvPr/>
+        </p:nvPicPr>
+        <p:blipFill>
+          <a:blip r:embed="rId2"/>
+          <a:stretch>
+            <a:fillRect/>
+          </a:stretch>
+        </p:blipFill>
+        <p:spPr>
+          <a:xfrm>
+            <a:off x="6896030" y="2278271"/>
+            <a:ext cx="4951066" cy="3810000"/>
+          </a:xfrm>
+          <a:prstGeom prst="rect">
+            <a:avLst/>
+          </a:prstGeom>
+        </p:spPr>
+      </p:pic>
+      <p:sp>
+        <p:nvSpPr>
+          <p:cNvPr id="12" name="Szövegdoboz 11"/>
+          <p:cNvSpPr txBox="1"/>
+          <p:nvPr/>
+        </p:nvSpPr>
+        <p:spPr>
+          <a:xfrm>
+            <a:off x="8030448" y="6066687"/>
+            <a:ext cx="2682229" cy="369332"/>
+          </a:xfrm>
+          <a:prstGeom prst="rect">
+            <a:avLst/>
+          </a:prstGeom>
+          <a:noFill/>
+        </p:spPr>
+        <p:txBody>
+          <a:bodyPr wrap="square" rtlCol="0">
+            <a:spAutoFit/>
+          </a:bodyPr>
+          <a:lstStyle/>
+          <a:p>
+            <a:r>
+              <a:rPr lang="hu-HU" dirty="0">
+                <a:solidFill>
+                  <a:srgbClr val="FE4755"/>
+                </a:solidFill>
+                <a:latin typeface="Arial Nova" panose="020B0504020202020204" pitchFamily="34" charset="0"/>
+              </a:rPr>
+              <a:t>Kódrészlet a főoldalból</a:t>
+            </a:r>
+          </a:p>
+        </p:txBody>
+      </p:sp>
+    </p:spTree>
+    <p:extLst>
+      <p:ext uri="{BB962C8B-B14F-4D97-AF65-F5344CB8AC3E}">
+        <p14:creationId xmlns:p14="http://schemas.microsoft.com/office/powerpoint/2010/main" val="17244451"/>
+      </p:ext>
+    </p:extLst>
+  </p:cSld>
+  <p:clrMapOvr>
+    <a:masterClrMapping/>
+  </p:clrMapOvr>
+</p:sld>
+</file>
+
+<file path=ppt/slides/slide5.xml><?xml version="1.0" encoding="utf-8"?>
+<p:sld xmlns:a="http://schemas.openxmlformats.org/drawingml/2006/main" xmlns:r="http://schemas.openxmlformats.org/officeDocument/2006/relationships" xmlns:p="http://schemas.openxmlformats.org/presentationml/2006/main">
+  <p:cSld>
+    <p:bg>
+      <p:bgPr>
+        <a:solidFill>
+          <a:srgbClr val="111721"/>
+        </a:solidFill>
+        <a:effectLst/>
+      </p:bgPr>
+    </p:bg>
+    <p:spTree>
+      <p:nvGrpSpPr>
+        <p:cNvPr id="1" name=""/>
+        <p:cNvGrpSpPr/>
+        <p:nvPr/>
+      </p:nvGrpSpPr>
+      <p:grpSpPr>
+        <a:xfrm>
+          <a:off x="0" y="0"/>
+          <a:ext cx="0" cy="0"/>
+          <a:chOff x="0" y="0"/>
+          <a:chExt cx="0" cy="0"/>
+        </a:xfrm>
+      </p:grpSpPr>
+      <p:sp>
+        <p:nvSpPr>
+          <p:cNvPr id="4" name="Cím 1"/>
+          <p:cNvSpPr txBox="1">
+            <a:spLocks/>
+          </p:cNvSpPr>
+          <p:nvPr/>
+        </p:nvSpPr>
+        <p:spPr>
+          <a:xfrm>
+            <a:off x="344904" y="16042"/>
+            <a:ext cx="8516463" cy="1876926"/>
+          </a:xfrm>
+          <a:prstGeom prst="rect">
+            <a:avLst/>
+          </a:prstGeom>
+        </p:spPr>
+        <p:txBody>
+          <a:bodyPr vert="horz" lIns="91440" tIns="45720" rIns="91440" bIns="45720" rtlCol="0" anchor="b">
+            <a:noAutofit/>
+          </a:bodyPr>
+          <a:lstStyle>
+            <a:lvl1pPr algn="ctr" defTabSz="914400" rtl="0" eaLnBrk="1" latinLnBrk="0" hangingPunct="1">
+              <a:lnSpc>
+                <a:spcPct val="90000"/>
+              </a:lnSpc>
+              <a:spcBef>
+                <a:spcPct val="0"/>
+              </a:spcBef>
+              <a:buNone/>
+              <a:defRPr sz="6000" kern="1200">
+                <a:solidFill>
+                  <a:schemeClr val="tx1"/>
+                </a:solidFill>
+                <a:latin typeface="+mj-lt"/>
+                <a:ea typeface="+mj-ea"/>
+                <a:cs typeface="+mj-cs"/>
+              </a:defRPr>
+            </a:lvl1pPr>
+          </a:lstStyle>
+          <a:p>
+            <a:pPr algn="l"/>
+            <a:r>
+              <a:rPr lang="hu-HU" sz="4500" dirty="0">
+                <a:solidFill>
+                  <a:srgbClr val="FE4755"/>
+                </a:solidFill>
+                <a:latin typeface="Arial Nova" panose="020B0504020202020204" pitchFamily="34" charset="0"/>
+              </a:rPr>
+              <a:t>Csanádi Kevin része a munkából</a:t>
+            </a:r>
+            <a:br>
+              <a:rPr lang="hu-HU" sz="4500" dirty="0">
+                <a:solidFill>
+                  <a:srgbClr val="FE4755"/>
+                </a:solidFill>
+              </a:rPr>
+            </a:br>
+            <a:endParaRPr lang="hu-HU" sz="4500" dirty="0">
+              <a:solidFill>
+                <a:srgbClr val="FE4755"/>
+              </a:solidFill>
+            </a:endParaRPr>
+          </a:p>
+        </p:txBody>
+      </p:sp>
+      <p:sp>
+        <p:nvSpPr>
+          <p:cNvPr id="9" name="Szövegdoboz 8"/>
+          <p:cNvSpPr txBox="1"/>
+          <p:nvPr/>
+        </p:nvSpPr>
+        <p:spPr>
+          <a:xfrm>
+            <a:off x="344904" y="2482587"/>
+            <a:ext cx="4667671" cy="1818062"/>
+          </a:xfrm>
+          <a:prstGeom prst="rect">
+            <a:avLst/>
+          </a:prstGeom>
+          <a:noFill/>
+        </p:spPr>
+        <p:txBody>
+          <a:bodyPr wrap="square" rtlCol="0">
+            <a:spAutoFit/>
+          </a:bodyPr>
+          <a:lstStyle/>
+          <a:p>
+            <a:pPr>
+              <a:lnSpc>
+                <a:spcPct val="150000"/>
+              </a:lnSpc>
+            </a:pPr>
+            <a:r>
+              <a:rPr lang="hu-HU" sz="2600" dirty="0">
+                <a:solidFill>
+                  <a:srgbClr val="FE4755"/>
+                </a:solidFill>
+                <a:latin typeface="Arial Nova" panose="020B0504020202020204" pitchFamily="34" charset="0"/>
+              </a:rPr>
+              <a:t>Jira kezelése</a:t>
+            </a:r>
+          </a:p>
+          <a:p>
+            <a:pPr>
+              <a:lnSpc>
+                <a:spcPct val="150000"/>
+              </a:lnSpc>
+            </a:pPr>
+            <a:r>
+              <a:rPr lang="hu-HU" sz="2600" dirty="0">
+                <a:solidFill>
+                  <a:srgbClr val="FE4755"/>
+                </a:solidFill>
+                <a:latin typeface="Arial Nova" panose="020B0504020202020204" pitchFamily="34" charset="0"/>
+              </a:rPr>
+              <a:t>Sprintek indítása/lezárása</a:t>
+            </a:r>
+          </a:p>
+          <a:p>
+            <a:pPr>
+              <a:lnSpc>
+                <a:spcPct val="150000"/>
+              </a:lnSpc>
+            </a:pPr>
+            <a:r>
+              <a:rPr lang="hu-HU" sz="2600" dirty="0">
+                <a:solidFill>
+                  <a:srgbClr val="FE4755"/>
+                </a:solidFill>
+                <a:latin typeface="Arial Nova" panose="020B0504020202020204" pitchFamily="34" charset="0"/>
+              </a:rPr>
+              <a:t>Feladatok beosztása</a:t>
+            </a:r>
+          </a:p>
+        </p:txBody>
+      </p:sp>
+      <p:sp>
+        <p:nvSpPr>
+          <p:cNvPr id="12" name="Szövegdoboz 11"/>
+          <p:cNvSpPr txBox="1"/>
+          <p:nvPr/>
+        </p:nvSpPr>
+        <p:spPr>
+          <a:xfrm>
+            <a:off x="7737537" y="5701768"/>
+            <a:ext cx="3534521" cy="369332"/>
+          </a:xfrm>
+          <a:prstGeom prst="rect">
+            <a:avLst/>
+          </a:prstGeom>
+          <a:noFill/>
+        </p:spPr>
+        <p:txBody>
+          <a:bodyPr wrap="square" rtlCol="0">
+            <a:spAutoFit/>
+          </a:bodyPr>
+          <a:lstStyle/>
+          <a:p>
+            <a:pPr algn="ctr"/>
+            <a:r>
+              <a:rPr lang="hu-HU" dirty="0">
+                <a:solidFill>
+                  <a:srgbClr val="FE4755"/>
+                </a:solidFill>
+                <a:latin typeface="Arial Nova" panose="020B0504020202020204" pitchFamily="34" charset="0"/>
+              </a:rPr>
+              <a:t>A Jira, ahol a sprinteket kezeljük </a:t>
+            </a:r>
+          </a:p>
+        </p:txBody>
+      </p:sp>
+      <p:pic>
+        <p:nvPicPr>
+          <p:cNvPr id="2" name="Kép 1"/>
+          <p:cNvPicPr>
+            <a:picLocks noChangeAspect="1"/>
+          </p:cNvPicPr>
+          <p:nvPr/>
+        </p:nvPicPr>
+        <p:blipFill>
+          <a:blip r:embed="rId2"/>
+          <a:stretch>
+            <a:fillRect/>
+          </a:stretch>
+        </p:blipFill>
+        <p:spPr>
+          <a:xfrm>
+            <a:off x="6887520" y="1892968"/>
+            <a:ext cx="4959576" cy="3808800"/>
+          </a:xfrm>
+          <a:prstGeom prst="rect">
+            <a:avLst/>
+          </a:prstGeom>
+        </p:spPr>
+      </p:pic>
+    </p:spTree>
+    <p:extLst>
+      <p:ext uri="{BB962C8B-B14F-4D97-AF65-F5344CB8AC3E}">
+        <p14:creationId xmlns:p14="http://schemas.microsoft.com/office/powerpoint/2010/main" val="2791304380"/>
+      </p:ext>
+    </p:extLst>
+  </p:cSld>
+  <p:clrMapOvr>
+    <a:masterClrMapping/>
+  </p:clrMapOvr>
+</p:sld>
+</file>
+
+<file path=ppt/slides/slide6.xml><?xml version="1.0" encoding="utf-8"?>
+<p:sld xmlns:a="http://schemas.openxmlformats.org/drawingml/2006/main" xmlns:r="http://schemas.openxmlformats.org/officeDocument/2006/relationships" xmlns:p="http://schemas.openxmlformats.org/presentationml/2006/main">
+  <p:cSld>
+    <p:bg>
+      <p:bgPr>
+        <a:solidFill>
+          <a:srgbClr val="111721"/>
+        </a:solidFill>
+        <a:effectLst/>
+      </p:bgPr>
+    </p:bg>
+    <p:spTree>
+      <p:nvGrpSpPr>
+        <p:cNvPr id="1" name=""/>
+        <p:cNvGrpSpPr/>
+        <p:nvPr/>
+      </p:nvGrpSpPr>
+      <p:grpSpPr>
+        <a:xfrm>
+          <a:off x="0" y="0"/>
+          <a:ext cx="0" cy="0"/>
+          <a:chOff x="0" y="0"/>
+          <a:chExt cx="0" cy="0"/>
+        </a:xfrm>
+      </p:grpSpPr>
+      <p:sp>
+        <p:nvSpPr>
+          <p:cNvPr id="4" name="Cím 1"/>
+          <p:cNvSpPr txBox="1">
+            <a:spLocks/>
+          </p:cNvSpPr>
+          <p:nvPr/>
+        </p:nvSpPr>
+        <p:spPr>
+          <a:xfrm>
+            <a:off x="344904" y="16042"/>
+            <a:ext cx="8508151" cy="1876926"/>
+          </a:xfrm>
+          <a:prstGeom prst="rect">
+            <a:avLst/>
+          </a:prstGeom>
+        </p:spPr>
+        <p:txBody>
+          <a:bodyPr vert="horz" lIns="91440" tIns="45720" rIns="91440" bIns="45720" rtlCol="0" anchor="b">
+            <a:noAutofit/>
+          </a:bodyPr>
+          <a:lstStyle>
+            <a:lvl1pPr algn="ctr" defTabSz="914400" rtl="0" eaLnBrk="1" latinLnBrk="0" hangingPunct="1">
+              <a:lnSpc>
+                <a:spcPct val="90000"/>
+              </a:lnSpc>
+              <a:spcBef>
+                <a:spcPct val="0"/>
+              </a:spcBef>
+              <a:buNone/>
+              <a:defRPr sz="6000" kern="1200">
+                <a:solidFill>
+                  <a:schemeClr val="tx1"/>
+                </a:solidFill>
+                <a:latin typeface="+mj-lt"/>
+                <a:ea typeface="+mj-ea"/>
+                <a:cs typeface="+mj-cs"/>
+              </a:defRPr>
+            </a:lvl1pPr>
+          </a:lstStyle>
+          <a:p>
+            <a:pPr algn="l"/>
+            <a:r>
+              <a:rPr lang="hu-HU" sz="4500" dirty="0">
+                <a:solidFill>
+                  <a:srgbClr val="FE4755"/>
+                </a:solidFill>
+                <a:latin typeface="Arial Nova" panose="020B0504020202020204" pitchFamily="34" charset="0"/>
+              </a:rPr>
+              <a:t>Csanádi Kevin része a munkából</a:t>
+            </a:r>
+            <a:br>
+              <a:rPr lang="hu-HU" sz="4500" dirty="0">
+                <a:solidFill>
+                  <a:srgbClr val="FE4755"/>
+                </a:solidFill>
+              </a:rPr>
+            </a:br>
+            <a:endParaRPr lang="hu-HU" sz="4500" dirty="0">
+              <a:solidFill>
+                <a:srgbClr val="FE4755"/>
+              </a:solidFill>
+            </a:endParaRPr>
+          </a:p>
+        </p:txBody>
+      </p:sp>
+      <p:sp>
+        <p:nvSpPr>
+          <p:cNvPr id="9" name="Szövegdoboz 8"/>
+          <p:cNvSpPr txBox="1"/>
+          <p:nvPr/>
+        </p:nvSpPr>
+        <p:spPr>
+          <a:xfrm>
+            <a:off x="530923" y="2504706"/>
+            <a:ext cx="4676277" cy="1217898"/>
+          </a:xfrm>
+          <a:prstGeom prst="rect">
+            <a:avLst/>
+          </a:prstGeom>
+          <a:noFill/>
+        </p:spPr>
+        <p:txBody>
+          <a:bodyPr wrap="square" rtlCol="0">
+            <a:spAutoFit/>
+          </a:bodyPr>
+          <a:lstStyle/>
+          <a:p>
+            <a:pPr>
+              <a:lnSpc>
+                <a:spcPct val="150000"/>
+              </a:lnSpc>
+            </a:pPr>
+            <a:r>
+              <a:rPr lang="hu-HU" sz="2600" dirty="0">
+                <a:solidFill>
+                  <a:srgbClr val="FE4755"/>
+                </a:solidFill>
+                <a:latin typeface="Arial Nova" panose="020B0504020202020204" pitchFamily="34" charset="0"/>
+              </a:rPr>
+              <a:t>Github pages kezelése</a:t>
+            </a:r>
+          </a:p>
+          <a:p>
+            <a:pPr>
+              <a:lnSpc>
+                <a:spcPct val="150000"/>
+              </a:lnSpc>
+            </a:pPr>
+            <a:r>
+              <a:rPr lang="hu-HU" sz="2600" dirty="0">
+                <a:solidFill>
+                  <a:srgbClr val="FE4755"/>
+                </a:solidFill>
+                <a:latin typeface="Arial Nova" panose="020B0504020202020204" pitchFamily="34" charset="0"/>
               </a:rPr>
               <a:t>Mapparendszer megvalósítása</a:t>
             </a:r>
@@ -3714,12 +4200,31 @@
           <a:p>
             <a:pPr algn="ctr"/>
             <a:r>
-              <a:rPr lang="hu-HU" dirty="0" smtClean="0">
+              <a:rPr lang="hu-HU" dirty="0">
                 <a:solidFill>
                   <a:srgbClr val="FE4755"/>
                 </a:solidFill>
+                <a:latin typeface="Arial Nova" panose="020B0504020202020204" pitchFamily="34" charset="0"/>
               </a:rPr>
-              <a:t>A Github felülete </a:t>
+              <a:t>A GitHub </a:t>
+            </a:r>
+            <a:r>
+              <a:rPr lang="en-US" dirty="0">
+                <a:solidFill>
+                  <a:srgbClr val="FE4755"/>
+                </a:solidFill>
+                <a:latin typeface="Arial Nova" panose="020B0504020202020204" pitchFamily="34" charset="0"/>
+              </a:rPr>
+              <a:t>rep</a:t>
+            </a:r>
+            <a:r>
+              <a:rPr lang="hu-HU" dirty="0">
+                <a:solidFill>
+                  <a:srgbClr val="FE4755"/>
+                </a:solidFill>
+                <a:latin typeface="Arial Nova" panose="020B0504020202020204" pitchFamily="34" charset="0"/>
+              </a:rPr>
+              <a:t>ónk </a:t>
             </a:r>
           </a:p>
         </p:txBody>
@@ -3740,7 +4245,7 @@
         </p:blipFill>
         <p:spPr>
           <a:xfrm>
-            <a:off x="6984801" y="1892968"/>
+            <a:off x="6984799" y="1899789"/>
             <a:ext cx="4939477" cy="3808800"/>
           </a:xfrm>
           <a:prstGeom prst="rect">
@@ -3758,13 +4263,6 @@
   <p:clrMapOvr>
     <a:masterClrMapping/>
   </p:clrMapOvr>
-  <p:timing>
-    <p:tnLst>
-      <p:par>
-        <p:cTn id="1" dur="indefinite" restart="never" nodeType="tmRoot"/>
-      </p:par>
-    </p:tnLst>
-  </p:timing>
 </p:sld>
 </file>
 

--- a/VALORANT útmutató.pptx
+++ b/VALORANT útmutató.pptx
@@ -11,6 +11,8 @@
     <p:sldId id="260" r:id="rId5"/>
     <p:sldId id="258" r:id="rId6"/>
     <p:sldId id="259" r:id="rId7"/>
+    <p:sldId id="262" r:id="rId8"/>
+    <p:sldId id="263" r:id="rId9"/>
   </p:sldIdLst>
   <p:sldSz cx="12192000" cy="6858000"/>
   <p:notesSz cx="6858000" cy="9144000"/>
@@ -111,7 +113,7 @@
   </p:defaultTextStyle>
   <p:extLst>
     <p:ext uri="{EFAFB233-063F-42B5-8137-9DF3F51BA10A}">
-      <p15:sldGuideLst xmlns:p15="http://schemas.microsoft.com/office/powerpoint/2012/main"/>
+      <p15:sldGuideLst xmlns:p15="http://schemas.microsoft.com/office/powerpoint/2012/main" xmlns=""/>
     </p:ext>
   </p:extLst>
 </p:presentation>
@@ -246,6 +248,7 @@
           <a:p>
             <a:fld id="{8A03A660-8C9C-4A1F-A743-276051C51089}" type="datetimeFigureOut">
               <a:rPr lang="hu-HU" smtClean="0"/>
+              <a:pPr/>
               <a:t>2023. 02. 07.</a:t>
             </a:fld>
             <a:endParaRPr lang="hu-HU" dirty="0"/>
@@ -288,6 +291,7 @@
           <a:p>
             <a:fld id="{2C6D537F-0594-4BF5-828F-AB7116D37FA2}" type="slidenum">
               <a:rPr lang="hu-HU" smtClean="0"/>
+              <a:pPr/>
               <a:t>‹#›</a:t>
             </a:fld>
             <a:endParaRPr lang="hu-HU" dirty="0"/>
@@ -297,7 +301,7 @@
     </p:spTree>
     <p:extLst>
       <p:ext uri="{BB962C8B-B14F-4D97-AF65-F5344CB8AC3E}">
-        <p14:creationId xmlns:p14="http://schemas.microsoft.com/office/powerpoint/2010/main" val="3532259792"/>
+        <p14:creationId xmlns:p14="http://schemas.microsoft.com/office/powerpoint/2010/main" xmlns="" val="3532259792"/>
       </p:ext>
     </p:extLst>
   </p:cSld>
@@ -414,6 +418,7 @@
           <a:p>
             <a:fld id="{8A03A660-8C9C-4A1F-A743-276051C51089}" type="datetimeFigureOut">
               <a:rPr lang="hu-HU" smtClean="0"/>
+              <a:pPr/>
               <a:t>2023. 02. 07.</a:t>
             </a:fld>
             <a:endParaRPr lang="hu-HU" dirty="0"/>
@@ -456,6 +461,7 @@
           <a:p>
             <a:fld id="{2C6D537F-0594-4BF5-828F-AB7116D37FA2}" type="slidenum">
               <a:rPr lang="hu-HU" smtClean="0"/>
+              <a:pPr/>
               <a:t>‹#›</a:t>
             </a:fld>
             <a:endParaRPr lang="hu-HU" dirty="0"/>
@@ -465,7 +471,7 @@
     </p:spTree>
     <p:extLst>
       <p:ext uri="{BB962C8B-B14F-4D97-AF65-F5344CB8AC3E}">
-        <p14:creationId xmlns:p14="http://schemas.microsoft.com/office/powerpoint/2010/main" val="3518571067"/>
+        <p14:creationId xmlns:p14="http://schemas.microsoft.com/office/powerpoint/2010/main" xmlns="" val="3518571067"/>
       </p:ext>
     </p:extLst>
   </p:cSld>
@@ -592,6 +598,7 @@
           <a:p>
             <a:fld id="{8A03A660-8C9C-4A1F-A743-276051C51089}" type="datetimeFigureOut">
               <a:rPr lang="hu-HU" smtClean="0"/>
+              <a:pPr/>
               <a:t>2023. 02. 07.</a:t>
             </a:fld>
             <a:endParaRPr lang="hu-HU" dirty="0"/>
@@ -634,6 +641,7 @@
           <a:p>
             <a:fld id="{2C6D537F-0594-4BF5-828F-AB7116D37FA2}" type="slidenum">
               <a:rPr lang="hu-HU" smtClean="0"/>
+              <a:pPr/>
               <a:t>‹#›</a:t>
             </a:fld>
             <a:endParaRPr lang="hu-HU" dirty="0"/>
@@ -643,7 +651,7 @@
     </p:spTree>
     <p:extLst>
       <p:ext uri="{BB962C8B-B14F-4D97-AF65-F5344CB8AC3E}">
-        <p14:creationId xmlns:p14="http://schemas.microsoft.com/office/powerpoint/2010/main" val="3892629429"/>
+        <p14:creationId xmlns:p14="http://schemas.microsoft.com/office/powerpoint/2010/main" xmlns="" val="3892629429"/>
       </p:ext>
     </p:extLst>
   </p:cSld>
@@ -760,6 +768,7 @@
           <a:p>
             <a:fld id="{8A03A660-8C9C-4A1F-A743-276051C51089}" type="datetimeFigureOut">
               <a:rPr lang="hu-HU" smtClean="0"/>
+              <a:pPr/>
               <a:t>2023. 02. 07.</a:t>
             </a:fld>
             <a:endParaRPr lang="hu-HU" dirty="0"/>
@@ -802,6 +811,7 @@
           <a:p>
             <a:fld id="{2C6D537F-0594-4BF5-828F-AB7116D37FA2}" type="slidenum">
               <a:rPr lang="hu-HU" smtClean="0"/>
+              <a:pPr/>
               <a:t>‹#›</a:t>
             </a:fld>
             <a:endParaRPr lang="hu-HU" dirty="0"/>
@@ -811,7 +821,7 @@
     </p:spTree>
     <p:extLst>
       <p:ext uri="{BB962C8B-B14F-4D97-AF65-F5344CB8AC3E}">
-        <p14:creationId xmlns:p14="http://schemas.microsoft.com/office/powerpoint/2010/main" val="682754086"/>
+        <p14:creationId xmlns:p14="http://schemas.microsoft.com/office/powerpoint/2010/main" xmlns="" val="682754086"/>
       </p:ext>
     </p:extLst>
   </p:cSld>
@@ -1005,6 +1015,7 @@
           <a:p>
             <a:fld id="{8A03A660-8C9C-4A1F-A743-276051C51089}" type="datetimeFigureOut">
               <a:rPr lang="hu-HU" smtClean="0"/>
+              <a:pPr/>
               <a:t>2023. 02. 07.</a:t>
             </a:fld>
             <a:endParaRPr lang="hu-HU" dirty="0"/>
@@ -1047,6 +1058,7 @@
           <a:p>
             <a:fld id="{2C6D537F-0594-4BF5-828F-AB7116D37FA2}" type="slidenum">
               <a:rPr lang="hu-HU" smtClean="0"/>
+              <a:pPr/>
               <a:t>‹#›</a:t>
             </a:fld>
             <a:endParaRPr lang="hu-HU" dirty="0"/>
@@ -1056,7 +1068,7 @@
     </p:spTree>
     <p:extLst>
       <p:ext uri="{BB962C8B-B14F-4D97-AF65-F5344CB8AC3E}">
-        <p14:creationId xmlns:p14="http://schemas.microsoft.com/office/powerpoint/2010/main" val="703349586"/>
+        <p14:creationId xmlns:p14="http://schemas.microsoft.com/office/powerpoint/2010/main" xmlns="" val="703349586"/>
       </p:ext>
     </p:extLst>
   </p:cSld>
@@ -1234,6 +1246,7 @@
           <a:p>
             <a:fld id="{8A03A660-8C9C-4A1F-A743-276051C51089}" type="datetimeFigureOut">
               <a:rPr lang="hu-HU" smtClean="0"/>
+              <a:pPr/>
               <a:t>2023. 02. 07.</a:t>
             </a:fld>
             <a:endParaRPr lang="hu-HU" dirty="0"/>
@@ -1276,6 +1289,7 @@
           <a:p>
             <a:fld id="{2C6D537F-0594-4BF5-828F-AB7116D37FA2}" type="slidenum">
               <a:rPr lang="hu-HU" smtClean="0"/>
+              <a:pPr/>
               <a:t>‹#›</a:t>
             </a:fld>
             <a:endParaRPr lang="hu-HU" dirty="0"/>
@@ -1285,7 +1299,7 @@
     </p:spTree>
     <p:extLst>
       <p:ext uri="{BB962C8B-B14F-4D97-AF65-F5344CB8AC3E}">
-        <p14:creationId xmlns:p14="http://schemas.microsoft.com/office/powerpoint/2010/main" val="2727606876"/>
+        <p14:creationId xmlns:p14="http://schemas.microsoft.com/office/powerpoint/2010/main" xmlns="" val="2727606876"/>
       </p:ext>
     </p:extLst>
   </p:cSld>
@@ -1598,6 +1612,7 @@
           <a:p>
             <a:fld id="{8A03A660-8C9C-4A1F-A743-276051C51089}" type="datetimeFigureOut">
               <a:rPr lang="hu-HU" smtClean="0"/>
+              <a:pPr/>
               <a:t>2023. 02. 07.</a:t>
             </a:fld>
             <a:endParaRPr lang="hu-HU" dirty="0"/>
@@ -1640,6 +1655,7 @@
           <a:p>
             <a:fld id="{2C6D537F-0594-4BF5-828F-AB7116D37FA2}" type="slidenum">
               <a:rPr lang="hu-HU" smtClean="0"/>
+              <a:pPr/>
               <a:t>‹#›</a:t>
             </a:fld>
             <a:endParaRPr lang="hu-HU" dirty="0"/>
@@ -1649,7 +1665,7 @@
     </p:spTree>
     <p:extLst>
       <p:ext uri="{BB962C8B-B14F-4D97-AF65-F5344CB8AC3E}">
-        <p14:creationId xmlns:p14="http://schemas.microsoft.com/office/powerpoint/2010/main" val="3189436810"/>
+        <p14:creationId xmlns:p14="http://schemas.microsoft.com/office/powerpoint/2010/main" xmlns="" val="3189436810"/>
       </p:ext>
     </p:extLst>
   </p:cSld>
@@ -1715,6 +1731,7 @@
           <a:p>
             <a:fld id="{8A03A660-8C9C-4A1F-A743-276051C51089}" type="datetimeFigureOut">
               <a:rPr lang="hu-HU" smtClean="0"/>
+              <a:pPr/>
               <a:t>2023. 02. 07.</a:t>
             </a:fld>
             <a:endParaRPr lang="hu-HU" dirty="0"/>
@@ -1757,6 +1774,7 @@
           <a:p>
             <a:fld id="{2C6D537F-0594-4BF5-828F-AB7116D37FA2}" type="slidenum">
               <a:rPr lang="hu-HU" smtClean="0"/>
+              <a:pPr/>
               <a:t>‹#›</a:t>
             </a:fld>
             <a:endParaRPr lang="hu-HU" dirty="0"/>
@@ -1766,7 +1784,7 @@
     </p:spTree>
     <p:extLst>
       <p:ext uri="{BB962C8B-B14F-4D97-AF65-F5344CB8AC3E}">
-        <p14:creationId xmlns:p14="http://schemas.microsoft.com/office/powerpoint/2010/main" val="1401297087"/>
+        <p14:creationId xmlns:p14="http://schemas.microsoft.com/office/powerpoint/2010/main" xmlns="" val="1401297087"/>
       </p:ext>
     </p:extLst>
   </p:cSld>
@@ -1810,6 +1828,7 @@
           <a:p>
             <a:fld id="{8A03A660-8C9C-4A1F-A743-276051C51089}" type="datetimeFigureOut">
               <a:rPr lang="hu-HU" smtClean="0"/>
+              <a:pPr/>
               <a:t>2023. 02. 07.</a:t>
             </a:fld>
             <a:endParaRPr lang="hu-HU" dirty="0"/>
@@ -1852,6 +1871,7 @@
           <a:p>
             <a:fld id="{2C6D537F-0594-4BF5-828F-AB7116D37FA2}" type="slidenum">
               <a:rPr lang="hu-HU" smtClean="0"/>
+              <a:pPr/>
               <a:t>‹#›</a:t>
             </a:fld>
             <a:endParaRPr lang="hu-HU" dirty="0"/>
@@ -1861,7 +1881,7 @@
     </p:spTree>
     <p:extLst>
       <p:ext uri="{BB962C8B-B14F-4D97-AF65-F5344CB8AC3E}">
-        <p14:creationId xmlns:p14="http://schemas.microsoft.com/office/powerpoint/2010/main" val="791405128"/>
+        <p14:creationId xmlns:p14="http://schemas.microsoft.com/office/powerpoint/2010/main" xmlns="" val="791405128"/>
       </p:ext>
     </p:extLst>
   </p:cSld>
@@ -2085,6 +2105,7 @@
           <a:p>
             <a:fld id="{8A03A660-8C9C-4A1F-A743-276051C51089}" type="datetimeFigureOut">
               <a:rPr lang="hu-HU" smtClean="0"/>
+              <a:pPr/>
               <a:t>2023. 02. 07.</a:t>
             </a:fld>
             <a:endParaRPr lang="hu-HU" dirty="0"/>
@@ -2127,6 +2148,7 @@
           <a:p>
             <a:fld id="{2C6D537F-0594-4BF5-828F-AB7116D37FA2}" type="slidenum">
               <a:rPr lang="hu-HU" smtClean="0"/>
+              <a:pPr/>
               <a:t>‹#›</a:t>
             </a:fld>
             <a:endParaRPr lang="hu-HU" dirty="0"/>
@@ -2136,7 +2158,7 @@
     </p:spTree>
     <p:extLst>
       <p:ext uri="{BB962C8B-B14F-4D97-AF65-F5344CB8AC3E}">
-        <p14:creationId xmlns:p14="http://schemas.microsoft.com/office/powerpoint/2010/main" val="2039442723"/>
+        <p14:creationId xmlns:p14="http://schemas.microsoft.com/office/powerpoint/2010/main" xmlns="" val="2039442723"/>
       </p:ext>
     </p:extLst>
   </p:cSld>
@@ -2337,6 +2359,7 @@
           <a:p>
             <a:fld id="{8A03A660-8C9C-4A1F-A743-276051C51089}" type="datetimeFigureOut">
               <a:rPr lang="hu-HU" smtClean="0"/>
+              <a:pPr/>
               <a:t>2023. 02. 07.</a:t>
             </a:fld>
             <a:endParaRPr lang="hu-HU" dirty="0"/>
@@ -2379,6 +2402,7 @@
           <a:p>
             <a:fld id="{2C6D537F-0594-4BF5-828F-AB7116D37FA2}" type="slidenum">
               <a:rPr lang="hu-HU" smtClean="0"/>
+              <a:pPr/>
               <a:t>‹#›</a:t>
             </a:fld>
             <a:endParaRPr lang="hu-HU" dirty="0"/>
@@ -2388,7 +2412,7 @@
     </p:spTree>
     <p:extLst>
       <p:ext uri="{BB962C8B-B14F-4D97-AF65-F5344CB8AC3E}">
-        <p14:creationId xmlns:p14="http://schemas.microsoft.com/office/powerpoint/2010/main" val="1513004198"/>
+        <p14:creationId xmlns:p14="http://schemas.microsoft.com/office/powerpoint/2010/main" xmlns="" val="1513004198"/>
       </p:ext>
     </p:extLst>
   </p:cSld>
@@ -2548,6 +2572,7 @@
           <a:p>
             <a:fld id="{8A03A660-8C9C-4A1F-A743-276051C51089}" type="datetimeFigureOut">
               <a:rPr lang="hu-HU" smtClean="0"/>
+              <a:pPr/>
               <a:t>2023. 02. 07.</a:t>
             </a:fld>
             <a:endParaRPr lang="hu-HU" dirty="0"/>
@@ -2626,6 +2651,7 @@
           <a:p>
             <a:fld id="{2C6D537F-0594-4BF5-828F-AB7116D37FA2}" type="slidenum">
               <a:rPr lang="hu-HU" smtClean="0"/>
+              <a:pPr/>
               <a:t>‹#›</a:t>
             </a:fld>
             <a:endParaRPr lang="hu-HU" dirty="0"/>
@@ -2635,7 +2661,7 @@
     </p:spTree>
     <p:extLst>
       <p:ext uri="{BB962C8B-B14F-4D97-AF65-F5344CB8AC3E}">
-        <p14:creationId xmlns:p14="http://schemas.microsoft.com/office/powerpoint/2010/main" val="3934419866"/>
+        <p14:creationId xmlns:p14="http://schemas.microsoft.com/office/powerpoint/2010/main" xmlns="" val="3934419866"/>
       </p:ext>
     </p:extLst>
   </p:cSld>
@@ -3048,13 +3074,20 @@
     </p:spTree>
     <p:extLst>
       <p:ext uri="{BB962C8B-B14F-4D97-AF65-F5344CB8AC3E}">
-        <p14:creationId xmlns:p14="http://schemas.microsoft.com/office/powerpoint/2010/main" val="2542056938"/>
+        <p14:creationId xmlns:p14="http://schemas.microsoft.com/office/powerpoint/2010/main" xmlns="" val="2542056938"/>
       </p:ext>
     </p:extLst>
   </p:cSld>
   <p:clrMapOvr>
     <a:masterClrMapping/>
   </p:clrMapOvr>
+  <p:timing>
+    <p:tnLst>
+      <p:par>
+        <p:cTn id="1" dur="indefinite" restart="never" nodeType="tmRoot"/>
+      </p:par>
+    </p:tnLst>
+  </p:timing>
 </p:sld>
 </file>
 
@@ -3160,7 +3193,7 @@
           <p:cNvPr id="3" name="Kép 2">
             <a:extLst>
               <a:ext uri="{FF2B5EF4-FFF2-40B4-BE49-F238E27FC236}">
-                <a16:creationId xmlns:a16="http://schemas.microsoft.com/office/drawing/2014/main" id="{66A8F39C-C7E6-B32F-11C3-EF0B84BE03B2}"/>
+                <a16:creationId xmlns:a16="http://schemas.microsoft.com/office/drawing/2014/main" xmlns="" id="{66A8F39C-C7E6-B32F-11C3-EF0B84BE03B2}"/>
               </a:ext>
             </a:extLst>
           </p:cNvPr>
@@ -3170,7 +3203,7 @@
           <p:nvPr/>
         </p:nvPicPr>
         <p:blipFill>
-          <a:blip r:embed="rId2"/>
+          <a:blip r:embed="rId2" cstate="print"/>
           <a:stretch>
             <a:fillRect/>
           </a:stretch>
@@ -3190,7 +3223,7 @@
           <p:cNvPr id="13" name="Szövegdoboz 12">
             <a:extLst>
               <a:ext uri="{FF2B5EF4-FFF2-40B4-BE49-F238E27FC236}">
-                <a16:creationId xmlns:a16="http://schemas.microsoft.com/office/drawing/2014/main" id="{D7861877-B098-ED1E-1DEE-EF077BBA9F30}"/>
+                <a16:creationId xmlns:a16="http://schemas.microsoft.com/office/drawing/2014/main" xmlns="" id="{D7861877-B098-ED1E-1DEE-EF077BBA9F30}"/>
               </a:ext>
             </a:extLst>
           </p:cNvPr>
@@ -3231,7 +3264,7 @@
           <p:cNvPr id="15" name="Szövegdoboz 14">
             <a:extLst>
               <a:ext uri="{FF2B5EF4-FFF2-40B4-BE49-F238E27FC236}">
-                <a16:creationId xmlns:a16="http://schemas.microsoft.com/office/drawing/2014/main" id="{DC903C29-0836-ADC2-EDF9-D21C7664D7AC}"/>
+                <a16:creationId xmlns:a16="http://schemas.microsoft.com/office/drawing/2014/main" xmlns="" id="{DC903C29-0836-ADC2-EDF9-D21C7664D7AC}"/>
               </a:ext>
             </a:extLst>
           </p:cNvPr>
@@ -3306,13 +3339,20 @@
     </p:spTree>
     <p:extLst>
       <p:ext uri="{BB962C8B-B14F-4D97-AF65-F5344CB8AC3E}">
-        <p14:creationId xmlns:p14="http://schemas.microsoft.com/office/powerpoint/2010/main" val="3601529846"/>
+        <p14:creationId xmlns:p14="http://schemas.microsoft.com/office/powerpoint/2010/main" xmlns="" val="3601529846"/>
       </p:ext>
     </p:extLst>
   </p:cSld>
   <p:clrMapOvr>
     <a:masterClrMapping/>
   </p:clrMapOvr>
+  <p:timing>
+    <p:tnLst>
+      <p:par>
+        <p:cTn id="1" dur="indefinite" restart="never" nodeType="tmRoot"/>
+      </p:par>
+    </p:tnLst>
+  </p:timing>
 </p:sld>
 </file>
 
@@ -3400,7 +3440,7 @@
           <p:cNvPr id="13" name="Szövegdoboz 12">
             <a:extLst>
               <a:ext uri="{FF2B5EF4-FFF2-40B4-BE49-F238E27FC236}">
-                <a16:creationId xmlns:a16="http://schemas.microsoft.com/office/drawing/2014/main" id="{D7861877-B098-ED1E-1DEE-EF077BBA9F30}"/>
+                <a16:creationId xmlns:a16="http://schemas.microsoft.com/office/drawing/2014/main" xmlns="" id="{D7861877-B098-ED1E-1DEE-EF077BBA9F30}"/>
               </a:ext>
             </a:extLst>
           </p:cNvPr>
@@ -3441,7 +3481,7 @@
           <p:cNvPr id="15" name="Szövegdoboz 14">
             <a:extLst>
               <a:ext uri="{FF2B5EF4-FFF2-40B4-BE49-F238E27FC236}">
-                <a16:creationId xmlns:a16="http://schemas.microsoft.com/office/drawing/2014/main" id="{DC903C29-0836-ADC2-EDF9-D21C7664D7AC}"/>
+                <a16:creationId xmlns:a16="http://schemas.microsoft.com/office/drawing/2014/main" xmlns="" id="{DC903C29-0836-ADC2-EDF9-D21C7664D7AC}"/>
               </a:ext>
             </a:extLst>
           </p:cNvPr>
@@ -3525,7 +3565,7 @@
           <p:cNvPr id="5" name="Kép 4">
             <a:extLst>
               <a:ext uri="{FF2B5EF4-FFF2-40B4-BE49-F238E27FC236}">
-                <a16:creationId xmlns:a16="http://schemas.microsoft.com/office/drawing/2014/main" id="{21DC31AA-2254-ADC7-A497-1BF1B9C2C805}"/>
+                <a16:creationId xmlns:a16="http://schemas.microsoft.com/office/drawing/2014/main" xmlns="" id="{21DC31AA-2254-ADC7-A497-1BF1B9C2C805}"/>
               </a:ext>
             </a:extLst>
           </p:cNvPr>
@@ -3535,7 +3575,7 @@
           <p:nvPr/>
         </p:nvPicPr>
         <p:blipFill>
-          <a:blip r:embed="rId2"/>
+          <a:blip r:embed="rId2" cstate="print"/>
           <a:stretch>
             <a:fillRect/>
           </a:stretch>
@@ -3553,13 +3593,20 @@
     </p:spTree>
     <p:extLst>
       <p:ext uri="{BB962C8B-B14F-4D97-AF65-F5344CB8AC3E}">
-        <p14:creationId xmlns:p14="http://schemas.microsoft.com/office/powerpoint/2010/main" val="2006050113"/>
+        <p14:creationId xmlns:p14="http://schemas.microsoft.com/office/powerpoint/2010/main" xmlns="" val="2006050113"/>
       </p:ext>
     </p:extLst>
   </p:cSld>
   <p:clrMapOvr>
     <a:masterClrMapping/>
   </p:clrMapOvr>
+  <p:timing>
+    <p:tnLst>
+      <p:par>
+        <p:cTn id="1" dur="indefinite" restart="never" nodeType="tmRoot"/>
+      </p:par>
+    </p:tnLst>
+  </p:timing>
 </p:sld>
 </file>
 
@@ -3639,6 +3686,14 @@
               </a:rPr>
               <a:t>Csanádi Kevin része a munkából</a:t>
             </a:r>
+            <a:r>
+              <a:rPr lang="hu-HU" sz="4500" dirty="0">
+                <a:solidFill>
+                  <a:srgbClr val="FE4755"/>
+                </a:solidFill>
+              </a:rPr>
+              <a:t/>
+            </a:r>
             <a:br>
               <a:rPr lang="hu-HU" sz="4500" dirty="0">
                 <a:solidFill>
@@ -3786,13 +3841,20 @@
     </p:spTree>
     <p:extLst>
       <p:ext uri="{BB962C8B-B14F-4D97-AF65-F5344CB8AC3E}">
-        <p14:creationId xmlns:p14="http://schemas.microsoft.com/office/powerpoint/2010/main" val="17244451"/>
+        <p14:creationId xmlns:p14="http://schemas.microsoft.com/office/powerpoint/2010/main" xmlns="" val="17244451"/>
       </p:ext>
     </p:extLst>
   </p:cSld>
   <p:clrMapOvr>
     <a:masterClrMapping/>
   </p:clrMapOvr>
+  <p:timing>
+    <p:tnLst>
+      <p:par>
+        <p:cTn id="1" dur="indefinite" restart="never" nodeType="tmRoot"/>
+      </p:par>
+    </p:tnLst>
+  </p:timing>
 </p:sld>
 </file>
 
@@ -3872,6 +3934,14 @@
               </a:rPr>
               <a:t>Csanádi Kevin része a munkából</a:t>
             </a:r>
+            <a:r>
+              <a:rPr lang="hu-HU" sz="4500" dirty="0">
+                <a:solidFill>
+                  <a:srgbClr val="FE4755"/>
+                </a:solidFill>
+              </a:rPr>
+              <a:t/>
+            </a:r>
             <a:br>
               <a:rPr lang="hu-HU" sz="4500" dirty="0">
                 <a:solidFill>
@@ -4020,13 +4090,20 @@
     </p:spTree>
     <p:extLst>
       <p:ext uri="{BB962C8B-B14F-4D97-AF65-F5344CB8AC3E}">
-        <p14:creationId xmlns:p14="http://schemas.microsoft.com/office/powerpoint/2010/main" val="2791304380"/>
+        <p14:creationId xmlns:p14="http://schemas.microsoft.com/office/powerpoint/2010/main" xmlns="" val="2791304380"/>
       </p:ext>
     </p:extLst>
   </p:cSld>
   <p:clrMapOvr>
     <a:masterClrMapping/>
   </p:clrMapOvr>
+  <p:timing>
+    <p:tnLst>
+      <p:par>
+        <p:cTn id="1" dur="indefinite" restart="never" nodeType="tmRoot"/>
+      </p:par>
+    </p:tnLst>
+  </p:timing>
 </p:sld>
 </file>
 
@@ -4106,6 +4183,14 @@
               </a:rPr>
               <a:t>Csanádi Kevin része a munkából</a:t>
             </a:r>
+            <a:r>
+              <a:rPr lang="hu-HU" sz="4500" dirty="0">
+                <a:solidFill>
+                  <a:srgbClr val="FE4755"/>
+                </a:solidFill>
+              </a:rPr>
+              <a:t/>
+            </a:r>
             <a:br>
               <a:rPr lang="hu-HU" sz="4500" dirty="0">
                 <a:solidFill>
@@ -4256,13 +4341,630 @@
     </p:spTree>
     <p:extLst>
       <p:ext uri="{BB962C8B-B14F-4D97-AF65-F5344CB8AC3E}">
-        <p14:creationId xmlns:p14="http://schemas.microsoft.com/office/powerpoint/2010/main" val="267408813"/>
+        <p14:creationId xmlns:p14="http://schemas.microsoft.com/office/powerpoint/2010/main" xmlns="" val="267408813"/>
       </p:ext>
     </p:extLst>
   </p:cSld>
   <p:clrMapOvr>
     <a:masterClrMapping/>
   </p:clrMapOvr>
+  <p:timing>
+    <p:tnLst>
+      <p:par>
+        <p:cTn id="1" dur="indefinite" restart="never" nodeType="tmRoot"/>
+      </p:par>
+    </p:tnLst>
+  </p:timing>
+</p:sld>
+</file>
+
+<file path=ppt/slides/slide7.xml><?xml version="1.0" encoding="utf-8"?>
+<p:sld xmlns:a="http://schemas.openxmlformats.org/drawingml/2006/main" xmlns:r="http://schemas.openxmlformats.org/officeDocument/2006/relationships" xmlns:p="http://schemas.openxmlformats.org/presentationml/2006/main">
+  <p:cSld>
+    <p:bg>
+      <p:bgPr>
+        <a:solidFill>
+          <a:srgbClr val="111721"/>
+        </a:solidFill>
+        <a:effectLst/>
+      </p:bgPr>
+    </p:bg>
+    <p:spTree>
+      <p:nvGrpSpPr>
+        <p:cNvPr id="1" name=""/>
+        <p:cNvGrpSpPr/>
+        <p:nvPr/>
+      </p:nvGrpSpPr>
+      <p:grpSpPr>
+        <a:xfrm>
+          <a:off x="0" y="0"/>
+          <a:ext cx="0" cy="0"/>
+          <a:chOff x="0" y="0"/>
+          <a:chExt cx="0" cy="0"/>
+        </a:xfrm>
+      </p:grpSpPr>
+      <p:sp>
+        <p:nvSpPr>
+          <p:cNvPr id="4" name="Cím 1"/>
+          <p:cNvSpPr txBox="1">
+            <a:spLocks/>
+          </p:cNvSpPr>
+          <p:nvPr/>
+        </p:nvSpPr>
+        <p:spPr>
+          <a:xfrm>
+            <a:off x="344904" y="16042"/>
+            <a:ext cx="8508151" cy="1876926"/>
+          </a:xfrm>
+          <a:prstGeom prst="rect">
+            <a:avLst/>
+          </a:prstGeom>
+        </p:spPr>
+        <p:txBody>
+          <a:bodyPr vert="horz" lIns="91440" tIns="45720" rIns="91440" bIns="45720" rtlCol="0" anchor="b">
+            <a:noAutofit/>
+          </a:bodyPr>
+          <a:lstStyle>
+            <a:lvl1pPr algn="ctr" defTabSz="914400" rtl="0" eaLnBrk="1" latinLnBrk="0" hangingPunct="1">
+              <a:lnSpc>
+                <a:spcPct val="90000"/>
+              </a:lnSpc>
+              <a:spcBef>
+                <a:spcPct val="0"/>
+              </a:spcBef>
+              <a:buNone/>
+              <a:defRPr sz="6000" kern="1200">
+                <a:solidFill>
+                  <a:schemeClr val="tx1"/>
+                </a:solidFill>
+                <a:latin typeface="+mj-lt"/>
+                <a:ea typeface="+mj-ea"/>
+                <a:cs typeface="+mj-cs"/>
+              </a:defRPr>
+            </a:lvl1pPr>
+          </a:lstStyle>
+          <a:p>
+            <a:pPr algn="l"/>
+            <a:r>
+              <a:rPr lang="hu-HU" sz="4500" dirty="0" smtClean="0">
+                <a:solidFill>
+                  <a:srgbClr val="FE4755"/>
+                </a:solidFill>
+                <a:latin typeface="Arial Nova" panose="020B0504020202020204" pitchFamily="34" charset="0"/>
+              </a:rPr>
+              <a:t>Dudás Levente része </a:t>
+            </a:r>
+            <a:r>
+              <a:rPr lang="hu-HU" sz="4500" dirty="0">
+                <a:solidFill>
+                  <a:srgbClr val="FE4755"/>
+                </a:solidFill>
+                <a:latin typeface="Arial Nova" panose="020B0504020202020204" pitchFamily="34" charset="0"/>
+              </a:rPr>
+              <a:t>a munkából</a:t>
+            </a:r>
+            <a:r>
+              <a:rPr lang="hu-HU" sz="4500" dirty="0">
+                <a:solidFill>
+                  <a:srgbClr val="FE4755"/>
+                </a:solidFill>
+              </a:rPr>
+              <a:t/>
+            </a:r>
+            <a:br>
+              <a:rPr lang="hu-HU" sz="4500" dirty="0">
+                <a:solidFill>
+                  <a:srgbClr val="FE4755"/>
+                </a:solidFill>
+              </a:rPr>
+            </a:br>
+            <a:endParaRPr lang="hu-HU" sz="4500" dirty="0">
+              <a:solidFill>
+                <a:srgbClr val="FE4755"/>
+              </a:solidFill>
+            </a:endParaRPr>
+          </a:p>
+        </p:txBody>
+      </p:sp>
+      <p:sp>
+        <p:nvSpPr>
+          <p:cNvPr id="9" name="Szövegdoboz 8"/>
+          <p:cNvSpPr txBox="1"/>
+          <p:nvPr/>
+        </p:nvSpPr>
+        <p:spPr>
+          <a:xfrm>
+            <a:off x="530923" y="2504706"/>
+            <a:ext cx="4676277" cy="1892826"/>
+          </a:xfrm>
+          <a:prstGeom prst="rect">
+            <a:avLst/>
+          </a:prstGeom>
+          <a:noFill/>
+        </p:spPr>
+        <p:txBody>
+          <a:bodyPr wrap="square" rtlCol="0">
+            <a:spAutoFit/>
+          </a:bodyPr>
+          <a:lstStyle/>
+          <a:p>
+            <a:pPr>
+              <a:lnSpc>
+                <a:spcPct val="150000"/>
+              </a:lnSpc>
+            </a:pPr>
+            <a:r>
+              <a:rPr lang="hu-HU" sz="2600" dirty="0" smtClean="0">
+                <a:solidFill>
+                  <a:srgbClr val="FE4755"/>
+                </a:solidFill>
+                <a:latin typeface="Arial Nova" panose="020B0504020202020204" pitchFamily="34" charset="0"/>
+              </a:rPr>
+              <a:t>Rólunk oldal megtervezése és </a:t>
+            </a:r>
+          </a:p>
+          <a:p>
+            <a:pPr>
+              <a:lnSpc>
+                <a:spcPct val="150000"/>
+              </a:lnSpc>
+            </a:pPr>
+            <a:r>
+              <a:rPr lang="hu-HU" sz="2600" dirty="0" smtClean="0">
+                <a:solidFill>
+                  <a:srgbClr val="FE4755"/>
+                </a:solidFill>
+                <a:latin typeface="Arial Nova" panose="020B0504020202020204" pitchFamily="34" charset="0"/>
+              </a:rPr>
+              <a:t>megvalósítása</a:t>
+            </a:r>
+          </a:p>
+          <a:p>
+            <a:pPr>
+              <a:lnSpc>
+                <a:spcPct val="150000"/>
+              </a:lnSpc>
+            </a:pPr>
+            <a:endParaRPr lang="hu-HU" sz="2600" dirty="0">
+              <a:solidFill>
+                <a:srgbClr val="FE4755"/>
+              </a:solidFill>
+              <a:latin typeface="Arial Nova" panose="020B0504020202020204" pitchFamily="34" charset="0"/>
+            </a:endParaRPr>
+          </a:p>
+        </p:txBody>
+      </p:sp>
+      <p:sp>
+        <p:nvSpPr>
+          <p:cNvPr id="12" name="Szövegdoboz 11"/>
+          <p:cNvSpPr txBox="1"/>
+          <p:nvPr/>
+        </p:nvSpPr>
+        <p:spPr>
+          <a:xfrm>
+            <a:off x="7839425" y="5203621"/>
+            <a:ext cx="3256207" cy="369332"/>
+          </a:xfrm>
+          <a:prstGeom prst="rect">
+            <a:avLst/>
+          </a:prstGeom>
+          <a:noFill/>
+        </p:spPr>
+        <p:txBody>
+          <a:bodyPr wrap="square" rtlCol="0">
+            <a:spAutoFit/>
+          </a:bodyPr>
+          <a:lstStyle/>
+          <a:p>
+            <a:pPr algn="ctr"/>
+            <a:r>
+              <a:rPr lang="hu-HU" dirty="0" smtClean="0">
+                <a:solidFill>
+                  <a:srgbClr val="FE4755"/>
+                </a:solidFill>
+                <a:latin typeface="Arial Nova" panose="020B0504020202020204" pitchFamily="34" charset="0"/>
+              </a:rPr>
+              <a:t>Kódrészlet a rólunk oldalból</a:t>
+            </a:r>
+          </a:p>
+        </p:txBody>
+      </p:sp>
+      <p:pic>
+        <p:nvPicPr>
+          <p:cNvPr id="6" name="Picture 3"/>
+          <p:cNvPicPr>
+            <a:picLocks noChangeAspect="1" noChangeArrowheads="1"/>
+          </p:cNvPicPr>
+          <p:nvPr/>
+        </p:nvPicPr>
+        <p:blipFill>
+          <a:blip r:embed="rId2"/>
+          <a:srcRect/>
+          <a:stretch>
+            <a:fillRect/>
+          </a:stretch>
+        </p:blipFill>
+        <p:spPr bwMode="auto">
+          <a:xfrm>
+            <a:off x="6959863" y="2502013"/>
+            <a:ext cx="4939200" cy="2620492"/>
+          </a:xfrm>
+          <a:prstGeom prst="rect">
+            <a:avLst/>
+          </a:prstGeom>
+          <a:noFill/>
+          <a:ln w="9525">
+            <a:noFill/>
+            <a:miter lim="800000"/>
+            <a:headEnd/>
+            <a:tailEnd/>
+          </a:ln>
+          <a:effectLst/>
+        </p:spPr>
+      </p:pic>
+    </p:spTree>
+    <p:extLst>
+      <p:ext uri="{BB962C8B-B14F-4D97-AF65-F5344CB8AC3E}">
+        <p14:creationId xmlns:p14="http://schemas.microsoft.com/office/powerpoint/2010/main" xmlns="" val="267408813"/>
+      </p:ext>
+    </p:extLst>
+  </p:cSld>
+  <p:clrMapOvr>
+    <a:masterClrMapping/>
+  </p:clrMapOvr>
+  <p:timing>
+    <p:tnLst>
+      <p:par>
+        <p:cTn id="1" dur="indefinite" restart="never" nodeType="tmRoot"/>
+      </p:par>
+    </p:tnLst>
+  </p:timing>
+</p:sld>
+</file>
+
+<file path=ppt/slides/slide8.xml><?xml version="1.0" encoding="utf-8"?>
+<p:sld xmlns:a="http://schemas.openxmlformats.org/drawingml/2006/main" xmlns:r="http://schemas.openxmlformats.org/officeDocument/2006/relationships" xmlns:p="http://schemas.openxmlformats.org/presentationml/2006/main">
+  <p:cSld>
+    <p:bg>
+      <p:bgPr>
+        <a:solidFill>
+          <a:srgbClr val="111721"/>
+        </a:solidFill>
+        <a:effectLst/>
+      </p:bgPr>
+    </p:bg>
+    <p:spTree>
+      <p:nvGrpSpPr>
+        <p:cNvPr id="1" name=""/>
+        <p:cNvGrpSpPr/>
+        <p:nvPr/>
+      </p:nvGrpSpPr>
+      <p:grpSpPr>
+        <a:xfrm>
+          <a:off x="0" y="0"/>
+          <a:ext cx="0" cy="0"/>
+          <a:chOff x="0" y="0"/>
+          <a:chExt cx="0" cy="0"/>
+        </a:xfrm>
+      </p:grpSpPr>
+      <p:sp>
+        <p:nvSpPr>
+          <p:cNvPr id="4" name="Cím 1"/>
+          <p:cNvSpPr txBox="1">
+            <a:spLocks/>
+          </p:cNvSpPr>
+          <p:nvPr/>
+        </p:nvSpPr>
+        <p:spPr>
+          <a:xfrm>
+            <a:off x="344904" y="16042"/>
+            <a:ext cx="8508151" cy="1876926"/>
+          </a:xfrm>
+          <a:prstGeom prst="rect">
+            <a:avLst/>
+          </a:prstGeom>
+        </p:spPr>
+        <p:txBody>
+          <a:bodyPr vert="horz" lIns="91440" tIns="45720" rIns="91440" bIns="45720" rtlCol="0" anchor="b">
+            <a:noAutofit/>
+          </a:bodyPr>
+          <a:lstStyle>
+            <a:lvl1pPr algn="ctr" defTabSz="914400" rtl="0" eaLnBrk="1" latinLnBrk="0" hangingPunct="1">
+              <a:lnSpc>
+                <a:spcPct val="90000"/>
+              </a:lnSpc>
+              <a:spcBef>
+                <a:spcPct val="0"/>
+              </a:spcBef>
+              <a:buNone/>
+              <a:defRPr sz="6000" kern="1200">
+                <a:solidFill>
+                  <a:schemeClr val="tx1"/>
+                </a:solidFill>
+                <a:latin typeface="+mj-lt"/>
+                <a:ea typeface="+mj-ea"/>
+                <a:cs typeface="+mj-cs"/>
+              </a:defRPr>
+            </a:lvl1pPr>
+          </a:lstStyle>
+          <a:p>
+            <a:pPr algn="l"/>
+            <a:r>
+              <a:rPr lang="hu-HU" sz="4500" dirty="0" smtClean="0">
+                <a:solidFill>
+                  <a:srgbClr val="FE4755"/>
+                </a:solidFill>
+                <a:latin typeface="Arial Nova" panose="020B0504020202020204" pitchFamily="34" charset="0"/>
+              </a:rPr>
+              <a:t>Dudás Levente része </a:t>
+            </a:r>
+            <a:r>
+              <a:rPr lang="hu-HU" sz="4500" dirty="0">
+                <a:solidFill>
+                  <a:srgbClr val="FE4755"/>
+                </a:solidFill>
+                <a:latin typeface="Arial Nova" panose="020B0504020202020204" pitchFamily="34" charset="0"/>
+              </a:rPr>
+              <a:t>a munkából</a:t>
+            </a:r>
+            <a:r>
+              <a:rPr lang="hu-HU" sz="4500" dirty="0">
+                <a:solidFill>
+                  <a:srgbClr val="FE4755"/>
+                </a:solidFill>
+              </a:rPr>
+              <a:t/>
+            </a:r>
+            <a:br>
+              <a:rPr lang="hu-HU" sz="4500" dirty="0">
+                <a:solidFill>
+                  <a:srgbClr val="FE4755"/>
+                </a:solidFill>
+              </a:rPr>
+            </a:br>
+            <a:endParaRPr lang="hu-HU" sz="4500" dirty="0">
+              <a:solidFill>
+                <a:srgbClr val="FE4755"/>
+              </a:solidFill>
+            </a:endParaRPr>
+          </a:p>
+        </p:txBody>
+      </p:sp>
+      <p:sp>
+        <p:nvSpPr>
+          <p:cNvPr id="9" name="Szövegdoboz 8"/>
+          <p:cNvSpPr txBox="1"/>
+          <p:nvPr/>
+        </p:nvSpPr>
+        <p:spPr>
+          <a:xfrm>
+            <a:off x="530923" y="2504706"/>
+            <a:ext cx="4676277" cy="1818703"/>
+          </a:xfrm>
+          <a:prstGeom prst="rect">
+            <a:avLst/>
+          </a:prstGeom>
+          <a:noFill/>
+        </p:spPr>
+        <p:txBody>
+          <a:bodyPr wrap="square" rtlCol="0">
+            <a:spAutoFit/>
+          </a:bodyPr>
+          <a:lstStyle/>
+          <a:p>
+            <a:pPr>
+              <a:lnSpc>
+                <a:spcPct val="150000"/>
+              </a:lnSpc>
+            </a:pPr>
+            <a:r>
+              <a:rPr lang="hu-HU" sz="2600" dirty="0" smtClean="0">
+                <a:solidFill>
+                  <a:srgbClr val="FE4755"/>
+                </a:solidFill>
+                <a:latin typeface="Arial Nova" panose="020B0504020202020204" pitchFamily="34" charset="0"/>
+              </a:rPr>
+              <a:t>Split és Pearl aloldal </a:t>
+            </a:r>
+          </a:p>
+          <a:p>
+            <a:pPr>
+              <a:lnSpc>
+                <a:spcPct val="150000"/>
+              </a:lnSpc>
+            </a:pPr>
+            <a:r>
+              <a:rPr lang="hu-HU" sz="2600" dirty="0" smtClean="0">
+                <a:solidFill>
+                  <a:srgbClr val="FE4755"/>
+                </a:solidFill>
+                <a:latin typeface="Arial Nova" panose="020B0504020202020204" pitchFamily="34" charset="0"/>
+              </a:rPr>
+              <a:t>megvalósítása </a:t>
+            </a:r>
+          </a:p>
+          <a:p>
+            <a:pPr>
+              <a:lnSpc>
+                <a:spcPct val="150000"/>
+              </a:lnSpc>
+            </a:pPr>
+            <a:endParaRPr lang="hu-HU" sz="2600" dirty="0">
+              <a:solidFill>
+                <a:srgbClr val="FE4755"/>
+              </a:solidFill>
+              <a:latin typeface="Arial Nova" panose="020B0504020202020204" pitchFamily="34" charset="0"/>
+            </a:endParaRPr>
+          </a:p>
+        </p:txBody>
+      </p:sp>
+      <p:sp>
+        <p:nvSpPr>
+          <p:cNvPr id="12" name="Szövegdoboz 11"/>
+          <p:cNvSpPr txBox="1"/>
+          <p:nvPr/>
+        </p:nvSpPr>
+        <p:spPr>
+          <a:xfrm>
+            <a:off x="5505658" y="5613055"/>
+            <a:ext cx="3256207" cy="369332"/>
+          </a:xfrm>
+          <a:prstGeom prst="rect">
+            <a:avLst/>
+          </a:prstGeom>
+          <a:noFill/>
+        </p:spPr>
+        <p:txBody>
+          <a:bodyPr wrap="square" rtlCol="0">
+            <a:spAutoFit/>
+          </a:bodyPr>
+          <a:lstStyle/>
+          <a:p>
+            <a:pPr algn="ctr"/>
+            <a:r>
+              <a:rPr lang="hu-HU" dirty="0" smtClean="0">
+                <a:solidFill>
+                  <a:srgbClr val="FE4755"/>
+                </a:solidFill>
+                <a:latin typeface="Arial Nova" panose="020B0504020202020204" pitchFamily="34" charset="0"/>
+              </a:rPr>
+              <a:t>Kódrészlet a  Pearl oldalból</a:t>
+            </a:r>
+          </a:p>
+        </p:txBody>
+      </p:sp>
+      <p:sp>
+        <p:nvSpPr>
+          <p:cNvPr id="7" name="Szövegdoboz 6"/>
+          <p:cNvSpPr txBox="1"/>
+          <p:nvPr/>
+        </p:nvSpPr>
+        <p:spPr>
+          <a:xfrm>
+            <a:off x="9526138" y="4127724"/>
+            <a:ext cx="2404282" cy="646331"/>
+          </a:xfrm>
+          <a:prstGeom prst="rect">
+            <a:avLst/>
+          </a:prstGeom>
+          <a:noFill/>
+        </p:spPr>
+        <p:txBody>
+          <a:bodyPr wrap="square" rtlCol="0">
+            <a:spAutoFit/>
+          </a:bodyPr>
+          <a:lstStyle/>
+          <a:p>
+            <a:r>
+              <a:rPr lang="hu-HU" dirty="0" smtClean="0">
+                <a:solidFill>
+                  <a:srgbClr val="FE4755"/>
+                </a:solidFill>
+                <a:latin typeface="Arial Nova" panose="020B0504020202020204" pitchFamily="34" charset="0"/>
+              </a:rPr>
+              <a:t>Kódrészlet a  </a:t>
+            </a:r>
+            <a:r>
+              <a:rPr lang="hu-HU" dirty="0" smtClean="0">
+                <a:solidFill>
+                  <a:srgbClr val="FE4755"/>
+                </a:solidFill>
+                <a:latin typeface="Arial Nova" panose="020B0504020202020204" pitchFamily="34" charset="0"/>
+              </a:rPr>
+              <a:t>Split oldalból</a:t>
+            </a:r>
+            <a:endParaRPr lang="hu-HU" dirty="0" smtClean="0">
+              <a:solidFill>
+                <a:srgbClr val="FE4755"/>
+              </a:solidFill>
+              <a:latin typeface="Arial Nova" panose="020B0504020202020204" pitchFamily="34" charset="0"/>
+            </a:endParaRPr>
+          </a:p>
+        </p:txBody>
+      </p:sp>
+      <p:pic>
+        <p:nvPicPr>
+          <p:cNvPr id="10" name="Picture 2"/>
+          <p:cNvPicPr>
+            <a:picLocks noChangeAspect="1" noChangeArrowheads="1"/>
+          </p:cNvPicPr>
+          <p:nvPr/>
+        </p:nvPicPr>
+        <p:blipFill>
+          <a:blip r:embed="rId2"/>
+          <a:srcRect/>
+          <a:stretch>
+            <a:fillRect/>
+          </a:stretch>
+        </p:blipFill>
+        <p:spPr bwMode="auto">
+          <a:xfrm>
+            <a:off x="7012362" y="1440308"/>
+            <a:ext cx="4939200" cy="2628978"/>
+          </a:xfrm>
+          <a:prstGeom prst="rect">
+            <a:avLst/>
+          </a:prstGeom>
+          <a:noFill/>
+          <a:ln w="9525">
+            <a:noFill/>
+            <a:miter lim="800000"/>
+            <a:headEnd/>
+            <a:tailEnd/>
+          </a:ln>
+          <a:effectLst/>
+        </p:spPr>
+      </p:pic>
+      <p:pic>
+        <p:nvPicPr>
+          <p:cNvPr id="8" name="Picture 3"/>
+          <p:cNvPicPr>
+            <a:picLocks noChangeAspect="1" noChangeArrowheads="1"/>
+          </p:cNvPicPr>
+          <p:nvPr/>
+        </p:nvPicPr>
+        <p:blipFill>
+          <a:blip r:embed="rId3"/>
+          <a:srcRect/>
+          <a:stretch>
+            <a:fillRect/>
+          </a:stretch>
+        </p:blipFill>
+        <p:spPr bwMode="auto">
+          <a:xfrm>
+            <a:off x="4574119" y="2941669"/>
+            <a:ext cx="4939200" cy="2625362"/>
+          </a:xfrm>
+          <a:prstGeom prst="rect">
+            <a:avLst/>
+          </a:prstGeom>
+          <a:noFill/>
+          <a:ln w="9525">
+            <a:noFill/>
+            <a:miter lim="800000"/>
+            <a:headEnd/>
+            <a:tailEnd/>
+          </a:ln>
+          <a:effectLst/>
+        </p:spPr>
+      </p:pic>
+    </p:spTree>
+    <p:extLst>
+      <p:ext uri="{BB962C8B-B14F-4D97-AF65-F5344CB8AC3E}">
+        <p14:creationId xmlns:p14="http://schemas.microsoft.com/office/powerpoint/2010/main" xmlns="" val="267408813"/>
+      </p:ext>
+    </p:extLst>
+  </p:cSld>
+  <p:clrMapOvr>
+    <a:masterClrMapping/>
+  </p:clrMapOvr>
+  <p:timing>
+    <p:tnLst>
+      <p:par>
+        <p:cTn id="1" dur="indefinite" restart="never" nodeType="tmRoot"/>
+      </p:par>
+    </p:tnLst>
+  </p:timing>
 </p:sld>
 </file>
 
@@ -4309,7 +5011,7 @@
     </a:clrScheme>
     <a:fontScheme name="Office">
       <a:majorFont>
-        <a:latin typeface="Calibri Light" panose="020F0302020204030204"/>
+        <a:latin typeface="Calibri Light"/>
         <a:ea typeface=""/>
         <a:cs typeface=""/>
         <a:font script="Jpan" typeface="游ゴシック Light"/>
@@ -4344,7 +5046,7 @@
         <a:font script="Geor" typeface="Sylfaen"/>
       </a:majorFont>
       <a:minorFont>
-        <a:latin typeface="Calibri" panose="020F0502020204030204"/>
+        <a:latin typeface="Calibri"/>
         <a:ea typeface=""/>
         <a:cs typeface=""/>
         <a:font script="Jpan" typeface="游ゴシック"/>
@@ -4521,7 +5223,7 @@
   <a:extraClrSchemeLst/>
   <a:extLst>
     <a:ext uri="{05A4C25C-085E-4340-85A3-A5531E510DB2}">
-      <thm15:themeFamily xmlns:thm15="http://schemas.microsoft.com/office/thememl/2012/main" name="Office Theme" id="{62F939B6-93AF-4DB8-9C6B-D6C7DFDC589F}" vid="{4A3C46E8-61CC-4603-A589-7422A47A8E4A}"/>
+      <thm15:themeFamily xmlns:thm15="http://schemas.microsoft.com/office/thememl/2012/main" xmlns="" name="Office Theme" id="{62F939B6-93AF-4DB8-9C6B-D6C7DFDC589F}" vid="{4A3C46E8-61CC-4603-A589-7422A47A8E4A}"/>
     </a:ext>
   </a:extLst>
 </a:theme>

--- a/VALORANT útmutató.pptx
+++ b/VALORANT útmutató.pptx
@@ -4,6 +4,9 @@
   <p:sldMasterIdLst>
     <p:sldMasterId id="2147483648" r:id="rId1"/>
   </p:sldMasterIdLst>
+  <p:notesMasterIdLst>
+    <p:notesMasterId r:id="rId12"/>
+  </p:notesMasterIdLst>
   <p:sldIdLst>
     <p:sldId id="256" r:id="rId2"/>
     <p:sldId id="257" r:id="rId3"/>
@@ -13,6 +16,8 @@
     <p:sldId id="259" r:id="rId7"/>
     <p:sldId id="262" r:id="rId8"/>
     <p:sldId id="263" r:id="rId9"/>
+    <p:sldId id="264" r:id="rId10"/>
+    <p:sldId id="265" r:id="rId11"/>
   </p:sldIdLst>
   <p:sldSz cx="12192000" cy="6858000"/>
   <p:notesSz cx="6858000" cy="9144000"/>
@@ -113,10 +118,455 @@
   </p:defaultTextStyle>
   <p:extLst>
     <p:ext uri="{EFAFB233-063F-42B5-8137-9DF3F51BA10A}">
-      <p15:sldGuideLst xmlns:p15="http://schemas.microsoft.com/office/powerpoint/2012/main" xmlns=""/>
+      <p15:sldGuideLst xmlns:p15="http://schemas.microsoft.com/office/powerpoint/2012/main">
+        <p15:guide id="1" orient="horz" pos="2160">
+          <p15:clr>
+            <a:srgbClr val="A4A3A4"/>
+          </p15:clr>
+        </p15:guide>
+        <p15:guide id="2" pos="3840">
+          <p15:clr>
+            <a:srgbClr val="A4A3A4"/>
+          </p15:clr>
+        </p15:guide>
+      </p15:sldGuideLst>
     </p:ext>
   </p:extLst>
 </p:presentation>
+</file>
+
+<file path=ppt/notesMasters/notesMaster1.xml><?xml version="1.0" encoding="utf-8"?>
+<p:notesMaster xmlns:a="http://schemas.openxmlformats.org/drawingml/2006/main" xmlns:r="http://schemas.openxmlformats.org/officeDocument/2006/relationships" xmlns:p="http://schemas.openxmlformats.org/presentationml/2006/main">
+  <p:cSld>
+    <p:bg>
+      <p:bgRef idx="1001">
+        <a:schemeClr val="bg1"/>
+      </p:bgRef>
+    </p:bg>
+    <p:spTree>
+      <p:nvGrpSpPr>
+        <p:cNvPr id="1" name=""/>
+        <p:cNvGrpSpPr/>
+        <p:nvPr/>
+      </p:nvGrpSpPr>
+      <p:grpSpPr>
+        <a:xfrm>
+          <a:off x="0" y="0"/>
+          <a:ext cx="0" cy="0"/>
+          <a:chOff x="0" y="0"/>
+          <a:chExt cx="0" cy="0"/>
+        </a:xfrm>
+      </p:grpSpPr>
+      <p:sp>
+        <p:nvSpPr>
+          <p:cNvPr id="2" name="Header Placeholder 1"/>
+          <p:cNvSpPr>
+            <a:spLocks noGrp="1"/>
+          </p:cNvSpPr>
+          <p:nvPr>
+            <p:ph type="hdr" sz="quarter"/>
+          </p:nvPr>
+        </p:nvSpPr>
+        <p:spPr>
+          <a:xfrm>
+            <a:off x="0" y="0"/>
+            <a:ext cx="2971800" cy="458788"/>
+          </a:xfrm>
+          <a:prstGeom prst="rect">
+            <a:avLst/>
+          </a:prstGeom>
+        </p:spPr>
+        <p:txBody>
+          <a:bodyPr vert="horz" lIns="91440" tIns="45720" rIns="91440" bIns="45720" rtlCol="0"/>
+          <a:lstStyle>
+            <a:lvl1pPr algn="l">
+              <a:defRPr sz="1200"/>
+            </a:lvl1pPr>
+          </a:lstStyle>
+          <a:p>
+            <a:endParaRPr lang="en-GB"/>
+          </a:p>
+        </p:txBody>
+      </p:sp>
+      <p:sp>
+        <p:nvSpPr>
+          <p:cNvPr id="3" name="Date Placeholder 2"/>
+          <p:cNvSpPr>
+            <a:spLocks noGrp="1"/>
+          </p:cNvSpPr>
+          <p:nvPr>
+            <p:ph type="dt" idx="1"/>
+          </p:nvPr>
+        </p:nvSpPr>
+        <p:spPr>
+          <a:xfrm>
+            <a:off x="3884613" y="0"/>
+            <a:ext cx="2971800" cy="458788"/>
+          </a:xfrm>
+          <a:prstGeom prst="rect">
+            <a:avLst/>
+          </a:prstGeom>
+        </p:spPr>
+        <p:txBody>
+          <a:bodyPr vert="horz" lIns="91440" tIns="45720" rIns="91440" bIns="45720" rtlCol="0"/>
+          <a:lstStyle>
+            <a:lvl1pPr algn="r">
+              <a:defRPr sz="1200"/>
+            </a:lvl1pPr>
+          </a:lstStyle>
+          <a:p>
+            <a:fld id="{A79F05C4-D594-4B26-BA7C-8FC5CDD93FDD}" type="datetimeFigureOut">
+              <a:rPr lang="en-GB" smtClean="0"/>
+              <a:t>07/02/2023</a:t>
+            </a:fld>
+            <a:endParaRPr lang="en-GB"/>
+          </a:p>
+        </p:txBody>
+      </p:sp>
+      <p:sp>
+        <p:nvSpPr>
+          <p:cNvPr id="4" name="Slide Image Placeholder 3"/>
+          <p:cNvSpPr>
+            <a:spLocks noGrp="1" noRot="1" noChangeAspect="1"/>
+          </p:cNvSpPr>
+          <p:nvPr>
+            <p:ph type="sldImg" idx="2"/>
+          </p:nvPr>
+        </p:nvSpPr>
+        <p:spPr>
+          <a:xfrm>
+            <a:off x="685800" y="1143000"/>
+            <a:ext cx="5486400" cy="3086100"/>
+          </a:xfrm>
+          <a:prstGeom prst="rect">
+            <a:avLst/>
+          </a:prstGeom>
+          <a:noFill/>
+          <a:ln w="12700">
+            <a:solidFill>
+              <a:prstClr val="black"/>
+            </a:solidFill>
+          </a:ln>
+        </p:spPr>
+        <p:txBody>
+          <a:bodyPr vert="horz" lIns="91440" tIns="45720" rIns="91440" bIns="45720" rtlCol="0" anchor="ctr"/>
+          <a:lstStyle/>
+          <a:p>
+            <a:endParaRPr lang="en-GB"/>
+          </a:p>
+        </p:txBody>
+      </p:sp>
+      <p:sp>
+        <p:nvSpPr>
+          <p:cNvPr id="5" name="Notes Placeholder 4"/>
+          <p:cNvSpPr>
+            <a:spLocks noGrp="1"/>
+          </p:cNvSpPr>
+          <p:nvPr>
+            <p:ph type="body" sz="quarter" idx="3"/>
+          </p:nvPr>
+        </p:nvSpPr>
+        <p:spPr>
+          <a:xfrm>
+            <a:off x="685800" y="4400550"/>
+            <a:ext cx="5486400" cy="3600450"/>
+          </a:xfrm>
+          <a:prstGeom prst="rect">
+            <a:avLst/>
+          </a:prstGeom>
+        </p:spPr>
+        <p:txBody>
+          <a:bodyPr vert="horz" lIns="91440" tIns="45720" rIns="91440" bIns="45720" rtlCol="0"/>
+          <a:lstStyle/>
+          <a:p>
+            <a:pPr lvl="0"/>
+            <a:r>
+              <a:rPr lang="en-US"/>
+              <a:t>Click to edit Master text styles</a:t>
+            </a:r>
+          </a:p>
+          <a:p>
+            <a:pPr lvl="1"/>
+            <a:r>
+              <a:rPr lang="en-US"/>
+              <a:t>Second level</a:t>
+            </a:r>
+          </a:p>
+          <a:p>
+            <a:pPr lvl="2"/>
+            <a:r>
+              <a:rPr lang="en-US"/>
+              <a:t>Third level</a:t>
+            </a:r>
+          </a:p>
+          <a:p>
+            <a:pPr lvl="3"/>
+            <a:r>
+              <a:rPr lang="en-US"/>
+              <a:t>Fourth level</a:t>
+            </a:r>
+          </a:p>
+          <a:p>
+            <a:pPr lvl="4"/>
+            <a:r>
+              <a:rPr lang="en-US"/>
+              <a:t>Fifth level</a:t>
+            </a:r>
+            <a:endParaRPr lang="en-GB"/>
+          </a:p>
+        </p:txBody>
+      </p:sp>
+      <p:sp>
+        <p:nvSpPr>
+          <p:cNvPr id="6" name="Footer Placeholder 5"/>
+          <p:cNvSpPr>
+            <a:spLocks noGrp="1"/>
+          </p:cNvSpPr>
+          <p:nvPr>
+            <p:ph type="ftr" sz="quarter" idx="4"/>
+          </p:nvPr>
+        </p:nvSpPr>
+        <p:spPr>
+          <a:xfrm>
+            <a:off x="0" y="8685213"/>
+            <a:ext cx="2971800" cy="458787"/>
+          </a:xfrm>
+          <a:prstGeom prst="rect">
+            <a:avLst/>
+          </a:prstGeom>
+        </p:spPr>
+        <p:txBody>
+          <a:bodyPr vert="horz" lIns="91440" tIns="45720" rIns="91440" bIns="45720" rtlCol="0" anchor="b"/>
+          <a:lstStyle>
+            <a:lvl1pPr algn="l">
+              <a:defRPr sz="1200"/>
+            </a:lvl1pPr>
+          </a:lstStyle>
+          <a:p>
+            <a:endParaRPr lang="en-GB"/>
+          </a:p>
+        </p:txBody>
+      </p:sp>
+      <p:sp>
+        <p:nvSpPr>
+          <p:cNvPr id="7" name="Slide Number Placeholder 6"/>
+          <p:cNvSpPr>
+            <a:spLocks noGrp="1"/>
+          </p:cNvSpPr>
+          <p:nvPr>
+            <p:ph type="sldNum" sz="quarter" idx="5"/>
+          </p:nvPr>
+        </p:nvSpPr>
+        <p:spPr>
+          <a:xfrm>
+            <a:off x="3884613" y="8685213"/>
+            <a:ext cx="2971800" cy="458787"/>
+          </a:xfrm>
+          <a:prstGeom prst="rect">
+            <a:avLst/>
+          </a:prstGeom>
+        </p:spPr>
+        <p:txBody>
+          <a:bodyPr vert="horz" lIns="91440" tIns="45720" rIns="91440" bIns="45720" rtlCol="0" anchor="b"/>
+          <a:lstStyle>
+            <a:lvl1pPr algn="r">
+              <a:defRPr sz="1200"/>
+            </a:lvl1pPr>
+          </a:lstStyle>
+          <a:p>
+            <a:fld id="{0F46B111-CD7C-4701-9DC7-8A9C952898C3}" type="slidenum">
+              <a:rPr lang="en-GB" smtClean="0"/>
+              <a:t>‹#›</a:t>
+            </a:fld>
+            <a:endParaRPr lang="en-GB"/>
+          </a:p>
+        </p:txBody>
+      </p:sp>
+    </p:spTree>
+    <p:extLst>
+      <p:ext uri="{BB962C8B-B14F-4D97-AF65-F5344CB8AC3E}">
+        <p14:creationId xmlns:p14="http://schemas.microsoft.com/office/powerpoint/2010/main" val="884051969"/>
+      </p:ext>
+    </p:extLst>
+  </p:cSld>
+  <p:clrMap bg1="lt1" tx1="dk1" bg2="lt2" tx2="dk2" accent1="accent1" accent2="accent2" accent3="accent3" accent4="accent4" accent5="accent5" accent6="accent6" hlink="hlink" folHlink="folHlink"/>
+  <p:notesStyle>
+    <a:lvl1pPr marL="0" algn="l" defTabSz="914400" rtl="0" eaLnBrk="1" latinLnBrk="0" hangingPunct="1">
+      <a:defRPr sz="1200" kern="1200">
+        <a:solidFill>
+          <a:schemeClr val="tx1"/>
+        </a:solidFill>
+        <a:latin typeface="+mn-lt"/>
+        <a:ea typeface="+mn-ea"/>
+        <a:cs typeface="+mn-cs"/>
+      </a:defRPr>
+    </a:lvl1pPr>
+    <a:lvl2pPr marL="457200" algn="l" defTabSz="914400" rtl="0" eaLnBrk="1" latinLnBrk="0" hangingPunct="1">
+      <a:defRPr sz="1200" kern="1200">
+        <a:solidFill>
+          <a:schemeClr val="tx1"/>
+        </a:solidFill>
+        <a:latin typeface="+mn-lt"/>
+        <a:ea typeface="+mn-ea"/>
+        <a:cs typeface="+mn-cs"/>
+      </a:defRPr>
+    </a:lvl2pPr>
+    <a:lvl3pPr marL="914400" algn="l" defTabSz="914400" rtl="0" eaLnBrk="1" latinLnBrk="0" hangingPunct="1">
+      <a:defRPr sz="1200" kern="1200">
+        <a:solidFill>
+          <a:schemeClr val="tx1"/>
+        </a:solidFill>
+        <a:latin typeface="+mn-lt"/>
+        <a:ea typeface="+mn-ea"/>
+        <a:cs typeface="+mn-cs"/>
+      </a:defRPr>
+    </a:lvl3pPr>
+    <a:lvl4pPr marL="1371600" algn="l" defTabSz="914400" rtl="0" eaLnBrk="1" latinLnBrk="0" hangingPunct="1">
+      <a:defRPr sz="1200" kern="1200">
+        <a:solidFill>
+          <a:schemeClr val="tx1"/>
+        </a:solidFill>
+        <a:latin typeface="+mn-lt"/>
+        <a:ea typeface="+mn-ea"/>
+        <a:cs typeface="+mn-cs"/>
+      </a:defRPr>
+    </a:lvl4pPr>
+    <a:lvl5pPr marL="1828800" algn="l" defTabSz="914400" rtl="0" eaLnBrk="1" latinLnBrk="0" hangingPunct="1">
+      <a:defRPr sz="1200" kern="1200">
+        <a:solidFill>
+          <a:schemeClr val="tx1"/>
+        </a:solidFill>
+        <a:latin typeface="+mn-lt"/>
+        <a:ea typeface="+mn-ea"/>
+        <a:cs typeface="+mn-cs"/>
+      </a:defRPr>
+    </a:lvl5pPr>
+    <a:lvl6pPr marL="2286000" algn="l" defTabSz="914400" rtl="0" eaLnBrk="1" latinLnBrk="0" hangingPunct="1">
+      <a:defRPr sz="1200" kern="1200">
+        <a:solidFill>
+          <a:schemeClr val="tx1"/>
+        </a:solidFill>
+        <a:latin typeface="+mn-lt"/>
+        <a:ea typeface="+mn-ea"/>
+        <a:cs typeface="+mn-cs"/>
+      </a:defRPr>
+    </a:lvl6pPr>
+    <a:lvl7pPr marL="2743200" algn="l" defTabSz="914400" rtl="0" eaLnBrk="1" latinLnBrk="0" hangingPunct="1">
+      <a:defRPr sz="1200" kern="1200">
+        <a:solidFill>
+          <a:schemeClr val="tx1"/>
+        </a:solidFill>
+        <a:latin typeface="+mn-lt"/>
+        <a:ea typeface="+mn-ea"/>
+        <a:cs typeface="+mn-cs"/>
+      </a:defRPr>
+    </a:lvl7pPr>
+    <a:lvl8pPr marL="3200400" algn="l" defTabSz="914400" rtl="0" eaLnBrk="1" latinLnBrk="0" hangingPunct="1">
+      <a:defRPr sz="1200" kern="1200">
+        <a:solidFill>
+          <a:schemeClr val="tx1"/>
+        </a:solidFill>
+        <a:latin typeface="+mn-lt"/>
+        <a:ea typeface="+mn-ea"/>
+        <a:cs typeface="+mn-cs"/>
+      </a:defRPr>
+    </a:lvl8pPr>
+    <a:lvl9pPr marL="3657600" algn="l" defTabSz="914400" rtl="0" eaLnBrk="1" latinLnBrk="0" hangingPunct="1">
+      <a:defRPr sz="1200" kern="1200">
+        <a:solidFill>
+          <a:schemeClr val="tx1"/>
+        </a:solidFill>
+        <a:latin typeface="+mn-lt"/>
+        <a:ea typeface="+mn-ea"/>
+        <a:cs typeface="+mn-cs"/>
+      </a:defRPr>
+    </a:lvl9pPr>
+  </p:notesStyle>
+</p:notesMaster>
+</file>
+
+<file path=ppt/notesSlides/notesSlide1.xml><?xml version="1.0" encoding="utf-8"?>
+<p:notes xmlns:a="http://schemas.openxmlformats.org/drawingml/2006/main" xmlns:r="http://schemas.openxmlformats.org/officeDocument/2006/relationships" xmlns:p="http://schemas.openxmlformats.org/presentationml/2006/main">
+  <p:cSld>
+    <p:spTree>
+      <p:nvGrpSpPr>
+        <p:cNvPr id="1" name=""/>
+        <p:cNvGrpSpPr/>
+        <p:nvPr/>
+      </p:nvGrpSpPr>
+      <p:grpSpPr>
+        <a:xfrm>
+          <a:off x="0" y="0"/>
+          <a:ext cx="0" cy="0"/>
+          <a:chOff x="0" y="0"/>
+          <a:chExt cx="0" cy="0"/>
+        </a:xfrm>
+      </p:grpSpPr>
+      <p:sp>
+        <p:nvSpPr>
+          <p:cNvPr id="2" name="Slide Image Placeholder 1"/>
+          <p:cNvSpPr>
+            <a:spLocks noGrp="1" noRot="1" noChangeAspect="1"/>
+          </p:cNvSpPr>
+          <p:nvPr>
+            <p:ph type="sldImg"/>
+          </p:nvPr>
+        </p:nvSpPr>
+        <p:spPr/>
+      </p:sp>
+      <p:sp>
+        <p:nvSpPr>
+          <p:cNvPr id="3" name="Notes Placeholder 2"/>
+          <p:cNvSpPr>
+            <a:spLocks noGrp="1"/>
+          </p:cNvSpPr>
+          <p:nvPr>
+            <p:ph type="body" idx="1"/>
+          </p:nvPr>
+        </p:nvSpPr>
+        <p:spPr/>
+        <p:txBody>
+          <a:bodyPr/>
+          <a:lstStyle/>
+          <a:p>
+            <a:endParaRPr lang="en-GB" dirty="0"/>
+          </a:p>
+        </p:txBody>
+      </p:sp>
+      <p:sp>
+        <p:nvSpPr>
+          <p:cNvPr id="4" name="Slide Number Placeholder 3"/>
+          <p:cNvSpPr>
+            <a:spLocks noGrp="1"/>
+          </p:cNvSpPr>
+          <p:nvPr>
+            <p:ph type="sldNum" sz="quarter" idx="5"/>
+          </p:nvPr>
+        </p:nvSpPr>
+        <p:spPr/>
+        <p:txBody>
+          <a:bodyPr/>
+          <a:lstStyle/>
+          <a:p>
+            <a:fld id="{0F46B111-CD7C-4701-9DC7-8A9C952898C3}" type="slidenum">
+              <a:rPr lang="en-GB" smtClean="0"/>
+              <a:t>10</a:t>
+            </a:fld>
+            <a:endParaRPr lang="en-GB"/>
+          </a:p>
+        </p:txBody>
+      </p:sp>
+    </p:spTree>
+    <p:extLst>
+      <p:ext uri="{BB962C8B-B14F-4D97-AF65-F5344CB8AC3E}">
+        <p14:creationId xmlns:p14="http://schemas.microsoft.com/office/powerpoint/2010/main" val="807385171"/>
+      </p:ext>
+    </p:extLst>
+  </p:cSld>
+  <p:clrMapOvr>
+    <a:masterClrMapping/>
+  </p:clrMapOvr>
+</p:notes>
 </file>
 
 <file path=ppt/slideLayouts/slideLayout1.xml><?xml version="1.0" encoding="utf-8"?>
@@ -301,7 +751,7 @@
     </p:spTree>
     <p:extLst>
       <p:ext uri="{BB962C8B-B14F-4D97-AF65-F5344CB8AC3E}">
-        <p14:creationId xmlns:p14="http://schemas.microsoft.com/office/powerpoint/2010/main" xmlns="" val="3532259792"/>
+        <p14:creationId xmlns:p14="http://schemas.microsoft.com/office/powerpoint/2010/main" val="3532259792"/>
       </p:ext>
     </p:extLst>
   </p:cSld>
@@ -471,7 +921,7 @@
     </p:spTree>
     <p:extLst>
       <p:ext uri="{BB962C8B-B14F-4D97-AF65-F5344CB8AC3E}">
-        <p14:creationId xmlns:p14="http://schemas.microsoft.com/office/powerpoint/2010/main" xmlns="" val="3518571067"/>
+        <p14:creationId xmlns:p14="http://schemas.microsoft.com/office/powerpoint/2010/main" val="3518571067"/>
       </p:ext>
     </p:extLst>
   </p:cSld>
@@ -651,7 +1101,7 @@
     </p:spTree>
     <p:extLst>
       <p:ext uri="{BB962C8B-B14F-4D97-AF65-F5344CB8AC3E}">
-        <p14:creationId xmlns:p14="http://schemas.microsoft.com/office/powerpoint/2010/main" xmlns="" val="3892629429"/>
+        <p14:creationId xmlns:p14="http://schemas.microsoft.com/office/powerpoint/2010/main" val="3892629429"/>
       </p:ext>
     </p:extLst>
   </p:cSld>
@@ -821,7 +1271,7 @@
     </p:spTree>
     <p:extLst>
       <p:ext uri="{BB962C8B-B14F-4D97-AF65-F5344CB8AC3E}">
-        <p14:creationId xmlns:p14="http://schemas.microsoft.com/office/powerpoint/2010/main" xmlns="" val="682754086"/>
+        <p14:creationId xmlns:p14="http://schemas.microsoft.com/office/powerpoint/2010/main" val="682754086"/>
       </p:ext>
     </p:extLst>
   </p:cSld>
@@ -1068,7 +1518,7 @@
     </p:spTree>
     <p:extLst>
       <p:ext uri="{BB962C8B-B14F-4D97-AF65-F5344CB8AC3E}">
-        <p14:creationId xmlns:p14="http://schemas.microsoft.com/office/powerpoint/2010/main" xmlns="" val="703349586"/>
+        <p14:creationId xmlns:p14="http://schemas.microsoft.com/office/powerpoint/2010/main" val="703349586"/>
       </p:ext>
     </p:extLst>
   </p:cSld>
@@ -1299,7 +1749,7 @@
     </p:spTree>
     <p:extLst>
       <p:ext uri="{BB962C8B-B14F-4D97-AF65-F5344CB8AC3E}">
-        <p14:creationId xmlns:p14="http://schemas.microsoft.com/office/powerpoint/2010/main" xmlns="" val="2727606876"/>
+        <p14:creationId xmlns:p14="http://schemas.microsoft.com/office/powerpoint/2010/main" val="2727606876"/>
       </p:ext>
     </p:extLst>
   </p:cSld>
@@ -1665,7 +2115,7 @@
     </p:spTree>
     <p:extLst>
       <p:ext uri="{BB962C8B-B14F-4D97-AF65-F5344CB8AC3E}">
-        <p14:creationId xmlns:p14="http://schemas.microsoft.com/office/powerpoint/2010/main" xmlns="" val="3189436810"/>
+        <p14:creationId xmlns:p14="http://schemas.microsoft.com/office/powerpoint/2010/main" val="3189436810"/>
       </p:ext>
     </p:extLst>
   </p:cSld>
@@ -1784,7 +2234,7 @@
     </p:spTree>
     <p:extLst>
       <p:ext uri="{BB962C8B-B14F-4D97-AF65-F5344CB8AC3E}">
-        <p14:creationId xmlns:p14="http://schemas.microsoft.com/office/powerpoint/2010/main" xmlns="" val="1401297087"/>
+        <p14:creationId xmlns:p14="http://schemas.microsoft.com/office/powerpoint/2010/main" val="1401297087"/>
       </p:ext>
     </p:extLst>
   </p:cSld>
@@ -1881,7 +2331,7 @@
     </p:spTree>
     <p:extLst>
       <p:ext uri="{BB962C8B-B14F-4D97-AF65-F5344CB8AC3E}">
-        <p14:creationId xmlns:p14="http://schemas.microsoft.com/office/powerpoint/2010/main" xmlns="" val="791405128"/>
+        <p14:creationId xmlns:p14="http://schemas.microsoft.com/office/powerpoint/2010/main" val="791405128"/>
       </p:ext>
     </p:extLst>
   </p:cSld>
@@ -2158,7 +2608,7 @@
     </p:spTree>
     <p:extLst>
       <p:ext uri="{BB962C8B-B14F-4D97-AF65-F5344CB8AC3E}">
-        <p14:creationId xmlns:p14="http://schemas.microsoft.com/office/powerpoint/2010/main" xmlns="" val="2039442723"/>
+        <p14:creationId xmlns:p14="http://schemas.microsoft.com/office/powerpoint/2010/main" val="2039442723"/>
       </p:ext>
     </p:extLst>
   </p:cSld>
@@ -2412,7 +2862,7 @@
     </p:spTree>
     <p:extLst>
       <p:ext uri="{BB962C8B-B14F-4D97-AF65-F5344CB8AC3E}">
-        <p14:creationId xmlns:p14="http://schemas.microsoft.com/office/powerpoint/2010/main" xmlns="" val="1513004198"/>
+        <p14:creationId xmlns:p14="http://schemas.microsoft.com/office/powerpoint/2010/main" val="1513004198"/>
       </p:ext>
     </p:extLst>
   </p:cSld>
@@ -2661,7 +3111,7 @@
     </p:spTree>
     <p:extLst>
       <p:ext uri="{BB962C8B-B14F-4D97-AF65-F5344CB8AC3E}">
-        <p14:creationId xmlns:p14="http://schemas.microsoft.com/office/powerpoint/2010/main" xmlns="" val="3934419866"/>
+        <p14:creationId xmlns:p14="http://schemas.microsoft.com/office/powerpoint/2010/main" val="3934419866"/>
       </p:ext>
     </p:extLst>
   </p:cSld>
@@ -3074,20 +3524,250 @@
     </p:spTree>
     <p:extLst>
       <p:ext uri="{BB962C8B-B14F-4D97-AF65-F5344CB8AC3E}">
-        <p14:creationId xmlns:p14="http://schemas.microsoft.com/office/powerpoint/2010/main" xmlns="" val="2542056938"/>
+        <p14:creationId xmlns:p14="http://schemas.microsoft.com/office/powerpoint/2010/main" val="2542056938"/>
       </p:ext>
     </p:extLst>
   </p:cSld>
   <p:clrMapOvr>
     <a:masterClrMapping/>
   </p:clrMapOvr>
-  <p:timing>
-    <p:tnLst>
-      <p:par>
-        <p:cTn id="1" dur="indefinite" restart="never" nodeType="tmRoot"/>
-      </p:par>
-    </p:tnLst>
-  </p:timing>
+</p:sld>
+</file>
+
+<file path=ppt/slides/slide10.xml><?xml version="1.0" encoding="utf-8"?>
+<p:sld xmlns:a="http://schemas.openxmlformats.org/drawingml/2006/main" xmlns:r="http://schemas.openxmlformats.org/officeDocument/2006/relationships" xmlns:p="http://schemas.openxmlformats.org/presentationml/2006/main">
+  <p:cSld>
+    <p:bg>
+      <p:bgPr>
+        <a:solidFill>
+          <a:srgbClr val="111721"/>
+        </a:solidFill>
+        <a:effectLst/>
+      </p:bgPr>
+    </p:bg>
+    <p:spTree>
+      <p:nvGrpSpPr>
+        <p:cNvPr id="1" name=""/>
+        <p:cNvGrpSpPr/>
+        <p:nvPr/>
+      </p:nvGrpSpPr>
+      <p:grpSpPr>
+        <a:xfrm>
+          <a:off x="0" y="0"/>
+          <a:ext cx="0" cy="0"/>
+          <a:chOff x="0" y="0"/>
+          <a:chExt cx="0" cy="0"/>
+        </a:xfrm>
+      </p:grpSpPr>
+      <p:sp>
+        <p:nvSpPr>
+          <p:cNvPr id="4" name="Cím 1"/>
+          <p:cNvSpPr txBox="1">
+            <a:spLocks/>
+          </p:cNvSpPr>
+          <p:nvPr/>
+        </p:nvSpPr>
+        <p:spPr>
+          <a:xfrm>
+            <a:off x="344904" y="16042"/>
+            <a:ext cx="8508151" cy="1876926"/>
+          </a:xfrm>
+          <a:prstGeom prst="rect">
+            <a:avLst/>
+          </a:prstGeom>
+        </p:spPr>
+        <p:txBody>
+          <a:bodyPr vert="horz" lIns="91440" tIns="45720" rIns="91440" bIns="45720" rtlCol="0" anchor="b">
+            <a:noAutofit/>
+          </a:bodyPr>
+          <a:lstStyle>
+            <a:lvl1pPr algn="ctr" defTabSz="914400" rtl="0" eaLnBrk="1" latinLnBrk="0" hangingPunct="1">
+              <a:lnSpc>
+                <a:spcPct val="90000"/>
+              </a:lnSpc>
+              <a:spcBef>
+                <a:spcPct val="0"/>
+              </a:spcBef>
+              <a:buNone/>
+              <a:defRPr sz="6000" kern="1200">
+                <a:solidFill>
+                  <a:schemeClr val="tx1"/>
+                </a:solidFill>
+                <a:latin typeface="+mj-lt"/>
+                <a:ea typeface="+mj-ea"/>
+                <a:cs typeface="+mj-cs"/>
+              </a:defRPr>
+            </a:lvl1pPr>
+          </a:lstStyle>
+          <a:p>
+            <a:pPr algn="l"/>
+            <a:r>
+              <a:rPr lang="hu-HU" sz="4500" dirty="0">
+                <a:solidFill>
+                  <a:srgbClr val="FE4755"/>
+                </a:solidFill>
+                <a:latin typeface="Arial Nova" panose="020B0504020202020204" pitchFamily="34" charset="0"/>
+              </a:rPr>
+              <a:t>Tarr Gábor része a munkából</a:t>
+            </a:r>
+            <a:br>
+              <a:rPr lang="hu-HU" sz="4500" dirty="0">
+                <a:solidFill>
+                  <a:srgbClr val="FE4755"/>
+                </a:solidFill>
+              </a:rPr>
+            </a:br>
+            <a:endParaRPr lang="hu-HU" sz="4500" dirty="0">
+              <a:solidFill>
+                <a:srgbClr val="FE4755"/>
+              </a:solidFill>
+            </a:endParaRPr>
+          </a:p>
+        </p:txBody>
+      </p:sp>
+      <p:sp>
+        <p:nvSpPr>
+          <p:cNvPr id="9" name="Szövegdoboz 8"/>
+          <p:cNvSpPr txBox="1"/>
+          <p:nvPr/>
+        </p:nvSpPr>
+        <p:spPr>
+          <a:xfrm>
+            <a:off x="530923" y="2504706"/>
+            <a:ext cx="4676277" cy="1818703"/>
+          </a:xfrm>
+          <a:prstGeom prst="rect">
+            <a:avLst/>
+          </a:prstGeom>
+          <a:noFill/>
+        </p:spPr>
+        <p:txBody>
+          <a:bodyPr wrap="square" rtlCol="0">
+            <a:spAutoFit/>
+          </a:bodyPr>
+          <a:lstStyle/>
+          <a:p>
+            <a:pPr>
+              <a:lnSpc>
+                <a:spcPct val="150000"/>
+              </a:lnSpc>
+            </a:pPr>
+            <a:r>
+              <a:rPr lang="hu-HU" sz="2600" dirty="0">
+                <a:solidFill>
+                  <a:srgbClr val="FE4755"/>
+                </a:solidFill>
+                <a:latin typeface="Arial Nova" panose="020B0504020202020204" pitchFamily="34" charset="0"/>
+              </a:rPr>
+              <a:t>Fracture aloldal </a:t>
+            </a:r>
+          </a:p>
+          <a:p>
+            <a:pPr>
+              <a:lnSpc>
+                <a:spcPct val="150000"/>
+              </a:lnSpc>
+            </a:pPr>
+            <a:r>
+              <a:rPr lang="hu-HU" sz="2600" dirty="0">
+                <a:solidFill>
+                  <a:srgbClr val="FE4755"/>
+                </a:solidFill>
+                <a:latin typeface="Arial Nova" panose="020B0504020202020204" pitchFamily="34" charset="0"/>
+              </a:rPr>
+              <a:t>megvalósítása </a:t>
+            </a:r>
+          </a:p>
+          <a:p>
+            <a:pPr>
+              <a:lnSpc>
+                <a:spcPct val="150000"/>
+              </a:lnSpc>
+            </a:pPr>
+            <a:endParaRPr lang="hu-HU" sz="2600" dirty="0">
+              <a:solidFill>
+                <a:srgbClr val="FE4755"/>
+              </a:solidFill>
+              <a:latin typeface="Arial Nova" panose="020B0504020202020204" pitchFamily="34" charset="0"/>
+            </a:endParaRPr>
+          </a:p>
+        </p:txBody>
+      </p:sp>
+      <p:sp>
+        <p:nvSpPr>
+          <p:cNvPr id="12" name="Szövegdoboz 11"/>
+          <p:cNvSpPr txBox="1"/>
+          <p:nvPr/>
+        </p:nvSpPr>
+        <p:spPr>
+          <a:xfrm>
+            <a:off x="6922629" y="5305928"/>
+            <a:ext cx="3256207" cy="369332"/>
+          </a:xfrm>
+          <a:prstGeom prst="rect">
+            <a:avLst/>
+          </a:prstGeom>
+          <a:noFill/>
+        </p:spPr>
+        <p:txBody>
+          <a:bodyPr wrap="square" rtlCol="0">
+            <a:spAutoFit/>
+          </a:bodyPr>
+          <a:lstStyle/>
+          <a:p>
+            <a:pPr algn="ctr"/>
+            <a:r>
+              <a:rPr lang="hu-HU" dirty="0">
+                <a:solidFill>
+                  <a:srgbClr val="FE4755"/>
+                </a:solidFill>
+                <a:latin typeface="Arial Nova" panose="020B0504020202020204" pitchFamily="34" charset="0"/>
+              </a:rPr>
+              <a:t>Kódrészlet a Fracture oldalból</a:t>
+            </a:r>
+          </a:p>
+        </p:txBody>
+      </p:sp>
+      <p:pic>
+        <p:nvPicPr>
+          <p:cNvPr id="3" name="Picture 2">
+            <a:extLst>
+              <a:ext uri="{FF2B5EF4-FFF2-40B4-BE49-F238E27FC236}">
+                <a16:creationId xmlns:a16="http://schemas.microsoft.com/office/drawing/2014/main" id="{1E0D10E5-10E5-6B92-2FF4-BFDE8AC29516}"/>
+              </a:ext>
+            </a:extLst>
+          </p:cNvPr>
+          <p:cNvPicPr>
+            <a:picLocks noChangeAspect="1"/>
+          </p:cNvPicPr>
+          <p:nvPr/>
+        </p:nvPicPr>
+        <p:blipFill>
+          <a:blip r:embed="rId3"/>
+          <a:stretch>
+            <a:fillRect/>
+          </a:stretch>
+        </p:blipFill>
+        <p:spPr>
+          <a:xfrm>
+            <a:off x="5004769" y="2257416"/>
+            <a:ext cx="6873124" cy="3048512"/>
+          </a:xfrm>
+          <a:prstGeom prst="rect">
+            <a:avLst/>
+          </a:prstGeom>
+        </p:spPr>
+      </p:pic>
+    </p:spTree>
+    <p:extLst>
+      <p:ext uri="{BB962C8B-B14F-4D97-AF65-F5344CB8AC3E}">
+        <p14:creationId xmlns:p14="http://schemas.microsoft.com/office/powerpoint/2010/main" val="2993081336"/>
+      </p:ext>
+    </p:extLst>
+  </p:cSld>
+  <p:clrMapOvr>
+    <a:masterClrMapping/>
+  </p:clrMapOvr>
 </p:sld>
 </file>
 
@@ -3193,7 +3873,7 @@
           <p:cNvPr id="3" name="Kép 2">
             <a:extLst>
               <a:ext uri="{FF2B5EF4-FFF2-40B4-BE49-F238E27FC236}">
-                <a16:creationId xmlns:a16="http://schemas.microsoft.com/office/drawing/2014/main" xmlns="" id="{66A8F39C-C7E6-B32F-11C3-EF0B84BE03B2}"/>
+                <a16:creationId xmlns:a16="http://schemas.microsoft.com/office/drawing/2014/main" id="{66A8F39C-C7E6-B32F-11C3-EF0B84BE03B2}"/>
               </a:ext>
             </a:extLst>
           </p:cNvPr>
@@ -3223,7 +3903,7 @@
           <p:cNvPr id="13" name="Szövegdoboz 12">
             <a:extLst>
               <a:ext uri="{FF2B5EF4-FFF2-40B4-BE49-F238E27FC236}">
-                <a16:creationId xmlns:a16="http://schemas.microsoft.com/office/drawing/2014/main" xmlns="" id="{D7861877-B098-ED1E-1DEE-EF077BBA9F30}"/>
+                <a16:creationId xmlns:a16="http://schemas.microsoft.com/office/drawing/2014/main" id="{D7861877-B098-ED1E-1DEE-EF077BBA9F30}"/>
               </a:ext>
             </a:extLst>
           </p:cNvPr>
@@ -3264,7 +3944,7 @@
           <p:cNvPr id="15" name="Szövegdoboz 14">
             <a:extLst>
               <a:ext uri="{FF2B5EF4-FFF2-40B4-BE49-F238E27FC236}">
-                <a16:creationId xmlns:a16="http://schemas.microsoft.com/office/drawing/2014/main" xmlns="" id="{DC903C29-0836-ADC2-EDF9-D21C7664D7AC}"/>
+                <a16:creationId xmlns:a16="http://schemas.microsoft.com/office/drawing/2014/main" id="{DC903C29-0836-ADC2-EDF9-D21C7664D7AC}"/>
               </a:ext>
             </a:extLst>
           </p:cNvPr>
@@ -3339,20 +4019,13 @@
     </p:spTree>
     <p:extLst>
       <p:ext uri="{BB962C8B-B14F-4D97-AF65-F5344CB8AC3E}">
-        <p14:creationId xmlns:p14="http://schemas.microsoft.com/office/powerpoint/2010/main" xmlns="" val="3601529846"/>
+        <p14:creationId xmlns:p14="http://schemas.microsoft.com/office/powerpoint/2010/main" val="3601529846"/>
       </p:ext>
     </p:extLst>
   </p:cSld>
   <p:clrMapOvr>
     <a:masterClrMapping/>
   </p:clrMapOvr>
-  <p:timing>
-    <p:tnLst>
-      <p:par>
-        <p:cTn id="1" dur="indefinite" restart="never" nodeType="tmRoot"/>
-      </p:par>
-    </p:tnLst>
-  </p:timing>
 </p:sld>
 </file>
 
@@ -3440,7 +4113,7 @@
           <p:cNvPr id="13" name="Szövegdoboz 12">
             <a:extLst>
               <a:ext uri="{FF2B5EF4-FFF2-40B4-BE49-F238E27FC236}">
-                <a16:creationId xmlns:a16="http://schemas.microsoft.com/office/drawing/2014/main" xmlns="" id="{D7861877-B098-ED1E-1DEE-EF077BBA9F30}"/>
+                <a16:creationId xmlns:a16="http://schemas.microsoft.com/office/drawing/2014/main" id="{D7861877-B098-ED1E-1DEE-EF077BBA9F30}"/>
               </a:ext>
             </a:extLst>
           </p:cNvPr>
@@ -3481,7 +4154,7 @@
           <p:cNvPr id="15" name="Szövegdoboz 14">
             <a:extLst>
               <a:ext uri="{FF2B5EF4-FFF2-40B4-BE49-F238E27FC236}">
-                <a16:creationId xmlns:a16="http://schemas.microsoft.com/office/drawing/2014/main" xmlns="" id="{DC903C29-0836-ADC2-EDF9-D21C7664D7AC}"/>
+                <a16:creationId xmlns:a16="http://schemas.microsoft.com/office/drawing/2014/main" id="{DC903C29-0836-ADC2-EDF9-D21C7664D7AC}"/>
               </a:ext>
             </a:extLst>
           </p:cNvPr>
@@ -3565,7 +4238,7 @@
           <p:cNvPr id="5" name="Kép 4">
             <a:extLst>
               <a:ext uri="{FF2B5EF4-FFF2-40B4-BE49-F238E27FC236}">
-                <a16:creationId xmlns:a16="http://schemas.microsoft.com/office/drawing/2014/main" xmlns="" id="{21DC31AA-2254-ADC7-A497-1BF1B9C2C805}"/>
+                <a16:creationId xmlns:a16="http://schemas.microsoft.com/office/drawing/2014/main" id="{21DC31AA-2254-ADC7-A497-1BF1B9C2C805}"/>
               </a:ext>
             </a:extLst>
           </p:cNvPr>
@@ -3593,20 +4266,13 @@
     </p:spTree>
     <p:extLst>
       <p:ext uri="{BB962C8B-B14F-4D97-AF65-F5344CB8AC3E}">
-        <p14:creationId xmlns:p14="http://schemas.microsoft.com/office/powerpoint/2010/main" xmlns="" val="2006050113"/>
+        <p14:creationId xmlns:p14="http://schemas.microsoft.com/office/powerpoint/2010/main" val="2006050113"/>
       </p:ext>
     </p:extLst>
   </p:cSld>
   <p:clrMapOvr>
     <a:masterClrMapping/>
   </p:clrMapOvr>
-  <p:timing>
-    <p:tnLst>
-      <p:par>
-        <p:cTn id="1" dur="indefinite" restart="never" nodeType="tmRoot"/>
-      </p:par>
-    </p:tnLst>
-  </p:timing>
 </p:sld>
 </file>
 
@@ -3686,14 +4352,6 @@
               </a:rPr>
               <a:t>Csanádi Kevin része a munkából</a:t>
             </a:r>
-            <a:r>
-              <a:rPr lang="hu-HU" sz="4500" dirty="0">
-                <a:solidFill>
-                  <a:srgbClr val="FE4755"/>
-                </a:solidFill>
-              </a:rPr>
-              <a:t/>
-            </a:r>
             <a:br>
               <a:rPr lang="hu-HU" sz="4500" dirty="0">
                 <a:solidFill>
@@ -3841,20 +4499,13 @@
     </p:spTree>
     <p:extLst>
       <p:ext uri="{BB962C8B-B14F-4D97-AF65-F5344CB8AC3E}">
-        <p14:creationId xmlns:p14="http://schemas.microsoft.com/office/powerpoint/2010/main" xmlns="" val="17244451"/>
+        <p14:creationId xmlns:p14="http://schemas.microsoft.com/office/powerpoint/2010/main" val="17244451"/>
       </p:ext>
     </p:extLst>
   </p:cSld>
   <p:clrMapOvr>
     <a:masterClrMapping/>
   </p:clrMapOvr>
-  <p:timing>
-    <p:tnLst>
-      <p:par>
-        <p:cTn id="1" dur="indefinite" restart="never" nodeType="tmRoot"/>
-      </p:par>
-    </p:tnLst>
-  </p:timing>
 </p:sld>
 </file>
 
@@ -3934,14 +4585,6 @@
               </a:rPr>
               <a:t>Csanádi Kevin része a munkából</a:t>
             </a:r>
-            <a:r>
-              <a:rPr lang="hu-HU" sz="4500" dirty="0">
-                <a:solidFill>
-                  <a:srgbClr val="FE4755"/>
-                </a:solidFill>
-              </a:rPr>
-              <a:t/>
-            </a:r>
             <a:br>
               <a:rPr lang="hu-HU" sz="4500" dirty="0">
                 <a:solidFill>
@@ -4090,20 +4733,13 @@
     </p:spTree>
     <p:extLst>
       <p:ext uri="{BB962C8B-B14F-4D97-AF65-F5344CB8AC3E}">
-        <p14:creationId xmlns:p14="http://schemas.microsoft.com/office/powerpoint/2010/main" xmlns="" val="2791304380"/>
+        <p14:creationId xmlns:p14="http://schemas.microsoft.com/office/powerpoint/2010/main" val="2791304380"/>
       </p:ext>
     </p:extLst>
   </p:cSld>
   <p:clrMapOvr>
     <a:masterClrMapping/>
   </p:clrMapOvr>
-  <p:timing>
-    <p:tnLst>
-      <p:par>
-        <p:cTn id="1" dur="indefinite" restart="never" nodeType="tmRoot"/>
-      </p:par>
-    </p:tnLst>
-  </p:timing>
 </p:sld>
 </file>
 
@@ -4183,14 +4819,6 @@
               </a:rPr>
               <a:t>Csanádi Kevin része a munkából</a:t>
             </a:r>
-            <a:r>
-              <a:rPr lang="hu-HU" sz="4500" dirty="0">
-                <a:solidFill>
-                  <a:srgbClr val="FE4755"/>
-                </a:solidFill>
-              </a:rPr>
-              <a:t/>
-            </a:r>
             <a:br>
               <a:rPr lang="hu-HU" sz="4500" dirty="0">
                 <a:solidFill>
@@ -4341,20 +4969,13 @@
     </p:spTree>
     <p:extLst>
       <p:ext uri="{BB962C8B-B14F-4D97-AF65-F5344CB8AC3E}">
-        <p14:creationId xmlns:p14="http://schemas.microsoft.com/office/powerpoint/2010/main" xmlns="" val="267408813"/>
+        <p14:creationId xmlns:p14="http://schemas.microsoft.com/office/powerpoint/2010/main" val="267408813"/>
       </p:ext>
     </p:extLst>
   </p:cSld>
   <p:clrMapOvr>
     <a:masterClrMapping/>
   </p:clrMapOvr>
-  <p:timing>
-    <p:tnLst>
-      <p:par>
-        <p:cTn id="1" dur="indefinite" restart="never" nodeType="tmRoot"/>
-      </p:par>
-    </p:tnLst>
-  </p:timing>
 </p:sld>
 </file>
 
@@ -4426,30 +5047,13 @@
           <a:p>
             <a:pPr algn="l"/>
             <a:r>
-              <a:rPr lang="hu-HU" sz="4500" dirty="0" smtClean="0">
+              <a:rPr lang="hu-HU" sz="4500" dirty="0">
                 <a:solidFill>
                   <a:srgbClr val="FE4755"/>
                 </a:solidFill>
                 <a:latin typeface="Arial Nova" panose="020B0504020202020204" pitchFamily="34" charset="0"/>
               </a:rPr>
-              <a:t>Dudás Levente része </a:t>
-            </a:r>
-            <a:r>
-              <a:rPr lang="hu-HU" sz="4500" dirty="0">
-                <a:solidFill>
-                  <a:srgbClr val="FE4755"/>
-                </a:solidFill>
-                <a:latin typeface="Arial Nova" panose="020B0504020202020204" pitchFamily="34" charset="0"/>
-              </a:rPr>
-              <a:t>a munkából</a:t>
-            </a:r>
-            <a:r>
-              <a:rPr lang="hu-HU" sz="4500" dirty="0">
-                <a:solidFill>
-                  <a:srgbClr val="FE4755"/>
-                </a:solidFill>
-              </a:rPr>
-              <a:t/>
+              <a:t>Dudás Levente része a munkából</a:t>
             </a:r>
             <a:br>
               <a:rPr lang="hu-HU" sz="4500" dirty="0">
@@ -4494,7 +5098,7 @@
               </a:lnSpc>
             </a:pPr>
             <a:r>
-              <a:rPr lang="hu-HU" sz="2600" dirty="0" smtClean="0">
+              <a:rPr lang="hu-HU" sz="2600" dirty="0">
                 <a:solidFill>
                   <a:srgbClr val="FE4755"/>
                 </a:solidFill>
@@ -4510,7 +5114,7 @@
               </a:lnSpc>
             </a:pPr>
             <a:r>
-              <a:rPr lang="hu-HU" sz="2600" dirty="0" smtClean="0">
+              <a:rPr lang="hu-HU" sz="2600" dirty="0">
                 <a:solidFill>
                   <a:srgbClr val="FE4755"/>
                 </a:solidFill>
@@ -4558,7 +5162,7 @@
           <a:p>
             <a:pPr algn="ctr"/>
             <a:r>
-              <a:rPr lang="hu-HU" dirty="0" smtClean="0">
+              <a:rPr lang="hu-HU" dirty="0">
                 <a:solidFill>
                   <a:srgbClr val="FE4755"/>
                 </a:solidFill>
@@ -4605,20 +5209,13 @@
     </p:spTree>
     <p:extLst>
       <p:ext uri="{BB962C8B-B14F-4D97-AF65-F5344CB8AC3E}">
-        <p14:creationId xmlns:p14="http://schemas.microsoft.com/office/powerpoint/2010/main" xmlns="" val="267408813"/>
+        <p14:creationId xmlns:p14="http://schemas.microsoft.com/office/powerpoint/2010/main" val="267408813"/>
       </p:ext>
     </p:extLst>
   </p:cSld>
   <p:clrMapOvr>
     <a:masterClrMapping/>
   </p:clrMapOvr>
-  <p:timing>
-    <p:tnLst>
-      <p:par>
-        <p:cTn id="1" dur="indefinite" restart="never" nodeType="tmRoot"/>
-      </p:par>
-    </p:tnLst>
-  </p:timing>
 </p:sld>
 </file>
 
@@ -4690,30 +5287,13 @@
           <a:p>
             <a:pPr algn="l"/>
             <a:r>
-              <a:rPr lang="hu-HU" sz="4500" dirty="0" smtClean="0">
+              <a:rPr lang="hu-HU" sz="4500" dirty="0">
                 <a:solidFill>
                   <a:srgbClr val="FE4755"/>
                 </a:solidFill>
                 <a:latin typeface="Arial Nova" panose="020B0504020202020204" pitchFamily="34" charset="0"/>
               </a:rPr>
-              <a:t>Dudás Levente része </a:t>
-            </a:r>
-            <a:r>
-              <a:rPr lang="hu-HU" sz="4500" dirty="0">
-                <a:solidFill>
-                  <a:srgbClr val="FE4755"/>
-                </a:solidFill>
-                <a:latin typeface="Arial Nova" panose="020B0504020202020204" pitchFamily="34" charset="0"/>
-              </a:rPr>
-              <a:t>a munkából</a:t>
-            </a:r>
-            <a:r>
-              <a:rPr lang="hu-HU" sz="4500" dirty="0">
-                <a:solidFill>
-                  <a:srgbClr val="FE4755"/>
-                </a:solidFill>
-              </a:rPr>
-              <a:t/>
+              <a:t>Dudás Levente része a munkából</a:t>
             </a:r>
             <a:br>
               <a:rPr lang="hu-HU" sz="4500" dirty="0">
@@ -4758,7 +5338,7 @@
               </a:lnSpc>
             </a:pPr>
             <a:r>
-              <a:rPr lang="hu-HU" sz="2600" dirty="0" smtClean="0">
+              <a:rPr lang="hu-HU" sz="2600" dirty="0">
                 <a:solidFill>
                   <a:srgbClr val="FE4755"/>
                 </a:solidFill>
@@ -4774,7 +5354,7 @@
               </a:lnSpc>
             </a:pPr>
             <a:r>
-              <a:rPr lang="hu-HU" sz="2600" dirty="0" smtClean="0">
+              <a:rPr lang="hu-HU" sz="2600" dirty="0">
                 <a:solidFill>
                   <a:srgbClr val="FE4755"/>
                 </a:solidFill>
@@ -4822,13 +5402,13 @@
           <a:p>
             <a:pPr algn="ctr"/>
             <a:r>
-              <a:rPr lang="hu-HU" dirty="0" smtClean="0">
+              <a:rPr lang="hu-HU" dirty="0">
                 <a:solidFill>
                   <a:srgbClr val="FE4755"/>
                 </a:solidFill>
                 <a:latin typeface="Arial Nova" panose="020B0504020202020204" pitchFamily="34" charset="0"/>
               </a:rPr>
-              <a:t>Kódrészlet a  Pearl oldalból</a:t>
+              <a:t>Kódrészlet a Pearl oldalból</a:t>
             </a:r>
           </a:p>
         </p:txBody>
@@ -4856,29 +5436,14 @@
           <a:lstStyle/>
           <a:p>
             <a:r>
-              <a:rPr lang="hu-HU" dirty="0" smtClean="0">
+              <a:rPr lang="hu-HU" dirty="0">
                 <a:solidFill>
                   <a:srgbClr val="FE4755"/>
                 </a:solidFill>
                 <a:latin typeface="Arial Nova" panose="020B0504020202020204" pitchFamily="34" charset="0"/>
               </a:rPr>
-              <a:t>Kódrészlet a  </a:t>
-            </a:r>
-            <a:r>
-              <a:rPr lang="hu-HU" dirty="0" smtClean="0">
-                <a:solidFill>
-                  <a:srgbClr val="FE4755"/>
-                </a:solidFill>
-                <a:latin typeface="Arial Nova" panose="020B0504020202020204" pitchFamily="34" charset="0"/>
-              </a:rPr>
-              <a:t>Split oldalból</a:t>
-            </a:r>
-            <a:endParaRPr lang="hu-HU" dirty="0" smtClean="0">
-              <a:solidFill>
-                <a:srgbClr val="FE4755"/>
-              </a:solidFill>
-              <a:latin typeface="Arial Nova" panose="020B0504020202020204" pitchFamily="34" charset="0"/>
-            </a:endParaRPr>
+              <a:t>Kódrészlet a Split oldalból</a:t>
+            </a:r>
           </a:p>
         </p:txBody>
       </p:sp>
@@ -4951,20 +5516,314 @@
     </p:spTree>
     <p:extLst>
       <p:ext uri="{BB962C8B-B14F-4D97-AF65-F5344CB8AC3E}">
-        <p14:creationId xmlns:p14="http://schemas.microsoft.com/office/powerpoint/2010/main" xmlns="" val="267408813"/>
+        <p14:creationId xmlns:p14="http://schemas.microsoft.com/office/powerpoint/2010/main" val="267408813"/>
       </p:ext>
     </p:extLst>
   </p:cSld>
   <p:clrMapOvr>
     <a:masterClrMapping/>
   </p:clrMapOvr>
-  <p:timing>
-    <p:tnLst>
-      <p:par>
-        <p:cTn id="1" dur="indefinite" restart="never" nodeType="tmRoot"/>
-      </p:par>
-    </p:tnLst>
-  </p:timing>
+</p:sld>
+</file>
+
+<file path=ppt/slides/slide9.xml><?xml version="1.0" encoding="utf-8"?>
+<p:sld xmlns:a="http://schemas.openxmlformats.org/drawingml/2006/main" xmlns:r="http://schemas.openxmlformats.org/officeDocument/2006/relationships" xmlns:p="http://schemas.openxmlformats.org/presentationml/2006/main">
+  <p:cSld>
+    <p:bg>
+      <p:bgPr>
+        <a:solidFill>
+          <a:srgbClr val="111721"/>
+        </a:solidFill>
+        <a:effectLst/>
+      </p:bgPr>
+    </p:bg>
+    <p:spTree>
+      <p:nvGrpSpPr>
+        <p:cNvPr id="1" name=""/>
+        <p:cNvGrpSpPr/>
+        <p:nvPr/>
+      </p:nvGrpSpPr>
+      <p:grpSpPr>
+        <a:xfrm>
+          <a:off x="0" y="0"/>
+          <a:ext cx="0" cy="0"/>
+          <a:chOff x="0" y="0"/>
+          <a:chExt cx="0" cy="0"/>
+        </a:xfrm>
+      </p:grpSpPr>
+      <p:sp>
+        <p:nvSpPr>
+          <p:cNvPr id="4" name="Cím 1"/>
+          <p:cNvSpPr txBox="1">
+            <a:spLocks/>
+          </p:cNvSpPr>
+          <p:nvPr/>
+        </p:nvSpPr>
+        <p:spPr>
+          <a:xfrm>
+            <a:off x="344904" y="16042"/>
+            <a:ext cx="8508151" cy="1876926"/>
+          </a:xfrm>
+          <a:prstGeom prst="rect">
+            <a:avLst/>
+          </a:prstGeom>
+        </p:spPr>
+        <p:txBody>
+          <a:bodyPr vert="horz" lIns="91440" tIns="45720" rIns="91440" bIns="45720" rtlCol="0" anchor="b">
+            <a:noAutofit/>
+          </a:bodyPr>
+          <a:lstStyle>
+            <a:lvl1pPr algn="ctr" defTabSz="914400" rtl="0" eaLnBrk="1" latinLnBrk="0" hangingPunct="1">
+              <a:lnSpc>
+                <a:spcPct val="90000"/>
+              </a:lnSpc>
+              <a:spcBef>
+                <a:spcPct val="0"/>
+              </a:spcBef>
+              <a:buNone/>
+              <a:defRPr sz="6000" kern="1200">
+                <a:solidFill>
+                  <a:schemeClr val="tx1"/>
+                </a:solidFill>
+                <a:latin typeface="+mj-lt"/>
+                <a:ea typeface="+mj-ea"/>
+                <a:cs typeface="+mj-cs"/>
+              </a:defRPr>
+            </a:lvl1pPr>
+          </a:lstStyle>
+          <a:p>
+            <a:pPr algn="l"/>
+            <a:r>
+              <a:rPr lang="hu-HU" sz="4500" dirty="0">
+                <a:solidFill>
+                  <a:srgbClr val="FE4755"/>
+                </a:solidFill>
+                <a:latin typeface="Arial Nova" panose="020B0504020202020204" pitchFamily="34" charset="0"/>
+              </a:rPr>
+              <a:t>Tarr Gábor része a munkából</a:t>
+            </a:r>
+            <a:br>
+              <a:rPr lang="hu-HU" sz="4500" dirty="0">
+                <a:solidFill>
+                  <a:srgbClr val="FE4755"/>
+                </a:solidFill>
+              </a:rPr>
+            </a:br>
+            <a:endParaRPr lang="hu-HU" sz="4500" dirty="0">
+              <a:solidFill>
+                <a:srgbClr val="FE4755"/>
+              </a:solidFill>
+            </a:endParaRPr>
+          </a:p>
+        </p:txBody>
+      </p:sp>
+      <p:sp>
+        <p:nvSpPr>
+          <p:cNvPr id="9" name="Szövegdoboz 8"/>
+          <p:cNvSpPr txBox="1"/>
+          <p:nvPr/>
+        </p:nvSpPr>
+        <p:spPr>
+          <a:xfrm>
+            <a:off x="530923" y="2504706"/>
+            <a:ext cx="4676277" cy="1818703"/>
+          </a:xfrm>
+          <a:prstGeom prst="rect">
+            <a:avLst/>
+          </a:prstGeom>
+          <a:noFill/>
+        </p:spPr>
+        <p:txBody>
+          <a:bodyPr wrap="square" rtlCol="0">
+            <a:spAutoFit/>
+          </a:bodyPr>
+          <a:lstStyle/>
+          <a:p>
+            <a:pPr>
+              <a:lnSpc>
+                <a:spcPct val="150000"/>
+              </a:lnSpc>
+            </a:pPr>
+            <a:r>
+              <a:rPr lang="hu-HU" sz="2600" dirty="0">
+                <a:solidFill>
+                  <a:srgbClr val="FE4755"/>
+                </a:solidFill>
+                <a:latin typeface="Arial Nova" panose="020B0504020202020204" pitchFamily="34" charset="0"/>
+              </a:rPr>
+              <a:t>Haven és Icebox aloldal </a:t>
+            </a:r>
+          </a:p>
+          <a:p>
+            <a:pPr>
+              <a:lnSpc>
+                <a:spcPct val="150000"/>
+              </a:lnSpc>
+            </a:pPr>
+            <a:r>
+              <a:rPr lang="hu-HU" sz="2600" dirty="0">
+                <a:solidFill>
+                  <a:srgbClr val="FE4755"/>
+                </a:solidFill>
+                <a:latin typeface="Arial Nova" panose="020B0504020202020204" pitchFamily="34" charset="0"/>
+              </a:rPr>
+              <a:t>megvalósítása </a:t>
+            </a:r>
+          </a:p>
+          <a:p>
+            <a:pPr>
+              <a:lnSpc>
+                <a:spcPct val="150000"/>
+              </a:lnSpc>
+            </a:pPr>
+            <a:endParaRPr lang="hu-HU" sz="2600" dirty="0">
+              <a:solidFill>
+                <a:srgbClr val="FE4755"/>
+              </a:solidFill>
+              <a:latin typeface="Arial Nova" panose="020B0504020202020204" pitchFamily="34" charset="0"/>
+            </a:endParaRPr>
+          </a:p>
+        </p:txBody>
+      </p:sp>
+      <p:sp>
+        <p:nvSpPr>
+          <p:cNvPr id="12" name="Szövegdoboz 11"/>
+          <p:cNvSpPr txBox="1"/>
+          <p:nvPr/>
+        </p:nvSpPr>
+        <p:spPr>
+          <a:xfrm>
+            <a:off x="5505658" y="5613055"/>
+            <a:ext cx="3256207" cy="369332"/>
+          </a:xfrm>
+          <a:prstGeom prst="rect">
+            <a:avLst/>
+          </a:prstGeom>
+          <a:noFill/>
+        </p:spPr>
+        <p:txBody>
+          <a:bodyPr wrap="square" rtlCol="0">
+            <a:spAutoFit/>
+          </a:bodyPr>
+          <a:lstStyle/>
+          <a:p>
+            <a:pPr algn="ctr"/>
+            <a:r>
+              <a:rPr lang="hu-HU" dirty="0">
+                <a:solidFill>
+                  <a:srgbClr val="FE4755"/>
+                </a:solidFill>
+                <a:latin typeface="Arial Nova" panose="020B0504020202020204" pitchFamily="34" charset="0"/>
+              </a:rPr>
+              <a:t>Kódrészlet a Haven oldalból</a:t>
+            </a:r>
+          </a:p>
+        </p:txBody>
+      </p:sp>
+      <p:sp>
+        <p:nvSpPr>
+          <p:cNvPr id="7" name="Szövegdoboz 6"/>
+          <p:cNvSpPr txBox="1"/>
+          <p:nvPr/>
+        </p:nvSpPr>
+        <p:spPr>
+          <a:xfrm>
+            <a:off x="9329622" y="5613055"/>
+            <a:ext cx="2404282" cy="646331"/>
+          </a:xfrm>
+          <a:prstGeom prst="rect">
+            <a:avLst/>
+          </a:prstGeom>
+          <a:noFill/>
+        </p:spPr>
+        <p:txBody>
+          <a:bodyPr wrap="square" rtlCol="0">
+            <a:spAutoFit/>
+          </a:bodyPr>
+          <a:lstStyle/>
+          <a:p>
+            <a:r>
+              <a:rPr lang="hu-HU" dirty="0">
+                <a:solidFill>
+                  <a:srgbClr val="FE4755"/>
+                </a:solidFill>
+                <a:latin typeface="Arial Nova" panose="020B0504020202020204" pitchFamily="34" charset="0"/>
+              </a:rPr>
+              <a:t>Kódrészlet az Icebox oldalból</a:t>
+            </a:r>
+          </a:p>
+        </p:txBody>
+      </p:sp>
+      <p:pic>
+        <p:nvPicPr>
+          <p:cNvPr id="3" name="Picture 2">
+            <a:extLst>
+              <a:ext uri="{FF2B5EF4-FFF2-40B4-BE49-F238E27FC236}">
+                <a16:creationId xmlns:a16="http://schemas.microsoft.com/office/drawing/2014/main" id="{B6CA7F20-6DA8-EDB2-3E1D-572221D2B9ED}"/>
+              </a:ext>
+            </a:extLst>
+          </p:cNvPr>
+          <p:cNvPicPr>
+            <a:picLocks noChangeAspect="1"/>
+          </p:cNvPicPr>
+          <p:nvPr/>
+        </p:nvPicPr>
+        <p:blipFill>
+          <a:blip r:embed="rId2"/>
+          <a:stretch>
+            <a:fillRect/>
+          </a:stretch>
+        </p:blipFill>
+        <p:spPr>
+          <a:xfrm>
+            <a:off x="5774957" y="1724645"/>
+            <a:ext cx="2717608" cy="3888410"/>
+          </a:xfrm>
+          <a:prstGeom prst="rect">
+            <a:avLst/>
+          </a:prstGeom>
+        </p:spPr>
+      </p:pic>
+      <p:pic>
+        <p:nvPicPr>
+          <p:cNvPr id="6" name="Picture 5">
+            <a:extLst>
+              <a:ext uri="{FF2B5EF4-FFF2-40B4-BE49-F238E27FC236}">
+                <a16:creationId xmlns:a16="http://schemas.microsoft.com/office/drawing/2014/main" id="{179CAF11-4BA2-D10B-FB15-E93CBF675116}"/>
+              </a:ext>
+            </a:extLst>
+          </p:cNvPr>
+          <p:cNvPicPr>
+            <a:picLocks noChangeAspect="1"/>
+          </p:cNvPicPr>
+          <p:nvPr/>
+        </p:nvPicPr>
+        <p:blipFill>
+          <a:blip r:embed="rId3"/>
+          <a:stretch>
+            <a:fillRect/>
+          </a:stretch>
+        </p:blipFill>
+        <p:spPr>
+          <a:xfrm>
+            <a:off x="9233394" y="1724645"/>
+            <a:ext cx="2596738" cy="3857096"/>
+          </a:xfrm>
+          <a:prstGeom prst="rect">
+            <a:avLst/>
+          </a:prstGeom>
+        </p:spPr>
+      </p:pic>
+    </p:spTree>
+    <p:extLst>
+      <p:ext uri="{BB962C8B-B14F-4D97-AF65-F5344CB8AC3E}">
+        <p14:creationId xmlns:p14="http://schemas.microsoft.com/office/powerpoint/2010/main" val="4168293000"/>
+      </p:ext>
+    </p:extLst>
+  </p:cSld>
+  <p:clrMapOvr>
+    <a:masterClrMapping/>
+  </p:clrMapOvr>
 </p:sld>
 </file>
 
@@ -5223,7 +6082,302 @@
   <a:extraClrSchemeLst/>
   <a:extLst>
     <a:ext uri="{05A4C25C-085E-4340-85A3-A5531E510DB2}">
-      <thm15:themeFamily xmlns:thm15="http://schemas.microsoft.com/office/thememl/2012/main" xmlns="" name="Office Theme" id="{62F939B6-93AF-4DB8-9C6B-D6C7DFDC589F}" vid="{4A3C46E8-61CC-4603-A589-7422A47A8E4A}"/>
+      <thm15:themeFamily xmlns:thm15="http://schemas.microsoft.com/office/thememl/2012/main" name="Office Theme" id="{62F939B6-93AF-4DB8-9C6B-D6C7DFDC589F}" vid="{4A3C46E8-61CC-4603-A589-7422A47A8E4A}"/>
+    </a:ext>
+  </a:extLst>
+</a:theme>
+</file>
+
+<file path=ppt/theme/theme2.xml><?xml version="1.0" encoding="utf-8"?>
+<a:theme xmlns:a="http://schemas.openxmlformats.org/drawingml/2006/main" name="Office Theme">
+  <a:themeElements>
+    <a:clrScheme name="Office">
+      <a:dk1>
+        <a:sysClr val="windowText" lastClr="000000"/>
+      </a:dk1>
+      <a:lt1>
+        <a:sysClr val="window" lastClr="FFFFFF"/>
+      </a:lt1>
+      <a:dk2>
+        <a:srgbClr val="44546A"/>
+      </a:dk2>
+      <a:lt2>
+        <a:srgbClr val="E7E6E6"/>
+      </a:lt2>
+      <a:accent1>
+        <a:srgbClr val="4472C4"/>
+      </a:accent1>
+      <a:accent2>
+        <a:srgbClr val="ED7D31"/>
+      </a:accent2>
+      <a:accent3>
+        <a:srgbClr val="A5A5A5"/>
+      </a:accent3>
+      <a:accent4>
+        <a:srgbClr val="FFC000"/>
+      </a:accent4>
+      <a:accent5>
+        <a:srgbClr val="5B9BD5"/>
+      </a:accent5>
+      <a:accent6>
+        <a:srgbClr val="70AD47"/>
+      </a:accent6>
+      <a:hlink>
+        <a:srgbClr val="0563C1"/>
+      </a:hlink>
+      <a:folHlink>
+        <a:srgbClr val="954F72"/>
+      </a:folHlink>
+    </a:clrScheme>
+    <a:fontScheme name="Office">
+      <a:majorFont>
+        <a:latin typeface="Calibri Light" panose="020F0302020204030204"/>
+        <a:ea typeface=""/>
+        <a:cs typeface=""/>
+        <a:font script="Jpan" typeface="游ゴシック Light"/>
+        <a:font script="Hang" typeface="맑은 고딕"/>
+        <a:font script="Hans" typeface="等线 Light"/>
+        <a:font script="Hant" typeface="新細明體"/>
+        <a:font script="Arab" typeface="Times New Roman"/>
+        <a:font script="Hebr" typeface="Times New Roman"/>
+        <a:font script="Thai" typeface="Angsana New"/>
+        <a:font script="Ethi" typeface="Nyala"/>
+        <a:font script="Beng" typeface="Vrinda"/>
+        <a:font script="Gujr" typeface="Shruti"/>
+        <a:font script="Khmr" typeface="MoolBoran"/>
+        <a:font script="Knda" typeface="Tunga"/>
+        <a:font script="Guru" typeface="Raavi"/>
+        <a:font script="Cans" typeface="Euphemia"/>
+        <a:font script="Cher" typeface="Plantagenet Cherokee"/>
+        <a:font script="Yiii" typeface="Microsoft Yi Baiti"/>
+        <a:font script="Tibt" typeface="Microsoft Himalaya"/>
+        <a:font script="Thaa" typeface="MV Boli"/>
+        <a:font script="Deva" typeface="Mangal"/>
+        <a:font script="Telu" typeface="Gautami"/>
+        <a:font script="Taml" typeface="Latha"/>
+        <a:font script="Syrc" typeface="Estrangelo Edessa"/>
+        <a:font script="Orya" typeface="Kalinga"/>
+        <a:font script="Mlym" typeface="Kartika"/>
+        <a:font script="Laoo" typeface="DokChampa"/>
+        <a:font script="Sinh" typeface="Iskoola Pota"/>
+        <a:font script="Mong" typeface="Mongolian Baiti"/>
+        <a:font script="Viet" typeface="Times New Roman"/>
+        <a:font script="Uigh" typeface="Microsoft Uighur"/>
+        <a:font script="Geor" typeface="Sylfaen"/>
+        <a:font script="Armn" typeface="Arial"/>
+        <a:font script="Bugi" typeface="Leelawadee UI"/>
+        <a:font script="Bopo" typeface="Microsoft JhengHei"/>
+        <a:font script="Java" typeface="Javanese Text"/>
+        <a:font script="Lisu" typeface="Segoe UI"/>
+        <a:font script="Mymr" typeface="Myanmar Text"/>
+        <a:font script="Nkoo" typeface="Ebrima"/>
+        <a:font script="Olck" typeface="Nirmala UI"/>
+        <a:font script="Osma" typeface="Ebrima"/>
+        <a:font script="Phag" typeface="Phagspa"/>
+        <a:font script="Syrn" typeface="Estrangelo Edessa"/>
+        <a:font script="Syrj" typeface="Estrangelo Edessa"/>
+        <a:font script="Syre" typeface="Estrangelo Edessa"/>
+        <a:font script="Sora" typeface="Nirmala UI"/>
+        <a:font script="Tale" typeface="Microsoft Tai Le"/>
+        <a:font script="Talu" typeface="Microsoft New Tai Lue"/>
+        <a:font script="Tfng" typeface="Ebrima"/>
+      </a:majorFont>
+      <a:minorFont>
+        <a:latin typeface="Calibri" panose="020F0502020204030204"/>
+        <a:ea typeface=""/>
+        <a:cs typeface=""/>
+        <a:font script="Jpan" typeface="游ゴシック"/>
+        <a:font script="Hang" typeface="맑은 고딕"/>
+        <a:font script="Hans" typeface="等线"/>
+        <a:font script="Hant" typeface="新細明體"/>
+        <a:font script="Arab" typeface="Arial"/>
+        <a:font script="Hebr" typeface="Arial"/>
+        <a:font script="Thai" typeface="Cordia New"/>
+        <a:font script="Ethi" typeface="Nyala"/>
+        <a:font script="Beng" typeface="Vrinda"/>
+        <a:font script="Gujr" typeface="Shruti"/>
+        <a:font script="Khmr" typeface="DaunPenh"/>
+        <a:font script="Knda" typeface="Tunga"/>
+        <a:font script="Guru" typeface="Raavi"/>
+        <a:font script="Cans" typeface="Euphemia"/>
+        <a:font script="Cher" typeface="Plantagenet Cherokee"/>
+        <a:font script="Yiii" typeface="Microsoft Yi Baiti"/>
+        <a:font script="Tibt" typeface="Microsoft Himalaya"/>
+        <a:font script="Thaa" typeface="MV Boli"/>
+        <a:font script="Deva" typeface="Mangal"/>
+        <a:font script="Telu" typeface="Gautami"/>
+        <a:font script="Taml" typeface="Latha"/>
+        <a:font script="Syrc" typeface="Estrangelo Edessa"/>
+        <a:font script="Orya" typeface="Kalinga"/>
+        <a:font script="Mlym" typeface="Kartika"/>
+        <a:font script="Laoo" typeface="DokChampa"/>
+        <a:font script="Sinh" typeface="Iskoola Pota"/>
+        <a:font script="Mong" typeface="Mongolian Baiti"/>
+        <a:font script="Viet" typeface="Arial"/>
+        <a:font script="Uigh" typeface="Microsoft Uighur"/>
+        <a:font script="Geor" typeface="Sylfaen"/>
+        <a:font script="Armn" typeface="Arial"/>
+        <a:font script="Bugi" typeface="Leelawadee UI"/>
+        <a:font script="Bopo" typeface="Microsoft JhengHei"/>
+        <a:font script="Java" typeface="Javanese Text"/>
+        <a:font script="Lisu" typeface="Segoe UI"/>
+        <a:font script="Mymr" typeface="Myanmar Text"/>
+        <a:font script="Nkoo" typeface="Ebrima"/>
+        <a:font script="Olck" typeface="Nirmala UI"/>
+        <a:font script="Osma" typeface="Ebrima"/>
+        <a:font script="Phag" typeface="Phagspa"/>
+        <a:font script="Syrn" typeface="Estrangelo Edessa"/>
+        <a:font script="Syrj" typeface="Estrangelo Edessa"/>
+        <a:font script="Syre" typeface="Estrangelo Edessa"/>
+        <a:font script="Sora" typeface="Nirmala UI"/>
+        <a:font script="Tale" typeface="Microsoft Tai Le"/>
+        <a:font script="Talu" typeface="Microsoft New Tai Lue"/>
+        <a:font script="Tfng" typeface="Ebrima"/>
+      </a:minorFont>
+    </a:fontScheme>
+    <a:fmtScheme name="Office">
+      <a:fillStyleLst>
+        <a:solidFill>
+          <a:schemeClr val="phClr"/>
+        </a:solidFill>
+        <a:gradFill rotWithShape="1">
+          <a:gsLst>
+            <a:gs pos="0">
+              <a:schemeClr val="phClr">
+                <a:lumMod val="110000"/>
+                <a:satMod val="105000"/>
+                <a:tint val="67000"/>
+              </a:schemeClr>
+            </a:gs>
+            <a:gs pos="50000">
+              <a:schemeClr val="phClr">
+                <a:lumMod val="105000"/>
+                <a:satMod val="103000"/>
+                <a:tint val="73000"/>
+              </a:schemeClr>
+            </a:gs>
+            <a:gs pos="100000">
+              <a:schemeClr val="phClr">
+                <a:lumMod val="105000"/>
+                <a:satMod val="109000"/>
+                <a:tint val="81000"/>
+              </a:schemeClr>
+            </a:gs>
+          </a:gsLst>
+          <a:lin ang="5400000" scaled="0"/>
+        </a:gradFill>
+        <a:gradFill rotWithShape="1">
+          <a:gsLst>
+            <a:gs pos="0">
+              <a:schemeClr val="phClr">
+                <a:satMod val="103000"/>
+                <a:lumMod val="102000"/>
+                <a:tint val="94000"/>
+              </a:schemeClr>
+            </a:gs>
+            <a:gs pos="50000">
+              <a:schemeClr val="phClr">
+                <a:satMod val="110000"/>
+                <a:lumMod val="100000"/>
+                <a:shade val="100000"/>
+              </a:schemeClr>
+            </a:gs>
+            <a:gs pos="100000">
+              <a:schemeClr val="phClr">
+                <a:lumMod val="99000"/>
+                <a:satMod val="120000"/>
+                <a:shade val="78000"/>
+              </a:schemeClr>
+            </a:gs>
+          </a:gsLst>
+          <a:lin ang="5400000" scaled="0"/>
+        </a:gradFill>
+      </a:fillStyleLst>
+      <a:lnStyleLst>
+        <a:ln w="6350" cap="flat" cmpd="sng" algn="ctr">
+          <a:solidFill>
+            <a:schemeClr val="phClr"/>
+          </a:solidFill>
+          <a:prstDash val="solid"/>
+          <a:miter lim="800000"/>
+        </a:ln>
+        <a:ln w="12700" cap="flat" cmpd="sng" algn="ctr">
+          <a:solidFill>
+            <a:schemeClr val="phClr"/>
+          </a:solidFill>
+          <a:prstDash val="solid"/>
+          <a:miter lim="800000"/>
+        </a:ln>
+        <a:ln w="19050" cap="flat" cmpd="sng" algn="ctr">
+          <a:solidFill>
+            <a:schemeClr val="phClr"/>
+          </a:solidFill>
+          <a:prstDash val="solid"/>
+          <a:miter lim="800000"/>
+        </a:ln>
+      </a:lnStyleLst>
+      <a:effectStyleLst>
+        <a:effectStyle>
+          <a:effectLst/>
+        </a:effectStyle>
+        <a:effectStyle>
+          <a:effectLst/>
+        </a:effectStyle>
+        <a:effectStyle>
+          <a:effectLst>
+            <a:outerShdw blurRad="57150" dist="19050" dir="5400000" algn="ctr" rotWithShape="0">
+              <a:srgbClr val="000000">
+                <a:alpha val="63000"/>
+              </a:srgbClr>
+            </a:outerShdw>
+          </a:effectLst>
+        </a:effectStyle>
+      </a:effectStyleLst>
+      <a:bgFillStyleLst>
+        <a:solidFill>
+          <a:schemeClr val="phClr"/>
+        </a:solidFill>
+        <a:solidFill>
+          <a:schemeClr val="phClr">
+            <a:tint val="95000"/>
+            <a:satMod val="170000"/>
+          </a:schemeClr>
+        </a:solidFill>
+        <a:gradFill rotWithShape="1">
+          <a:gsLst>
+            <a:gs pos="0">
+              <a:schemeClr val="phClr">
+                <a:tint val="93000"/>
+                <a:satMod val="150000"/>
+                <a:shade val="98000"/>
+                <a:lumMod val="102000"/>
+              </a:schemeClr>
+            </a:gs>
+            <a:gs pos="50000">
+              <a:schemeClr val="phClr">
+                <a:tint val="98000"/>
+                <a:satMod val="130000"/>
+                <a:shade val="90000"/>
+                <a:lumMod val="103000"/>
+              </a:schemeClr>
+            </a:gs>
+            <a:gs pos="100000">
+              <a:schemeClr val="phClr">
+                <a:shade val="63000"/>
+                <a:satMod val="120000"/>
+              </a:schemeClr>
+            </a:gs>
+          </a:gsLst>
+          <a:lin ang="5400000" scaled="0"/>
+        </a:gradFill>
+      </a:bgFillStyleLst>
+    </a:fmtScheme>
+  </a:themeElements>
+  <a:objectDefaults/>
+  <a:extraClrSchemeLst/>
+  <a:extLst>
+    <a:ext uri="{05A4C25C-085E-4340-85A3-A5531E510DB2}">
+      <thm15:themeFamily xmlns:thm15="http://schemas.microsoft.com/office/thememl/2012/main" name="Office Theme" id="{62F939B6-93AF-4DB8-9C6B-D6C7DFDC589F}" vid="{4A3C46E8-61CC-4603-A589-7422A47A8E4A}"/>
     </a:ext>
   </a:extLst>
 </a:theme>

--- a/VALORANT útmutató.pptx
+++ b/VALORANT útmutató.pptx
@@ -5,7 +5,7 @@
     <p:sldMasterId id="2147483648" r:id="rId1"/>
   </p:sldMasterIdLst>
   <p:notesMasterIdLst>
-    <p:notesMasterId r:id="rId12"/>
+    <p:notesMasterId r:id="rId13"/>
   </p:notesMasterIdLst>
   <p:sldIdLst>
     <p:sldId id="256" r:id="rId2"/>
@@ -18,6 +18,7 @@
     <p:sldId id="263" r:id="rId9"/>
     <p:sldId id="264" r:id="rId10"/>
     <p:sldId id="265" r:id="rId11"/>
+    <p:sldId id="267" r:id="rId12"/>
   </p:sldIdLst>
   <p:sldSz cx="12192000" cy="6858000"/>
   <p:notesSz cx="6858000" cy="9144000"/>
@@ -560,6 +561,90 @@
     <p:extLst>
       <p:ext uri="{BB962C8B-B14F-4D97-AF65-F5344CB8AC3E}">
         <p14:creationId xmlns:p14="http://schemas.microsoft.com/office/powerpoint/2010/main" val="807385171"/>
+      </p:ext>
+    </p:extLst>
+  </p:cSld>
+  <p:clrMapOvr>
+    <a:masterClrMapping/>
+  </p:clrMapOvr>
+</p:notes>
+</file>
+
+<file path=ppt/notesSlides/notesSlide2.xml><?xml version="1.0" encoding="utf-8"?>
+<p:notes xmlns:a="http://schemas.openxmlformats.org/drawingml/2006/main" xmlns:r="http://schemas.openxmlformats.org/officeDocument/2006/relationships" xmlns:p="http://schemas.openxmlformats.org/presentationml/2006/main">
+  <p:cSld>
+    <p:spTree>
+      <p:nvGrpSpPr>
+        <p:cNvPr id="1" name=""/>
+        <p:cNvGrpSpPr/>
+        <p:nvPr/>
+      </p:nvGrpSpPr>
+      <p:grpSpPr>
+        <a:xfrm>
+          <a:off x="0" y="0"/>
+          <a:ext cx="0" cy="0"/>
+          <a:chOff x="0" y="0"/>
+          <a:chExt cx="0" cy="0"/>
+        </a:xfrm>
+      </p:grpSpPr>
+      <p:sp>
+        <p:nvSpPr>
+          <p:cNvPr id="2" name="Slide Image Placeholder 1"/>
+          <p:cNvSpPr>
+            <a:spLocks noGrp="1" noRot="1" noChangeAspect="1"/>
+          </p:cNvSpPr>
+          <p:nvPr>
+            <p:ph type="sldImg"/>
+          </p:nvPr>
+        </p:nvSpPr>
+        <p:spPr/>
+      </p:sp>
+      <p:sp>
+        <p:nvSpPr>
+          <p:cNvPr id="3" name="Notes Placeholder 2"/>
+          <p:cNvSpPr>
+            <a:spLocks noGrp="1"/>
+          </p:cNvSpPr>
+          <p:nvPr>
+            <p:ph type="body" idx="1"/>
+          </p:nvPr>
+        </p:nvSpPr>
+        <p:spPr/>
+        <p:txBody>
+          <a:bodyPr/>
+          <a:lstStyle/>
+          <a:p>
+            <a:endParaRPr lang="en-GB" dirty="0"/>
+          </a:p>
+        </p:txBody>
+      </p:sp>
+      <p:sp>
+        <p:nvSpPr>
+          <p:cNvPr id="4" name="Slide Number Placeholder 3"/>
+          <p:cNvSpPr>
+            <a:spLocks noGrp="1"/>
+          </p:cNvSpPr>
+          <p:nvPr>
+            <p:ph type="sldNum" sz="quarter" idx="5"/>
+          </p:nvPr>
+        </p:nvSpPr>
+        <p:spPr/>
+        <p:txBody>
+          <a:bodyPr/>
+          <a:lstStyle/>
+          <a:p>
+            <a:fld id="{0F46B111-CD7C-4701-9DC7-8A9C952898C3}" type="slidenum">
+              <a:rPr lang="en-GB" smtClean="0"/>
+              <a:t>11</a:t>
+            </a:fld>
+            <a:endParaRPr lang="en-GB"/>
+          </a:p>
+        </p:txBody>
+      </p:sp>
+    </p:spTree>
+    <p:extLst>
+      <p:ext uri="{BB962C8B-B14F-4D97-AF65-F5344CB8AC3E}">
+        <p14:creationId xmlns:p14="http://schemas.microsoft.com/office/powerpoint/2010/main" val="279606727"/>
       </p:ext>
     </p:extLst>
   </p:cSld>
@@ -3771,6 +3856,238 @@
 </p:sld>
 </file>
 
+<file path=ppt/slides/slide11.xml><?xml version="1.0" encoding="utf-8"?>
+<p:sld xmlns:a="http://schemas.openxmlformats.org/drawingml/2006/main" xmlns:r="http://schemas.openxmlformats.org/officeDocument/2006/relationships" xmlns:p="http://schemas.openxmlformats.org/presentationml/2006/main">
+  <p:cSld>
+    <p:bg>
+      <p:bgPr>
+        <a:solidFill>
+          <a:srgbClr val="000000"/>
+        </a:solidFill>
+        <a:effectLst/>
+      </p:bgPr>
+    </p:bg>
+    <p:spTree>
+      <p:nvGrpSpPr>
+        <p:cNvPr id="1" name=""/>
+        <p:cNvGrpSpPr/>
+        <p:nvPr/>
+      </p:nvGrpSpPr>
+      <p:grpSpPr>
+        <a:xfrm>
+          <a:off x="0" y="0"/>
+          <a:ext cx="0" cy="0"/>
+          <a:chOff x="0" y="0"/>
+          <a:chExt cx="0" cy="0"/>
+        </a:xfrm>
+      </p:grpSpPr>
+      <p:sp>
+        <p:nvSpPr>
+          <p:cNvPr id="2055" name="Rectangle 2054">
+            <a:extLst>
+              <a:ext uri="{FF2B5EF4-FFF2-40B4-BE49-F238E27FC236}">
+                <a16:creationId xmlns:a16="http://schemas.microsoft.com/office/drawing/2014/main" id="{71B2258F-86CA-4D4D-8270-BC05FCDEBFB3}"/>
+              </a:ext>
+              <a:ext uri="{C183D7F6-B498-43B3-948B-1728B52AA6E4}">
+                <adec:decorative xmlns:adec="http://schemas.microsoft.com/office/drawing/2017/decorative" val="1"/>
+              </a:ext>
+            </a:extLst>
+          </p:cNvPr>
+          <p:cNvSpPr>
+            <a:spLocks noGrp="1" noRot="1" noChangeAspect="1" noMove="1" noResize="1" noEditPoints="1" noAdjustHandles="1" noChangeArrowheads="1" noChangeShapeType="1" noTextEdit="1"/>
+          </p:cNvSpPr>
+          <p:nvPr>
+            <p:extLst>
+              <p:ext uri="{386F3935-93C4-4BCD-93E2-E3B085C9AB24}">
+                <p16:designElem xmlns:p16="http://schemas.microsoft.com/office/powerpoint/2015/main" val="1"/>
+              </p:ext>
+            </p:extLst>
+          </p:nvPr>
+        </p:nvSpPr>
+        <p:spPr>
+          <a:xfrm>
+            <a:off x="0" y="0"/>
+            <a:ext cx="12192000" cy="6857999"/>
+          </a:xfrm>
+          <a:prstGeom prst="rect">
+            <a:avLst/>
+          </a:prstGeom>
+          <a:solidFill>
+            <a:srgbClr val="000000"/>
+          </a:solidFill>
+          <a:ln>
+            <a:noFill/>
+          </a:ln>
+        </p:spPr>
+        <p:style>
+          <a:lnRef idx="2">
+            <a:schemeClr val="accent1">
+              <a:shade val="50000"/>
+            </a:schemeClr>
+          </a:lnRef>
+          <a:fillRef idx="1">
+            <a:schemeClr val="accent1"/>
+          </a:fillRef>
+          <a:effectRef idx="0">
+            <a:schemeClr val="accent1"/>
+          </a:effectRef>
+          <a:fontRef idx="minor">
+            <a:schemeClr val="lt1"/>
+          </a:fontRef>
+        </p:style>
+        <p:txBody>
+          <a:bodyPr rtlCol="0" anchor="ctr"/>
+          <a:lstStyle/>
+          <a:p>
+            <a:pPr algn="ctr"/>
+            <a:endParaRPr lang="en-US"/>
+          </a:p>
+        </p:txBody>
+      </p:sp>
+      <p:pic>
+        <p:nvPicPr>
+          <p:cNvPr id="2050" name="Picture 2" descr="391500 valorant, game, fracture, background, 4k, pc - Rare Gallery HD  Wallpapers">
+            <a:extLst>
+              <a:ext uri="{FF2B5EF4-FFF2-40B4-BE49-F238E27FC236}">
+                <a16:creationId xmlns:a16="http://schemas.microsoft.com/office/drawing/2014/main" id="{C0326019-2F25-9DA3-5584-8653C183DBDB}"/>
+              </a:ext>
+            </a:extLst>
+          </p:cNvPr>
+          <p:cNvPicPr>
+            <a:picLocks noChangeAspect="1" noChangeArrowheads="1"/>
+          </p:cNvPicPr>
+          <p:nvPr/>
+        </p:nvPicPr>
+        <p:blipFill rotWithShape="1">
+          <a:blip r:embed="rId3" cstate="print">
+            <a:alphaModFix amt="50000"/>
+            <a:extLst>
+              <a:ext uri="{28A0092B-C50C-407E-A947-70E740481C1C}">
+                <a14:useLocalDpi xmlns:a14="http://schemas.microsoft.com/office/drawing/2010/main" val="0"/>
+              </a:ext>
+            </a:extLst>
+          </a:blip>
+          <a:srcRect/>
+          <a:stretch/>
+        </p:blipFill>
+        <p:spPr bwMode="auto">
+          <a:xfrm>
+            <a:off x="-119149" y="-133523"/>
+            <a:ext cx="12430298" cy="6992042"/>
+          </a:xfrm>
+          <a:prstGeom prst="rect">
+            <a:avLst/>
+          </a:prstGeom>
+          <a:noFill/>
+          <a:extLst>
+            <a:ext uri="{909E8E84-426E-40DD-AFC4-6F175D3DCCD1}">
+              <a14:hiddenFill xmlns:a14="http://schemas.microsoft.com/office/drawing/2010/main">
+                <a:solidFill>
+                  <a:srgbClr val="FFFFFF"/>
+                </a:solidFill>
+              </a14:hiddenFill>
+            </a:ext>
+          </a:extLst>
+        </p:spPr>
+      </p:pic>
+      <p:sp>
+        <p:nvSpPr>
+          <p:cNvPr id="4" name="Cím 1"/>
+          <p:cNvSpPr txBox="1">
+            <a:spLocks/>
+          </p:cNvSpPr>
+          <p:nvPr/>
+        </p:nvSpPr>
+        <p:spPr>
+          <a:xfrm>
+            <a:off x="-668867" y="6042848"/>
+            <a:ext cx="7096298" cy="805855"/>
+          </a:xfrm>
+          <a:prstGeom prst="rect">
+            <a:avLst/>
+          </a:prstGeom>
+        </p:spPr>
+        <p:txBody>
+          <a:bodyPr vert="horz" lIns="91440" tIns="45720" rIns="91440" bIns="45720" rtlCol="0" anchor="b">
+            <a:normAutofit/>
+          </a:bodyPr>
+          <a:lstStyle>
+            <a:lvl1pPr algn="ctr" defTabSz="914400" rtl="0" eaLnBrk="1" latinLnBrk="0" hangingPunct="1">
+              <a:lnSpc>
+                <a:spcPct val="90000"/>
+              </a:lnSpc>
+              <a:spcBef>
+                <a:spcPct val="0"/>
+              </a:spcBef>
+              <a:buNone/>
+              <a:defRPr sz="6000" kern="1200">
+                <a:solidFill>
+                  <a:schemeClr val="tx1"/>
+                </a:solidFill>
+                <a:latin typeface="+mj-lt"/>
+                <a:ea typeface="+mj-ea"/>
+                <a:cs typeface="+mj-cs"/>
+              </a:defRPr>
+            </a:lvl1pPr>
+          </a:lstStyle>
+          <a:p>
+            <a:pPr>
+              <a:spcAft>
+                <a:spcPts val="600"/>
+              </a:spcAft>
+            </a:pPr>
+            <a:r>
+              <a:rPr lang="en-US" sz="4500" dirty="0" err="1">
+                <a:solidFill>
+                  <a:srgbClr val="FE4755"/>
+                </a:solidFill>
+                <a:latin typeface="Arial Nova" panose="020B0504020202020204" pitchFamily="34" charset="0"/>
+              </a:rPr>
+              <a:t>Köszönjük</a:t>
+            </a:r>
+            <a:r>
+              <a:rPr lang="en-US" sz="4500" dirty="0">
+                <a:solidFill>
+                  <a:srgbClr val="FE4755"/>
+                </a:solidFill>
+                <a:latin typeface="Arial Nova" panose="020B0504020202020204" pitchFamily="34" charset="0"/>
+              </a:rPr>
+              <a:t> a </a:t>
+            </a:r>
+            <a:r>
+              <a:rPr lang="en-US" sz="4500" dirty="0" err="1">
+                <a:solidFill>
+                  <a:srgbClr val="FE4755"/>
+                </a:solidFill>
+                <a:latin typeface="Arial Nova" panose="020B0504020202020204" pitchFamily="34" charset="0"/>
+              </a:rPr>
+              <a:t>figyelmet</a:t>
+            </a:r>
+            <a:r>
+              <a:rPr lang="en-US" sz="4500" dirty="0">
+                <a:solidFill>
+                  <a:srgbClr val="FE4755"/>
+                </a:solidFill>
+                <a:latin typeface="Arial Nova" panose="020B0504020202020204" pitchFamily="34" charset="0"/>
+              </a:rPr>
+              <a:t>!</a:t>
+            </a:r>
+          </a:p>
+        </p:txBody>
+      </p:sp>
+    </p:spTree>
+    <p:extLst>
+      <p:ext uri="{BB962C8B-B14F-4D97-AF65-F5344CB8AC3E}">
+        <p14:creationId xmlns:p14="http://schemas.microsoft.com/office/powerpoint/2010/main" val="2338943869"/>
+      </p:ext>
+    </p:extLst>
+  </p:cSld>
+  <p:clrMapOvr>
+    <a:overrideClrMapping bg1="dk1" tx1="lt1" bg2="dk2" tx2="lt2" accent1="accent1" accent2="accent2" accent3="accent3" accent4="accent4" accent5="accent5" accent6="accent6" hlink="hlink" folHlink="folHlink"/>
+  </p:clrMapOvr>
+</p:sld>
+</file>
+
 <file path=ppt/slides/slide2.xml><?xml version="1.0" encoding="utf-8"?>
 <p:sld xmlns:a="http://schemas.openxmlformats.org/drawingml/2006/main" xmlns:r="http://schemas.openxmlformats.org/officeDocument/2006/relationships" xmlns:p="http://schemas.openxmlformats.org/presentationml/2006/main">
   <p:cSld>
@@ -4608,7 +4925,7 @@
         </p:nvSpPr>
         <p:spPr>
           <a:xfrm>
-            <a:off x="344904" y="2482587"/>
+            <a:off x="344904" y="2332958"/>
             <a:ext cx="4667671" cy="1818062"/>
           </a:xfrm>
           <a:prstGeom prst="rect">
@@ -4842,7 +5159,7 @@
         </p:nvSpPr>
         <p:spPr>
           <a:xfrm>
-            <a:off x="530923" y="2504706"/>
+            <a:off x="530925" y="2586291"/>
             <a:ext cx="4676277" cy="1217898"/>
           </a:xfrm>
           <a:prstGeom prst="rect">
@@ -5015,7 +5332,7 @@
         <p:spPr>
           <a:xfrm>
             <a:off x="344904" y="16042"/>
-            <a:ext cx="8508151" cy="1876926"/>
+            <a:ext cx="9173169" cy="1892826"/>
           </a:xfrm>
           <a:prstGeom prst="rect">
             <a:avLst/>
@@ -5078,7 +5395,7 @@
         </p:nvSpPr>
         <p:spPr>
           <a:xfrm>
-            <a:off x="530923" y="2504706"/>
+            <a:off x="344904" y="2571208"/>
             <a:ext cx="4676277" cy="1892826"/>
           </a:xfrm>
           <a:prstGeom prst="rect">
@@ -5254,8 +5571,8 @@
         </p:nvSpPr>
         <p:spPr>
           <a:xfrm>
-            <a:off x="344904" y="16042"/>
-            <a:ext cx="8508151" cy="1876926"/>
+            <a:off x="344904" y="16041"/>
+            <a:ext cx="9904689" cy="1818703"/>
           </a:xfrm>
           <a:prstGeom prst="rect">
             <a:avLst/>
@@ -5318,7 +5635,7 @@
         </p:nvSpPr>
         <p:spPr>
           <a:xfrm>
-            <a:off x="530923" y="2504706"/>
+            <a:off x="503362" y="2519648"/>
             <a:ext cx="4676277" cy="1818703"/>
           </a:xfrm>
           <a:prstGeom prst="rect">
@@ -5625,7 +5942,7 @@
         </p:nvSpPr>
         <p:spPr>
           <a:xfrm>
-            <a:off x="530923" y="2504706"/>
+            <a:off x="514297" y="2596146"/>
             <a:ext cx="4676277" cy="1818703"/>
           </a:xfrm>
           <a:prstGeom prst="rect">

--- a/VALORANT útmutató.pptx
+++ b/VALORANT útmutató.pptx
@@ -16,8 +16,8 @@
     <p:sldId id="259" r:id="rId7"/>
     <p:sldId id="262" r:id="rId8"/>
     <p:sldId id="263" r:id="rId9"/>
-    <p:sldId id="264" r:id="rId10"/>
-    <p:sldId id="265" r:id="rId11"/>
+    <p:sldId id="265" r:id="rId10"/>
+    <p:sldId id="264" r:id="rId11"/>
     <p:sldId id="267" r:id="rId12"/>
   </p:sldIdLst>
   <p:sldSz cx="12192000" cy="6858000"/>
@@ -218,7 +218,7 @@
           <a:p>
             <a:fld id="{A79F05C4-D594-4B26-BA7C-8FC5CDD93FDD}" type="datetimeFigureOut">
               <a:rPr lang="en-GB" smtClean="0"/>
-              <a:t>07/02/2023</a:t>
+              <a:t>16/02/2023</a:t>
             </a:fld>
             <a:endParaRPr lang="en-GB"/>
           </a:p>
@@ -551,7 +551,7 @@
           <a:p>
             <a:fld id="{0F46B111-CD7C-4701-9DC7-8A9C952898C3}" type="slidenum">
               <a:rPr lang="en-GB" smtClean="0"/>
-              <a:t>10</a:t>
+              <a:t>9</a:t>
             </a:fld>
             <a:endParaRPr lang="en-GB"/>
           </a:p>
@@ -784,7 +784,7 @@
             <a:fld id="{8A03A660-8C9C-4A1F-A743-276051C51089}" type="datetimeFigureOut">
               <a:rPr lang="hu-HU" smtClean="0"/>
               <a:pPr/>
-              <a:t>2023. 02. 07.</a:t>
+              <a:t>2023.02.16.</a:t>
             </a:fld>
             <a:endParaRPr lang="hu-HU" dirty="0"/>
           </a:p>
@@ -954,7 +954,7 @@
             <a:fld id="{8A03A660-8C9C-4A1F-A743-276051C51089}" type="datetimeFigureOut">
               <a:rPr lang="hu-HU" smtClean="0"/>
               <a:pPr/>
-              <a:t>2023. 02. 07.</a:t>
+              <a:t>2023.02.16.</a:t>
             </a:fld>
             <a:endParaRPr lang="hu-HU" dirty="0"/>
           </a:p>
@@ -1134,7 +1134,7 @@
             <a:fld id="{8A03A660-8C9C-4A1F-A743-276051C51089}" type="datetimeFigureOut">
               <a:rPr lang="hu-HU" smtClean="0"/>
               <a:pPr/>
-              <a:t>2023. 02. 07.</a:t>
+              <a:t>2023.02.16.</a:t>
             </a:fld>
             <a:endParaRPr lang="hu-HU" dirty="0"/>
           </a:p>
@@ -1304,7 +1304,7 @@
             <a:fld id="{8A03A660-8C9C-4A1F-A743-276051C51089}" type="datetimeFigureOut">
               <a:rPr lang="hu-HU" smtClean="0"/>
               <a:pPr/>
-              <a:t>2023. 02. 07.</a:t>
+              <a:t>2023.02.16.</a:t>
             </a:fld>
             <a:endParaRPr lang="hu-HU" dirty="0"/>
           </a:p>
@@ -1551,7 +1551,7 @@
             <a:fld id="{8A03A660-8C9C-4A1F-A743-276051C51089}" type="datetimeFigureOut">
               <a:rPr lang="hu-HU" smtClean="0"/>
               <a:pPr/>
-              <a:t>2023. 02. 07.</a:t>
+              <a:t>2023.02.16.</a:t>
             </a:fld>
             <a:endParaRPr lang="hu-HU" dirty="0"/>
           </a:p>
@@ -1782,7 +1782,7 @@
             <a:fld id="{8A03A660-8C9C-4A1F-A743-276051C51089}" type="datetimeFigureOut">
               <a:rPr lang="hu-HU" smtClean="0"/>
               <a:pPr/>
-              <a:t>2023. 02. 07.</a:t>
+              <a:t>2023.02.16.</a:t>
             </a:fld>
             <a:endParaRPr lang="hu-HU" dirty="0"/>
           </a:p>
@@ -2148,7 +2148,7 @@
             <a:fld id="{8A03A660-8C9C-4A1F-A743-276051C51089}" type="datetimeFigureOut">
               <a:rPr lang="hu-HU" smtClean="0"/>
               <a:pPr/>
-              <a:t>2023. 02. 07.</a:t>
+              <a:t>2023.02.16.</a:t>
             </a:fld>
             <a:endParaRPr lang="hu-HU" dirty="0"/>
           </a:p>
@@ -2267,7 +2267,7 @@
             <a:fld id="{8A03A660-8C9C-4A1F-A743-276051C51089}" type="datetimeFigureOut">
               <a:rPr lang="hu-HU" smtClean="0"/>
               <a:pPr/>
-              <a:t>2023. 02. 07.</a:t>
+              <a:t>2023.02.16.</a:t>
             </a:fld>
             <a:endParaRPr lang="hu-HU" dirty="0"/>
           </a:p>
@@ -2364,7 +2364,7 @@
             <a:fld id="{8A03A660-8C9C-4A1F-A743-276051C51089}" type="datetimeFigureOut">
               <a:rPr lang="hu-HU" smtClean="0"/>
               <a:pPr/>
-              <a:t>2023. 02. 07.</a:t>
+              <a:t>2023.02.16.</a:t>
             </a:fld>
             <a:endParaRPr lang="hu-HU" dirty="0"/>
           </a:p>
@@ -2641,7 +2641,7 @@
             <a:fld id="{8A03A660-8C9C-4A1F-A743-276051C51089}" type="datetimeFigureOut">
               <a:rPr lang="hu-HU" smtClean="0"/>
               <a:pPr/>
-              <a:t>2023. 02. 07.</a:t>
+              <a:t>2023.02.16.</a:t>
             </a:fld>
             <a:endParaRPr lang="hu-HU" dirty="0"/>
           </a:p>
@@ -2895,7 +2895,7 @@
             <a:fld id="{8A03A660-8C9C-4A1F-A743-276051C51089}" type="datetimeFigureOut">
               <a:rPr lang="hu-HU" smtClean="0"/>
               <a:pPr/>
-              <a:t>2023. 02. 07.</a:t>
+              <a:t>2023.02.16.</a:t>
             </a:fld>
             <a:endParaRPr lang="hu-HU" dirty="0"/>
           </a:p>
@@ -3108,7 +3108,7 @@
             <a:fld id="{8A03A660-8C9C-4A1F-A743-276051C51089}" type="datetimeFigureOut">
               <a:rPr lang="hu-HU" smtClean="0"/>
               <a:pPr/>
-              <a:t>2023. 02. 07.</a:t>
+              <a:t>2023.02.16.</a:t>
             </a:fld>
             <a:endParaRPr lang="hu-HU" dirty="0"/>
           </a:p>
@@ -3646,79 +3646,13 @@
       </p:grpSpPr>
       <p:sp>
         <p:nvSpPr>
-          <p:cNvPr id="4" name="Cím 1"/>
-          <p:cNvSpPr txBox="1">
-            <a:spLocks/>
-          </p:cNvSpPr>
-          <p:nvPr/>
-        </p:nvSpPr>
-        <p:spPr>
-          <a:xfrm>
-            <a:off x="344904" y="16042"/>
-            <a:ext cx="8508151" cy="1876926"/>
-          </a:xfrm>
-          <a:prstGeom prst="rect">
-            <a:avLst/>
-          </a:prstGeom>
-        </p:spPr>
-        <p:txBody>
-          <a:bodyPr vert="horz" lIns="91440" tIns="45720" rIns="91440" bIns="45720" rtlCol="0" anchor="b">
-            <a:noAutofit/>
-          </a:bodyPr>
-          <a:lstStyle>
-            <a:lvl1pPr algn="ctr" defTabSz="914400" rtl="0" eaLnBrk="1" latinLnBrk="0" hangingPunct="1">
-              <a:lnSpc>
-                <a:spcPct val="90000"/>
-              </a:lnSpc>
-              <a:spcBef>
-                <a:spcPct val="0"/>
-              </a:spcBef>
-              <a:buNone/>
-              <a:defRPr sz="6000" kern="1200">
-                <a:solidFill>
-                  <a:schemeClr val="tx1"/>
-                </a:solidFill>
-                <a:latin typeface="+mj-lt"/>
-                <a:ea typeface="+mj-ea"/>
-                <a:cs typeface="+mj-cs"/>
-              </a:defRPr>
-            </a:lvl1pPr>
-          </a:lstStyle>
-          <a:p>
-            <a:pPr algn="l"/>
-            <a:r>
-              <a:rPr lang="hu-HU" sz="4500" dirty="0">
-                <a:solidFill>
-                  <a:srgbClr val="FE4755"/>
-                </a:solidFill>
-                <a:latin typeface="Arial Nova" panose="020B0504020202020204" pitchFamily="34" charset="0"/>
-              </a:rPr>
-              <a:t>Tarr Gábor része a munkából</a:t>
-            </a:r>
-            <a:br>
-              <a:rPr lang="hu-HU" sz="4500" dirty="0">
-                <a:solidFill>
-                  <a:srgbClr val="FE4755"/>
-                </a:solidFill>
-              </a:rPr>
-            </a:br>
-            <a:endParaRPr lang="hu-HU" sz="4500" dirty="0">
-              <a:solidFill>
-                <a:srgbClr val="FE4755"/>
-              </a:solidFill>
-            </a:endParaRPr>
-          </a:p>
-        </p:txBody>
-      </p:sp>
-      <p:sp>
-        <p:nvSpPr>
           <p:cNvPr id="9" name="Szövegdoboz 8"/>
           <p:cNvSpPr txBox="1"/>
           <p:nvPr/>
         </p:nvSpPr>
         <p:spPr>
           <a:xfrm>
-            <a:off x="530923" y="2504706"/>
+            <a:off x="514297" y="2596146"/>
             <a:ext cx="4676277" cy="1818703"/>
           </a:xfrm>
           <a:prstGeom prst="rect">
@@ -3744,7 +3678,7 @@
                 </a:solidFill>
                 <a:latin typeface="Arial Nova" panose="020B0504020202020204" pitchFamily="34" charset="0"/>
               </a:rPr>
-              <a:t>Fracture aloldal </a:t>
+              <a:t>Haven és Icebox aloldal </a:t>
             </a:r>
           </a:p>
           <a:p>
@@ -3786,7 +3720,7 @@
         </p:nvSpPr>
         <p:spPr>
           <a:xfrm>
-            <a:off x="6922629" y="5305928"/>
+            <a:off x="5505658" y="5613055"/>
             <a:ext cx="3256207" cy="369332"/>
           </a:xfrm>
           <a:prstGeom prst="rect">
@@ -3808,7 +3742,41 @@
                 </a:solidFill>
                 <a:latin typeface="Arial Nova" panose="020B0504020202020204" pitchFamily="34" charset="0"/>
               </a:rPr>
-              <a:t>Kódrészlet a Fracture oldalból</a:t>
+              <a:t>Kódrészlet a Haven oldalból</a:t>
+            </a:r>
+          </a:p>
+        </p:txBody>
+      </p:sp>
+      <p:sp>
+        <p:nvSpPr>
+          <p:cNvPr id="7" name="Szövegdoboz 6"/>
+          <p:cNvSpPr txBox="1"/>
+          <p:nvPr/>
+        </p:nvSpPr>
+        <p:spPr>
+          <a:xfrm>
+            <a:off x="9329622" y="5613055"/>
+            <a:ext cx="2404282" cy="646331"/>
+          </a:xfrm>
+          <a:prstGeom prst="rect">
+            <a:avLst/>
+          </a:prstGeom>
+          <a:noFill/>
+        </p:spPr>
+        <p:txBody>
+          <a:bodyPr wrap="square" rtlCol="0">
+            <a:spAutoFit/>
+          </a:bodyPr>
+          <a:lstStyle/>
+          <a:p>
+            <a:r>
+              <a:rPr lang="hu-HU" dirty="0">
+                <a:solidFill>
+                  <a:srgbClr val="FE4755"/>
+                </a:solidFill>
+                <a:latin typeface="Arial Nova" panose="020B0504020202020204" pitchFamily="34" charset="0"/>
+              </a:rPr>
+              <a:t>Kódrészlet az Icebox oldalból</a:t>
             </a:r>
           </a:p>
         </p:txBody>
@@ -3818,7 +3786,37 @@
           <p:cNvPr id="3" name="Picture 2">
             <a:extLst>
               <a:ext uri="{FF2B5EF4-FFF2-40B4-BE49-F238E27FC236}">
-                <a16:creationId xmlns:a16="http://schemas.microsoft.com/office/drawing/2014/main" id="{1E0D10E5-10E5-6B92-2FF4-BFDE8AC29516}"/>
+                <a16:creationId xmlns:a16="http://schemas.microsoft.com/office/drawing/2014/main" id="{B6CA7F20-6DA8-EDB2-3E1D-572221D2B9ED}"/>
+              </a:ext>
+            </a:extLst>
+          </p:cNvPr>
+          <p:cNvPicPr>
+            <a:picLocks noChangeAspect="1"/>
+          </p:cNvPicPr>
+          <p:nvPr/>
+        </p:nvPicPr>
+        <p:blipFill>
+          <a:blip r:embed="rId2"/>
+          <a:stretch>
+            <a:fillRect/>
+          </a:stretch>
+        </p:blipFill>
+        <p:spPr>
+          <a:xfrm>
+            <a:off x="5774957" y="1724645"/>
+            <a:ext cx="2717608" cy="3888410"/>
+          </a:xfrm>
+          <a:prstGeom prst="rect">
+            <a:avLst/>
+          </a:prstGeom>
+        </p:spPr>
+      </p:pic>
+      <p:pic>
+        <p:nvPicPr>
+          <p:cNvPr id="6" name="Picture 5">
+            <a:extLst>
+              <a:ext uri="{FF2B5EF4-FFF2-40B4-BE49-F238E27FC236}">
+                <a16:creationId xmlns:a16="http://schemas.microsoft.com/office/drawing/2014/main" id="{179CAF11-4BA2-D10B-FB15-E93CBF675116}"/>
               </a:ext>
             </a:extLst>
           </p:cNvPr>
@@ -3835,8 +3833,8 @@
         </p:blipFill>
         <p:spPr>
           <a:xfrm>
-            <a:off x="5004769" y="2257416"/>
-            <a:ext cx="6873124" cy="3048512"/>
+            <a:off x="9233394" y="1724645"/>
+            <a:ext cx="2596738" cy="3857096"/>
           </a:xfrm>
           <a:prstGeom prst="rect">
             <a:avLst/>
@@ -3846,7 +3844,7 @@
     </p:spTree>
     <p:extLst>
       <p:ext uri="{BB962C8B-B14F-4D97-AF65-F5344CB8AC3E}">
-        <p14:creationId xmlns:p14="http://schemas.microsoft.com/office/powerpoint/2010/main" val="2993081336"/>
+        <p14:creationId xmlns:p14="http://schemas.microsoft.com/office/powerpoint/2010/main" val="4168293000"/>
       </p:ext>
     </p:extLst>
   </p:cSld>
@@ -3889,7 +3887,7 @@
                 <a16:creationId xmlns:a16="http://schemas.microsoft.com/office/drawing/2014/main" id="{71B2258F-86CA-4D4D-8270-BC05FCDEBFB3}"/>
               </a:ext>
               <a:ext uri="{C183D7F6-B498-43B3-948B-1728B52AA6E4}">
-                <adec:decorative xmlns:adec="http://schemas.microsoft.com/office/drawing/2017/decorative" val="1"/>
+                <adec:decorative xmlns:adec="http://schemas.microsoft.com/office/drawing/2017/decorative" xmlns="" val="1"/>
               </a:ext>
             </a:extLst>
           </p:cNvPr>
@@ -4628,7 +4626,7 @@
         </p:nvSpPr>
         <p:spPr>
           <a:xfrm>
-            <a:off x="344904" y="0"/>
+            <a:off x="344904" y="48848"/>
             <a:ext cx="8524776" cy="1892826"/>
           </a:xfrm>
           <a:prstGeom prst="rect">
@@ -4669,6 +4667,14 @@
               </a:rPr>
               <a:t>Csanádi Kevin része a munkából</a:t>
             </a:r>
+            <a:r>
+              <a:rPr lang="hu-HU" sz="4500" dirty="0">
+                <a:solidFill>
+                  <a:srgbClr val="FE4755"/>
+                </a:solidFill>
+              </a:rPr>
+              <a:t/>
+            </a:r>
             <a:br>
               <a:rPr lang="hu-HU" sz="4500" dirty="0">
                 <a:solidFill>
@@ -4750,7 +4756,25 @@
                 </a:solidFill>
                 <a:latin typeface="Arial Nova" panose="020B0504020202020204" pitchFamily="34" charset="0"/>
               </a:rPr>
-              <a:t>Ascent, Bind, Breeze aloldalak elkészítése</a:t>
+              <a:t>Ascent, Bind, Breeze </a:t>
+            </a:r>
+            <a:r>
+              <a:rPr lang="hu-HU" sz="2600" dirty="0" err="1">
+                <a:solidFill>
+                  <a:srgbClr val="FE4755"/>
+                </a:solidFill>
+                <a:latin typeface="Arial Nova" panose="020B0504020202020204" pitchFamily="34" charset="0"/>
+              </a:rPr>
+              <a:t>aloldalak</a:t>
+            </a:r>
+            <a:r>
+              <a:rPr lang="hu-HU" sz="2600" dirty="0">
+                <a:solidFill>
+                  <a:srgbClr val="FE4755"/>
+                </a:solidFill>
+                <a:latin typeface="Arial Nova" panose="020B0504020202020204" pitchFamily="34" charset="0"/>
+              </a:rPr>
+              <a:t> elkészítése</a:t>
             </a:r>
           </a:p>
         </p:txBody>
@@ -4851,72 +4875,6 @@
           <a:chExt cx="0" cy="0"/>
         </a:xfrm>
       </p:grpSpPr>
-      <p:sp>
-        <p:nvSpPr>
-          <p:cNvPr id="4" name="Cím 1"/>
-          <p:cNvSpPr txBox="1">
-            <a:spLocks/>
-          </p:cNvSpPr>
-          <p:nvPr/>
-        </p:nvSpPr>
-        <p:spPr>
-          <a:xfrm>
-            <a:off x="344904" y="16042"/>
-            <a:ext cx="8516463" cy="1876926"/>
-          </a:xfrm>
-          <a:prstGeom prst="rect">
-            <a:avLst/>
-          </a:prstGeom>
-        </p:spPr>
-        <p:txBody>
-          <a:bodyPr vert="horz" lIns="91440" tIns="45720" rIns="91440" bIns="45720" rtlCol="0" anchor="b">
-            <a:noAutofit/>
-          </a:bodyPr>
-          <a:lstStyle>
-            <a:lvl1pPr algn="ctr" defTabSz="914400" rtl="0" eaLnBrk="1" latinLnBrk="0" hangingPunct="1">
-              <a:lnSpc>
-                <a:spcPct val="90000"/>
-              </a:lnSpc>
-              <a:spcBef>
-                <a:spcPct val="0"/>
-              </a:spcBef>
-              <a:buNone/>
-              <a:defRPr sz="6000" kern="1200">
-                <a:solidFill>
-                  <a:schemeClr val="tx1"/>
-                </a:solidFill>
-                <a:latin typeface="+mj-lt"/>
-                <a:ea typeface="+mj-ea"/>
-                <a:cs typeface="+mj-cs"/>
-              </a:defRPr>
-            </a:lvl1pPr>
-          </a:lstStyle>
-          <a:p>
-            <a:pPr algn="l"/>
-            <a:r>
-              <a:rPr lang="hu-HU" sz="4500" dirty="0">
-                <a:solidFill>
-                  <a:srgbClr val="FE4755"/>
-                </a:solidFill>
-                <a:latin typeface="Arial Nova" panose="020B0504020202020204" pitchFamily="34" charset="0"/>
-              </a:rPr>
-              <a:t>Csanádi Kevin része a munkából</a:t>
-            </a:r>
-            <a:br>
-              <a:rPr lang="hu-HU" sz="4500" dirty="0">
-                <a:solidFill>
-                  <a:srgbClr val="FE4755"/>
-                </a:solidFill>
-              </a:rPr>
-            </a:br>
-            <a:endParaRPr lang="hu-HU" sz="4500" dirty="0">
-              <a:solidFill>
-                <a:srgbClr val="FE4755"/>
-              </a:solidFill>
-            </a:endParaRPr>
-          </a:p>
-        </p:txBody>
-      </p:sp>
       <p:sp>
         <p:nvSpPr>
           <p:cNvPr id="9" name="Szövegdoboz 8"/>
@@ -5087,72 +5045,6 @@
       </p:grpSpPr>
       <p:sp>
         <p:nvSpPr>
-          <p:cNvPr id="4" name="Cím 1"/>
-          <p:cNvSpPr txBox="1">
-            <a:spLocks/>
-          </p:cNvSpPr>
-          <p:nvPr/>
-        </p:nvSpPr>
-        <p:spPr>
-          <a:xfrm>
-            <a:off x="344904" y="16042"/>
-            <a:ext cx="8508151" cy="1876926"/>
-          </a:xfrm>
-          <a:prstGeom prst="rect">
-            <a:avLst/>
-          </a:prstGeom>
-        </p:spPr>
-        <p:txBody>
-          <a:bodyPr vert="horz" lIns="91440" tIns="45720" rIns="91440" bIns="45720" rtlCol="0" anchor="b">
-            <a:noAutofit/>
-          </a:bodyPr>
-          <a:lstStyle>
-            <a:lvl1pPr algn="ctr" defTabSz="914400" rtl="0" eaLnBrk="1" latinLnBrk="0" hangingPunct="1">
-              <a:lnSpc>
-                <a:spcPct val="90000"/>
-              </a:lnSpc>
-              <a:spcBef>
-                <a:spcPct val="0"/>
-              </a:spcBef>
-              <a:buNone/>
-              <a:defRPr sz="6000" kern="1200">
-                <a:solidFill>
-                  <a:schemeClr val="tx1"/>
-                </a:solidFill>
-                <a:latin typeface="+mj-lt"/>
-                <a:ea typeface="+mj-ea"/>
-                <a:cs typeface="+mj-cs"/>
-              </a:defRPr>
-            </a:lvl1pPr>
-          </a:lstStyle>
-          <a:p>
-            <a:pPr algn="l"/>
-            <a:r>
-              <a:rPr lang="hu-HU" sz="4500" dirty="0">
-                <a:solidFill>
-                  <a:srgbClr val="FE4755"/>
-                </a:solidFill>
-                <a:latin typeface="Arial Nova" panose="020B0504020202020204" pitchFamily="34" charset="0"/>
-              </a:rPr>
-              <a:t>Csanádi Kevin része a munkából</a:t>
-            </a:r>
-            <a:br>
-              <a:rPr lang="hu-HU" sz="4500" dirty="0">
-                <a:solidFill>
-                  <a:srgbClr val="FE4755"/>
-                </a:solidFill>
-              </a:rPr>
-            </a:br>
-            <a:endParaRPr lang="hu-HU" sz="4500" dirty="0">
-              <a:solidFill>
-                <a:srgbClr val="FE4755"/>
-              </a:solidFill>
-            </a:endParaRPr>
-          </a:p>
-        </p:txBody>
-      </p:sp>
-      <p:sp>
-        <p:nvSpPr>
           <p:cNvPr id="9" name="Szövegdoboz 8"/>
           <p:cNvSpPr txBox="1"/>
           <p:nvPr/>
@@ -5372,6 +5264,14 @@
               </a:rPr>
               <a:t>Dudás Levente része a munkából</a:t>
             </a:r>
+            <a:r>
+              <a:rPr lang="hu-HU" sz="4500" dirty="0">
+                <a:solidFill>
+                  <a:srgbClr val="FE4755"/>
+                </a:solidFill>
+              </a:rPr>
+              <a:t/>
+            </a:r>
             <a:br>
               <a:rPr lang="hu-HU" sz="4500" dirty="0">
                 <a:solidFill>
@@ -5563,72 +5463,6 @@
       </p:grpSpPr>
       <p:sp>
         <p:nvSpPr>
-          <p:cNvPr id="4" name="Cím 1"/>
-          <p:cNvSpPr txBox="1">
-            <a:spLocks/>
-          </p:cNvSpPr>
-          <p:nvPr/>
-        </p:nvSpPr>
-        <p:spPr>
-          <a:xfrm>
-            <a:off x="344904" y="16041"/>
-            <a:ext cx="9904689" cy="1818703"/>
-          </a:xfrm>
-          <a:prstGeom prst="rect">
-            <a:avLst/>
-          </a:prstGeom>
-        </p:spPr>
-        <p:txBody>
-          <a:bodyPr vert="horz" lIns="91440" tIns="45720" rIns="91440" bIns="45720" rtlCol="0" anchor="b">
-            <a:noAutofit/>
-          </a:bodyPr>
-          <a:lstStyle>
-            <a:lvl1pPr algn="ctr" defTabSz="914400" rtl="0" eaLnBrk="1" latinLnBrk="0" hangingPunct="1">
-              <a:lnSpc>
-                <a:spcPct val="90000"/>
-              </a:lnSpc>
-              <a:spcBef>
-                <a:spcPct val="0"/>
-              </a:spcBef>
-              <a:buNone/>
-              <a:defRPr sz="6000" kern="1200">
-                <a:solidFill>
-                  <a:schemeClr val="tx1"/>
-                </a:solidFill>
-                <a:latin typeface="+mj-lt"/>
-                <a:ea typeface="+mj-ea"/>
-                <a:cs typeface="+mj-cs"/>
-              </a:defRPr>
-            </a:lvl1pPr>
-          </a:lstStyle>
-          <a:p>
-            <a:pPr algn="l"/>
-            <a:r>
-              <a:rPr lang="hu-HU" sz="4500" dirty="0">
-                <a:solidFill>
-                  <a:srgbClr val="FE4755"/>
-                </a:solidFill>
-                <a:latin typeface="Arial Nova" panose="020B0504020202020204" pitchFamily="34" charset="0"/>
-              </a:rPr>
-              <a:t>Dudás Levente része a munkából</a:t>
-            </a:r>
-            <a:br>
-              <a:rPr lang="hu-HU" sz="4500" dirty="0">
-                <a:solidFill>
-                  <a:srgbClr val="FE4755"/>
-                </a:solidFill>
-              </a:rPr>
-            </a:br>
-            <a:endParaRPr lang="hu-HU" sz="4500" dirty="0">
-              <a:solidFill>
-                <a:srgbClr val="FE4755"/>
-              </a:solidFill>
-            </a:endParaRPr>
-          </a:p>
-        </p:txBody>
-      </p:sp>
-      <p:sp>
-        <p:nvSpPr>
           <p:cNvPr id="9" name="Szövegdoboz 8"/>
           <p:cNvSpPr txBox="1"/>
           <p:nvPr/>
@@ -5919,6 +5753,14 @@
               </a:rPr>
               <a:t>Tarr Gábor része a munkából</a:t>
             </a:r>
+            <a:r>
+              <a:rPr lang="hu-HU" sz="4500" dirty="0">
+                <a:solidFill>
+                  <a:srgbClr val="FE4755"/>
+                </a:solidFill>
+              </a:rPr>
+              <a:t/>
+            </a:r>
             <a:br>
               <a:rPr lang="hu-HU" sz="4500" dirty="0">
                 <a:solidFill>
@@ -5942,8 +5784,8 @@
         </p:nvSpPr>
         <p:spPr>
           <a:xfrm>
-            <a:off x="514297" y="2596146"/>
-            <a:ext cx="4676277" cy="1818703"/>
+            <a:off x="530923" y="2504706"/>
+            <a:ext cx="5457282" cy="1292662"/>
           </a:xfrm>
           <a:prstGeom prst="rect">
             <a:avLst/>
@@ -5968,8 +5810,14 @@
                 </a:solidFill>
                 <a:latin typeface="Arial Nova" panose="020B0504020202020204" pitchFamily="34" charset="0"/>
               </a:rPr>
-              <a:t>Haven és Icebox aloldal </a:t>
-            </a:r>
+              <a:t>Aloldalak kinézetének ötlete </a:t>
+            </a:r>
+            <a:endParaRPr lang="hu-HU" sz="2600" dirty="0" smtClean="0">
+              <a:solidFill>
+                <a:srgbClr val="FE4755"/>
+              </a:solidFill>
+              <a:latin typeface="Arial Nova" panose="020B0504020202020204" pitchFamily="34" charset="0"/>
+            </a:endParaRPr>
           </a:p>
           <a:p>
             <a:pPr>
@@ -5978,27 +5826,14 @@
               </a:lnSpc>
             </a:pPr>
             <a:r>
-              <a:rPr lang="hu-HU" sz="2600" dirty="0">
+              <a:rPr lang="hu-HU" sz="2600" dirty="0" smtClean="0">
                 <a:solidFill>
                   <a:srgbClr val="FE4755"/>
                 </a:solidFill>
                 <a:latin typeface="Arial Nova" panose="020B0504020202020204" pitchFamily="34" charset="0"/>
               </a:rPr>
-              <a:t>megvalósítása </a:t>
-            </a:r>
-          </a:p>
-          <a:p>
-            <a:pPr>
-              <a:lnSpc>
-                <a:spcPct val="150000"/>
-              </a:lnSpc>
-            </a:pPr>
-            <a:endParaRPr lang="hu-HU" sz="2600" dirty="0">
-              <a:solidFill>
-                <a:srgbClr val="FE4755"/>
-              </a:solidFill>
-              <a:latin typeface="Arial Nova" panose="020B0504020202020204" pitchFamily="34" charset="0"/>
-            </a:endParaRPr>
+              <a:t>Fracture aloldal megvalósítása</a:t>
+            </a:r>
           </a:p>
         </p:txBody>
       </p:sp>
@@ -6010,7 +5845,7 @@
         </p:nvSpPr>
         <p:spPr>
           <a:xfrm>
-            <a:off x="5505658" y="5613055"/>
+            <a:off x="6936619" y="5196468"/>
             <a:ext cx="3256207" cy="369332"/>
           </a:xfrm>
           <a:prstGeom prst="rect">
@@ -6032,41 +5867,7 @@
                 </a:solidFill>
                 <a:latin typeface="Arial Nova" panose="020B0504020202020204" pitchFamily="34" charset="0"/>
               </a:rPr>
-              <a:t>Kódrészlet a Haven oldalból</a:t>
-            </a:r>
-          </a:p>
-        </p:txBody>
-      </p:sp>
-      <p:sp>
-        <p:nvSpPr>
-          <p:cNvPr id="7" name="Szövegdoboz 6"/>
-          <p:cNvSpPr txBox="1"/>
-          <p:nvPr/>
-        </p:nvSpPr>
-        <p:spPr>
-          <a:xfrm>
-            <a:off x="9329622" y="5613055"/>
-            <a:ext cx="2404282" cy="646331"/>
-          </a:xfrm>
-          <a:prstGeom prst="rect">
-            <a:avLst/>
-          </a:prstGeom>
-          <a:noFill/>
-        </p:spPr>
-        <p:txBody>
-          <a:bodyPr wrap="square" rtlCol="0">
-            <a:spAutoFit/>
-          </a:bodyPr>
-          <a:lstStyle/>
-          <a:p>
-            <a:r>
-              <a:rPr lang="hu-HU" dirty="0">
-                <a:solidFill>
-                  <a:srgbClr val="FE4755"/>
-                </a:solidFill>
-                <a:latin typeface="Arial Nova" panose="020B0504020202020204" pitchFamily="34" charset="0"/>
-              </a:rPr>
-              <a:t>Kódrészlet az Icebox oldalból</a:t>
+              <a:t>Kódrészlet a Fracture oldalból</a:t>
             </a:r>
           </a:p>
         </p:txBody>
@@ -6076,37 +5877,7 @@
           <p:cNvPr id="3" name="Picture 2">
             <a:extLst>
               <a:ext uri="{FF2B5EF4-FFF2-40B4-BE49-F238E27FC236}">
-                <a16:creationId xmlns:a16="http://schemas.microsoft.com/office/drawing/2014/main" id="{B6CA7F20-6DA8-EDB2-3E1D-572221D2B9ED}"/>
-              </a:ext>
-            </a:extLst>
-          </p:cNvPr>
-          <p:cNvPicPr>
-            <a:picLocks noChangeAspect="1"/>
-          </p:cNvPicPr>
-          <p:nvPr/>
-        </p:nvPicPr>
-        <p:blipFill>
-          <a:blip r:embed="rId2"/>
-          <a:stretch>
-            <a:fillRect/>
-          </a:stretch>
-        </p:blipFill>
-        <p:spPr>
-          <a:xfrm>
-            <a:off x="5774957" y="1724645"/>
-            <a:ext cx="2717608" cy="3888410"/>
-          </a:xfrm>
-          <a:prstGeom prst="rect">
-            <a:avLst/>
-          </a:prstGeom>
-        </p:spPr>
-      </p:pic>
-      <p:pic>
-        <p:nvPicPr>
-          <p:cNvPr id="6" name="Picture 5">
-            <a:extLst>
-              <a:ext uri="{FF2B5EF4-FFF2-40B4-BE49-F238E27FC236}">
-                <a16:creationId xmlns:a16="http://schemas.microsoft.com/office/drawing/2014/main" id="{179CAF11-4BA2-D10B-FB15-E93CBF675116}"/>
+                <a16:creationId xmlns:a16="http://schemas.microsoft.com/office/drawing/2014/main" id="{1E0D10E5-10E5-6B92-2FF4-BFDE8AC29516}"/>
               </a:ext>
             </a:extLst>
           </p:cNvPr>
@@ -6123,8 +5894,8 @@
         </p:blipFill>
         <p:spPr>
           <a:xfrm>
-            <a:off x="9233394" y="1724645"/>
-            <a:ext cx="2596738" cy="3857096"/>
+            <a:off x="5251555" y="2257416"/>
+            <a:ext cx="6626337" cy="2939052"/>
           </a:xfrm>
           <a:prstGeom prst="rect">
             <a:avLst/>
@@ -6134,7 +5905,7 @@
     </p:spTree>
     <p:extLst>
       <p:ext uri="{BB962C8B-B14F-4D97-AF65-F5344CB8AC3E}">
-        <p14:creationId xmlns:p14="http://schemas.microsoft.com/office/powerpoint/2010/main" val="4168293000"/>
+        <p14:creationId xmlns:p14="http://schemas.microsoft.com/office/powerpoint/2010/main" val="2993081336"/>
       </p:ext>
     </p:extLst>
   </p:cSld>
